--- a/CZ Technical Defence.pptx
+++ b/CZ Technical Defence.pptx
@@ -2,18 +2,23 @@
 <file path=ppt/presentation.xml><?xml version="1.0" encoding="utf-8"?>
 <p:presentation xmlns:a="http://schemas.openxmlformats.org/drawingml/2006/main" xmlns:r="http://schemas.openxmlformats.org/officeDocument/2006/relationships" xmlns:p="http://schemas.openxmlformats.org/presentationml/2006/main" saveSubsetFonts="1">
   <p:sldMasterIdLst>
-    <p:sldMasterId id="2147483648" r:id="rId1"/>
+    <p:sldMasterId id="2147483768" r:id="rId1"/>
   </p:sldMasterIdLst>
+  <p:notesMasterIdLst>
+    <p:notesMasterId r:id="rId13"/>
+  </p:notesMasterIdLst>
   <p:sldIdLst>
     <p:sldId id="256" r:id="rId2"/>
     <p:sldId id="264" r:id="rId3"/>
     <p:sldId id="258" r:id="rId4"/>
     <p:sldId id="263" r:id="rId5"/>
     <p:sldId id="257" r:id="rId6"/>
-    <p:sldId id="259" r:id="rId7"/>
-    <p:sldId id="260" r:id="rId8"/>
-    <p:sldId id="261" r:id="rId9"/>
-    <p:sldId id="262" r:id="rId10"/>
+    <p:sldId id="266" r:id="rId7"/>
+    <p:sldId id="265" r:id="rId8"/>
+    <p:sldId id="267" r:id="rId9"/>
+    <p:sldId id="260" r:id="rId10"/>
+    <p:sldId id="261" r:id="rId11"/>
+    <p:sldId id="262" r:id="rId12"/>
   </p:sldIdLst>
   <p:sldSz cx="9144000" cy="6858000" type="screen4x3"/>
   <p:notesSz cx="6858000" cy="9144000"/>
@@ -115,9 +120,14 @@
 </p:presentation>
 </file>
 
-<file path=ppt/slideLayouts/slideLayout1.xml><?xml version="1.0" encoding="utf-8"?>
-<p:sldLayout xmlns:a="http://schemas.openxmlformats.org/drawingml/2006/main" xmlns:r="http://schemas.openxmlformats.org/officeDocument/2006/relationships" xmlns:p="http://schemas.openxmlformats.org/presentationml/2006/main" type="title" preserve="1">
-  <p:cSld name="Title Slide">
+<file path=ppt/notesMasters/notesMaster1.xml><?xml version="1.0" encoding="utf-8"?>
+<p:notesMaster xmlns:a="http://schemas.openxmlformats.org/drawingml/2006/main" xmlns:r="http://schemas.openxmlformats.org/officeDocument/2006/relationships" xmlns:p="http://schemas.openxmlformats.org/presentationml/2006/main">
+  <p:cSld>
+    <p:bg>
+      <p:bgRef idx="1001">
+        <a:schemeClr val="bg1"/>
+      </p:bgRef>
+    </p:bg>
     <p:spTree>
       <p:nvGrpSpPr>
         <p:cNvPr id="1" name=""/>
@@ -134,46 +144,1492 @@
       </p:grpSpPr>
       <p:sp>
         <p:nvSpPr>
-          <p:cNvPr id="2" name="Title 1"/>
-          <p:cNvSpPr>
-            <a:spLocks noGrp="1"/>
-          </p:cNvSpPr>
-          <p:nvPr>
-            <p:ph type="ctrTitle"/>
+          <p:cNvPr id="2" name="Header Placeholder 1"/>
+          <p:cNvSpPr>
+            <a:spLocks noGrp="1"/>
+          </p:cNvSpPr>
+          <p:nvPr>
+            <p:ph type="hdr" sz="quarter"/>
           </p:nvPr>
         </p:nvSpPr>
         <p:spPr>
           <a:xfrm>
-            <a:off x="685800" y="2130425"/>
-            <a:ext cx="7772400" cy="1470025"/>
+            <a:off x="0" y="0"/>
+            <a:ext cx="2971800" cy="457200"/>
           </a:xfrm>
+          <a:prstGeom prst="rect">
+            <a:avLst/>
+          </a:prstGeom>
         </p:spPr>
         <p:txBody>
-          <a:bodyPr/>
-          <a:lstStyle/>
-          <a:p>
-            <a:r>
-              <a:rPr lang="en-US" smtClean="0"/>
-              <a:t>Click to edit Master title style</a:t>
-            </a:r>
+          <a:bodyPr vert="horz" lIns="91440" tIns="45720" rIns="91440" bIns="45720" rtlCol="0"/>
+          <a:lstStyle>
+            <a:lvl1pPr algn="l">
+              <a:defRPr sz="1200"/>
+            </a:lvl1pPr>
+          </a:lstStyle>
+          <a:p>
             <a:endParaRPr lang="en-NZ"/>
           </a:p>
         </p:txBody>
       </p:sp>
       <p:sp>
         <p:nvSpPr>
-          <p:cNvPr id="3" name="Subtitle 2"/>
-          <p:cNvSpPr>
-            <a:spLocks noGrp="1"/>
-          </p:cNvSpPr>
-          <p:nvPr>
-            <p:ph type="subTitle" idx="1"/>
+          <p:cNvPr id="3" name="Date Placeholder 2"/>
+          <p:cNvSpPr>
+            <a:spLocks noGrp="1"/>
+          </p:cNvSpPr>
+          <p:nvPr>
+            <p:ph type="dt" idx="1"/>
           </p:nvPr>
         </p:nvSpPr>
         <p:spPr>
           <a:xfrm>
-            <a:off x="1371600" y="3886200"/>
-            <a:ext cx="6400800" cy="1752600"/>
+            <a:off x="3884613" y="0"/>
+            <a:ext cx="2971800" cy="457200"/>
+          </a:xfrm>
+          <a:prstGeom prst="rect">
+            <a:avLst/>
+          </a:prstGeom>
+        </p:spPr>
+        <p:txBody>
+          <a:bodyPr vert="horz" lIns="91440" tIns="45720" rIns="91440" bIns="45720" rtlCol="0"/>
+          <a:lstStyle>
+            <a:lvl1pPr algn="r">
+              <a:defRPr sz="1200"/>
+            </a:lvl1pPr>
+          </a:lstStyle>
+          <a:p>
+            <a:fld id="{953522FE-01C7-4B88-8BDE-D1C3E4B31875}" type="datetimeFigureOut">
+              <a:rPr lang="en-NZ" smtClean="0"/>
+              <a:t>9/05/2015</a:t>
+            </a:fld>
+            <a:endParaRPr lang="en-NZ"/>
+          </a:p>
+        </p:txBody>
+      </p:sp>
+      <p:sp>
+        <p:nvSpPr>
+          <p:cNvPr id="4" name="Slide Image Placeholder 3"/>
+          <p:cNvSpPr>
+            <a:spLocks noGrp="1" noRot="1" noChangeAspect="1"/>
+          </p:cNvSpPr>
+          <p:nvPr>
+            <p:ph type="sldImg" idx="2"/>
+          </p:nvPr>
+        </p:nvSpPr>
+        <p:spPr>
+          <a:xfrm>
+            <a:off x="1143000" y="685800"/>
+            <a:ext cx="4572000" cy="3429000"/>
+          </a:xfrm>
+          <a:prstGeom prst="rect">
+            <a:avLst/>
+          </a:prstGeom>
+          <a:noFill/>
+          <a:ln w="12700">
+            <a:solidFill>
+              <a:prstClr val="black"/>
+            </a:solidFill>
+          </a:ln>
+        </p:spPr>
+        <p:txBody>
+          <a:bodyPr vert="horz" lIns="91440" tIns="45720" rIns="91440" bIns="45720" rtlCol="0" anchor="ctr"/>
+          <a:lstStyle/>
+          <a:p>
+            <a:endParaRPr lang="en-NZ"/>
+          </a:p>
+        </p:txBody>
+      </p:sp>
+      <p:sp>
+        <p:nvSpPr>
+          <p:cNvPr id="5" name="Notes Placeholder 4"/>
+          <p:cNvSpPr>
+            <a:spLocks noGrp="1"/>
+          </p:cNvSpPr>
+          <p:nvPr>
+            <p:ph type="body" sz="quarter" idx="3"/>
+          </p:nvPr>
+        </p:nvSpPr>
+        <p:spPr>
+          <a:xfrm>
+            <a:off x="685800" y="4343400"/>
+            <a:ext cx="5486400" cy="4114800"/>
+          </a:xfrm>
+          <a:prstGeom prst="rect">
+            <a:avLst/>
+          </a:prstGeom>
+        </p:spPr>
+        <p:txBody>
+          <a:bodyPr vert="horz" lIns="91440" tIns="45720" rIns="91440" bIns="45720" rtlCol="0"/>
+          <a:lstStyle/>
+          <a:p>
+            <a:pPr lvl="0"/>
+            <a:r>
+              <a:rPr lang="en-US" smtClean="0"/>
+              <a:t>Click to edit Master text styles</a:t>
+            </a:r>
+          </a:p>
+          <a:p>
+            <a:pPr lvl="1"/>
+            <a:r>
+              <a:rPr lang="en-US" smtClean="0"/>
+              <a:t>Second level</a:t>
+            </a:r>
+          </a:p>
+          <a:p>
+            <a:pPr lvl="2"/>
+            <a:r>
+              <a:rPr lang="en-US" smtClean="0"/>
+              <a:t>Third level</a:t>
+            </a:r>
+          </a:p>
+          <a:p>
+            <a:pPr lvl="3"/>
+            <a:r>
+              <a:rPr lang="en-US" smtClean="0"/>
+              <a:t>Fourth level</a:t>
+            </a:r>
+          </a:p>
+          <a:p>
+            <a:pPr lvl="4"/>
+            <a:r>
+              <a:rPr lang="en-US" smtClean="0"/>
+              <a:t>Fifth level</a:t>
+            </a:r>
+            <a:endParaRPr lang="en-NZ"/>
+          </a:p>
+        </p:txBody>
+      </p:sp>
+      <p:sp>
+        <p:nvSpPr>
+          <p:cNvPr id="6" name="Footer Placeholder 5"/>
+          <p:cNvSpPr>
+            <a:spLocks noGrp="1"/>
+          </p:cNvSpPr>
+          <p:nvPr>
+            <p:ph type="ftr" sz="quarter" idx="4"/>
+          </p:nvPr>
+        </p:nvSpPr>
+        <p:spPr>
+          <a:xfrm>
+            <a:off x="0" y="8685213"/>
+            <a:ext cx="2971800" cy="457200"/>
+          </a:xfrm>
+          <a:prstGeom prst="rect">
+            <a:avLst/>
+          </a:prstGeom>
+        </p:spPr>
+        <p:txBody>
+          <a:bodyPr vert="horz" lIns="91440" tIns="45720" rIns="91440" bIns="45720" rtlCol="0" anchor="b"/>
+          <a:lstStyle>
+            <a:lvl1pPr algn="l">
+              <a:defRPr sz="1200"/>
+            </a:lvl1pPr>
+          </a:lstStyle>
+          <a:p>
+            <a:endParaRPr lang="en-NZ"/>
+          </a:p>
+        </p:txBody>
+      </p:sp>
+      <p:sp>
+        <p:nvSpPr>
+          <p:cNvPr id="7" name="Slide Number Placeholder 6"/>
+          <p:cNvSpPr>
+            <a:spLocks noGrp="1"/>
+          </p:cNvSpPr>
+          <p:nvPr>
+            <p:ph type="sldNum" sz="quarter" idx="5"/>
+          </p:nvPr>
+        </p:nvSpPr>
+        <p:spPr>
+          <a:xfrm>
+            <a:off x="3884613" y="8685213"/>
+            <a:ext cx="2971800" cy="457200"/>
+          </a:xfrm>
+          <a:prstGeom prst="rect">
+            <a:avLst/>
+          </a:prstGeom>
+        </p:spPr>
+        <p:txBody>
+          <a:bodyPr vert="horz" lIns="91440" tIns="45720" rIns="91440" bIns="45720" rtlCol="0" anchor="b"/>
+          <a:lstStyle>
+            <a:lvl1pPr algn="r">
+              <a:defRPr sz="1200"/>
+            </a:lvl1pPr>
+          </a:lstStyle>
+          <a:p>
+            <a:fld id="{77A119A6-3C65-41E4-A72F-D05C1A5105B9}" type="slidenum">
+              <a:rPr lang="en-NZ" smtClean="0"/>
+              <a:t>‹#›</a:t>
+            </a:fld>
+            <a:endParaRPr lang="en-NZ"/>
+          </a:p>
+        </p:txBody>
+      </p:sp>
+    </p:spTree>
+    <p:extLst>
+      <p:ext uri="{BB962C8B-B14F-4D97-AF65-F5344CB8AC3E}">
+        <p14:creationId xmlns:p14="http://schemas.microsoft.com/office/powerpoint/2010/main" val="718678074"/>
+      </p:ext>
+    </p:extLst>
+  </p:cSld>
+  <p:clrMap bg1="lt1" tx1="dk1" bg2="lt2" tx2="dk2" accent1="accent1" accent2="accent2" accent3="accent3" accent4="accent4" accent5="accent5" accent6="accent6" hlink="hlink" folHlink="folHlink"/>
+  <p:notesStyle>
+    <a:lvl1pPr marL="0" algn="l" defTabSz="914400" rtl="0" eaLnBrk="1" latinLnBrk="0" hangingPunct="1">
+      <a:defRPr sz="1200" kern="1200">
+        <a:solidFill>
+          <a:schemeClr val="tx1"/>
+        </a:solidFill>
+        <a:latin typeface="+mn-lt"/>
+        <a:ea typeface="+mn-ea"/>
+        <a:cs typeface="+mn-cs"/>
+      </a:defRPr>
+    </a:lvl1pPr>
+    <a:lvl2pPr marL="457200" algn="l" defTabSz="914400" rtl="0" eaLnBrk="1" latinLnBrk="0" hangingPunct="1">
+      <a:defRPr sz="1200" kern="1200">
+        <a:solidFill>
+          <a:schemeClr val="tx1"/>
+        </a:solidFill>
+        <a:latin typeface="+mn-lt"/>
+        <a:ea typeface="+mn-ea"/>
+        <a:cs typeface="+mn-cs"/>
+      </a:defRPr>
+    </a:lvl2pPr>
+    <a:lvl3pPr marL="914400" algn="l" defTabSz="914400" rtl="0" eaLnBrk="1" latinLnBrk="0" hangingPunct="1">
+      <a:defRPr sz="1200" kern="1200">
+        <a:solidFill>
+          <a:schemeClr val="tx1"/>
+        </a:solidFill>
+        <a:latin typeface="+mn-lt"/>
+        <a:ea typeface="+mn-ea"/>
+        <a:cs typeface="+mn-cs"/>
+      </a:defRPr>
+    </a:lvl3pPr>
+    <a:lvl4pPr marL="1371600" algn="l" defTabSz="914400" rtl="0" eaLnBrk="1" latinLnBrk="0" hangingPunct="1">
+      <a:defRPr sz="1200" kern="1200">
+        <a:solidFill>
+          <a:schemeClr val="tx1"/>
+        </a:solidFill>
+        <a:latin typeface="+mn-lt"/>
+        <a:ea typeface="+mn-ea"/>
+        <a:cs typeface="+mn-cs"/>
+      </a:defRPr>
+    </a:lvl4pPr>
+    <a:lvl5pPr marL="1828800" algn="l" defTabSz="914400" rtl="0" eaLnBrk="1" latinLnBrk="0" hangingPunct="1">
+      <a:defRPr sz="1200" kern="1200">
+        <a:solidFill>
+          <a:schemeClr val="tx1"/>
+        </a:solidFill>
+        <a:latin typeface="+mn-lt"/>
+        <a:ea typeface="+mn-ea"/>
+        <a:cs typeface="+mn-cs"/>
+      </a:defRPr>
+    </a:lvl5pPr>
+    <a:lvl6pPr marL="2286000" algn="l" defTabSz="914400" rtl="0" eaLnBrk="1" latinLnBrk="0" hangingPunct="1">
+      <a:defRPr sz="1200" kern="1200">
+        <a:solidFill>
+          <a:schemeClr val="tx1"/>
+        </a:solidFill>
+        <a:latin typeface="+mn-lt"/>
+        <a:ea typeface="+mn-ea"/>
+        <a:cs typeface="+mn-cs"/>
+      </a:defRPr>
+    </a:lvl6pPr>
+    <a:lvl7pPr marL="2743200" algn="l" defTabSz="914400" rtl="0" eaLnBrk="1" latinLnBrk="0" hangingPunct="1">
+      <a:defRPr sz="1200" kern="1200">
+        <a:solidFill>
+          <a:schemeClr val="tx1"/>
+        </a:solidFill>
+        <a:latin typeface="+mn-lt"/>
+        <a:ea typeface="+mn-ea"/>
+        <a:cs typeface="+mn-cs"/>
+      </a:defRPr>
+    </a:lvl7pPr>
+    <a:lvl8pPr marL="3200400" algn="l" defTabSz="914400" rtl="0" eaLnBrk="1" latinLnBrk="0" hangingPunct="1">
+      <a:defRPr sz="1200" kern="1200">
+        <a:solidFill>
+          <a:schemeClr val="tx1"/>
+        </a:solidFill>
+        <a:latin typeface="+mn-lt"/>
+        <a:ea typeface="+mn-ea"/>
+        <a:cs typeface="+mn-cs"/>
+      </a:defRPr>
+    </a:lvl8pPr>
+    <a:lvl9pPr marL="3657600" algn="l" defTabSz="914400" rtl="0" eaLnBrk="1" latinLnBrk="0" hangingPunct="1">
+      <a:defRPr sz="1200" kern="1200">
+        <a:solidFill>
+          <a:schemeClr val="tx1"/>
+        </a:solidFill>
+        <a:latin typeface="+mn-lt"/>
+        <a:ea typeface="+mn-ea"/>
+        <a:cs typeface="+mn-cs"/>
+      </a:defRPr>
+    </a:lvl9pPr>
+  </p:notesStyle>
+</p:notesMaster>
+</file>
+
+<file path=ppt/notesSlides/notesSlide1.xml><?xml version="1.0" encoding="utf-8"?>
+<p:notes xmlns:a="http://schemas.openxmlformats.org/drawingml/2006/main" xmlns:r="http://schemas.openxmlformats.org/officeDocument/2006/relationships" xmlns:p="http://schemas.openxmlformats.org/presentationml/2006/main">
+  <p:cSld>
+    <p:spTree>
+      <p:nvGrpSpPr>
+        <p:cNvPr id="1" name=""/>
+        <p:cNvGrpSpPr/>
+        <p:nvPr/>
+      </p:nvGrpSpPr>
+      <p:grpSpPr>
+        <a:xfrm>
+          <a:off x="0" y="0"/>
+          <a:ext cx="0" cy="0"/>
+          <a:chOff x="0" y="0"/>
+          <a:chExt cx="0" cy="0"/>
+        </a:xfrm>
+      </p:grpSpPr>
+      <p:sp>
+        <p:nvSpPr>
+          <p:cNvPr id="2" name="Slide Image Placeholder 1"/>
+          <p:cNvSpPr>
+            <a:spLocks noGrp="1" noRot="1" noChangeAspect="1"/>
+          </p:cNvSpPr>
+          <p:nvPr>
+            <p:ph type="sldImg"/>
+          </p:nvPr>
+        </p:nvSpPr>
+        <p:spPr/>
+      </p:sp>
+      <p:sp>
+        <p:nvSpPr>
+          <p:cNvPr id="3" name="Notes Placeholder 2"/>
+          <p:cNvSpPr>
+            <a:spLocks noGrp="1"/>
+          </p:cNvSpPr>
+          <p:nvPr>
+            <p:ph type="body" idx="1"/>
+          </p:nvPr>
+        </p:nvSpPr>
+        <p:spPr/>
+        <p:txBody>
+          <a:bodyPr/>
+          <a:lstStyle/>
+          <a:p>
+            <a:r>
+              <a:rPr lang="en-NZ" dirty="0" smtClean="0"/>
+              <a:t>Good morning</a:t>
+            </a:r>
+          </a:p>
+          <a:p>
+            <a:endParaRPr lang="en-NZ" dirty="0" smtClean="0"/>
+          </a:p>
+          <a:p>
+            <a:r>
+              <a:rPr lang="en-NZ" dirty="0" smtClean="0"/>
+              <a:t>My</a:t>
+            </a:r>
+            <a:r>
+              <a:rPr lang="en-NZ" baseline="0" dirty="0" smtClean="0"/>
+              <a:t> name is Zane, this is Cameron. </a:t>
+            </a:r>
+          </a:p>
+          <a:p>
+            <a:endParaRPr lang="en-NZ" baseline="0" dirty="0" smtClean="0"/>
+          </a:p>
+          <a:p>
+            <a:r>
+              <a:rPr lang="en-NZ" baseline="0" dirty="0" smtClean="0"/>
+              <a:t>Our client for our project is Kylie Huard the Senior Transport planner for the DCC.</a:t>
+            </a:r>
+            <a:endParaRPr lang="en-NZ" dirty="0"/>
+          </a:p>
+        </p:txBody>
+      </p:sp>
+      <p:sp>
+        <p:nvSpPr>
+          <p:cNvPr id="4" name="Slide Number Placeholder 3"/>
+          <p:cNvSpPr>
+            <a:spLocks noGrp="1"/>
+          </p:cNvSpPr>
+          <p:nvPr>
+            <p:ph type="sldNum" sz="quarter" idx="10"/>
+          </p:nvPr>
+        </p:nvSpPr>
+        <p:spPr/>
+        <p:txBody>
+          <a:bodyPr/>
+          <a:lstStyle/>
+          <a:p>
+            <a:fld id="{77A119A6-3C65-41E4-A72F-D05C1A5105B9}" type="slidenum">
+              <a:rPr lang="en-NZ" smtClean="0"/>
+              <a:t>1</a:t>
+            </a:fld>
+            <a:endParaRPr lang="en-NZ"/>
+          </a:p>
+        </p:txBody>
+      </p:sp>
+    </p:spTree>
+    <p:extLst>
+      <p:ext uri="{BB962C8B-B14F-4D97-AF65-F5344CB8AC3E}">
+        <p14:creationId xmlns:p14="http://schemas.microsoft.com/office/powerpoint/2010/main" val="2337538895"/>
+      </p:ext>
+    </p:extLst>
+  </p:cSld>
+  <p:clrMapOvr>
+    <a:masterClrMapping/>
+  </p:clrMapOvr>
+</p:notes>
+</file>
+
+<file path=ppt/notesSlides/notesSlide2.xml><?xml version="1.0" encoding="utf-8"?>
+<p:notes xmlns:a="http://schemas.openxmlformats.org/drawingml/2006/main" xmlns:r="http://schemas.openxmlformats.org/officeDocument/2006/relationships" xmlns:p="http://schemas.openxmlformats.org/presentationml/2006/main">
+  <p:cSld>
+    <p:spTree>
+      <p:nvGrpSpPr>
+        <p:cNvPr id="1" name=""/>
+        <p:cNvGrpSpPr/>
+        <p:nvPr/>
+      </p:nvGrpSpPr>
+      <p:grpSpPr>
+        <a:xfrm>
+          <a:off x="0" y="0"/>
+          <a:ext cx="0" cy="0"/>
+          <a:chOff x="0" y="0"/>
+          <a:chExt cx="0" cy="0"/>
+        </a:xfrm>
+      </p:grpSpPr>
+      <p:sp>
+        <p:nvSpPr>
+          <p:cNvPr id="2" name="Slide Image Placeholder 1"/>
+          <p:cNvSpPr>
+            <a:spLocks noGrp="1" noRot="1" noChangeAspect="1"/>
+          </p:cNvSpPr>
+          <p:nvPr>
+            <p:ph type="sldImg"/>
+          </p:nvPr>
+        </p:nvSpPr>
+        <p:spPr/>
+      </p:sp>
+      <p:sp>
+        <p:nvSpPr>
+          <p:cNvPr id="3" name="Notes Placeholder 2"/>
+          <p:cNvSpPr>
+            <a:spLocks noGrp="1"/>
+          </p:cNvSpPr>
+          <p:nvPr>
+            <p:ph type="body" idx="1"/>
+          </p:nvPr>
+        </p:nvSpPr>
+        <p:spPr/>
+        <p:txBody>
+          <a:bodyPr/>
+          <a:lstStyle/>
+          <a:p>
+            <a:r>
+              <a:rPr lang="en-NZ" dirty="0" smtClean="0"/>
+              <a:t>Our project</a:t>
+            </a:r>
+            <a:r>
+              <a:rPr lang="en-NZ" baseline="0" dirty="0" smtClean="0"/>
+              <a:t> a device for the DCC that cyclists use to record dangerous close encounters with vehicles. </a:t>
+            </a:r>
+          </a:p>
+          <a:p>
+            <a:r>
+              <a:rPr lang="en-NZ" baseline="0" dirty="0" smtClean="0"/>
+              <a:t>The main deliverable of our project is not necessarily the device, but the data that the device records.</a:t>
+            </a:r>
+          </a:p>
+          <a:p>
+            <a:endParaRPr lang="en-NZ" dirty="0"/>
+          </a:p>
+        </p:txBody>
+      </p:sp>
+      <p:sp>
+        <p:nvSpPr>
+          <p:cNvPr id="4" name="Slide Number Placeholder 3"/>
+          <p:cNvSpPr>
+            <a:spLocks noGrp="1"/>
+          </p:cNvSpPr>
+          <p:nvPr>
+            <p:ph type="sldNum" sz="quarter" idx="10"/>
+          </p:nvPr>
+        </p:nvSpPr>
+        <p:spPr/>
+        <p:txBody>
+          <a:bodyPr/>
+          <a:lstStyle/>
+          <a:p>
+            <a:fld id="{77A119A6-3C65-41E4-A72F-D05C1A5105B9}" type="slidenum">
+              <a:rPr lang="en-NZ" smtClean="0"/>
+              <a:t>2</a:t>
+            </a:fld>
+            <a:endParaRPr lang="en-NZ"/>
+          </a:p>
+        </p:txBody>
+      </p:sp>
+    </p:spTree>
+    <p:extLst>
+      <p:ext uri="{BB962C8B-B14F-4D97-AF65-F5344CB8AC3E}">
+        <p14:creationId xmlns:p14="http://schemas.microsoft.com/office/powerpoint/2010/main" val="3883581436"/>
+      </p:ext>
+    </p:extLst>
+  </p:cSld>
+  <p:clrMapOvr>
+    <a:masterClrMapping/>
+  </p:clrMapOvr>
+</p:notes>
+</file>
+
+<file path=ppt/notesSlides/notesSlide3.xml><?xml version="1.0" encoding="utf-8"?>
+<p:notes xmlns:a="http://schemas.openxmlformats.org/drawingml/2006/main" xmlns:r="http://schemas.openxmlformats.org/officeDocument/2006/relationships" xmlns:p="http://schemas.openxmlformats.org/presentationml/2006/main">
+  <p:cSld>
+    <p:spTree>
+      <p:nvGrpSpPr>
+        <p:cNvPr id="1" name=""/>
+        <p:cNvGrpSpPr/>
+        <p:nvPr/>
+      </p:nvGrpSpPr>
+      <p:grpSpPr>
+        <a:xfrm>
+          <a:off x="0" y="0"/>
+          <a:ext cx="0" cy="0"/>
+          <a:chOff x="0" y="0"/>
+          <a:chExt cx="0" cy="0"/>
+        </a:xfrm>
+      </p:grpSpPr>
+      <p:sp>
+        <p:nvSpPr>
+          <p:cNvPr id="2" name="Slide Image Placeholder 1"/>
+          <p:cNvSpPr>
+            <a:spLocks noGrp="1" noRot="1" noChangeAspect="1"/>
+          </p:cNvSpPr>
+          <p:nvPr>
+            <p:ph type="sldImg"/>
+          </p:nvPr>
+        </p:nvSpPr>
+        <p:spPr/>
+      </p:sp>
+      <p:sp>
+        <p:nvSpPr>
+          <p:cNvPr id="3" name="Notes Placeholder 2"/>
+          <p:cNvSpPr>
+            <a:spLocks noGrp="1"/>
+          </p:cNvSpPr>
+          <p:nvPr>
+            <p:ph type="body" idx="1"/>
+          </p:nvPr>
+        </p:nvSpPr>
+        <p:spPr/>
+        <p:txBody>
+          <a:bodyPr/>
+          <a:lstStyle/>
+          <a:p>
+            <a:r>
+              <a:rPr lang="en-NZ" dirty="0" smtClean="0"/>
+              <a:t>The</a:t>
+            </a:r>
+            <a:r>
+              <a:rPr lang="en-NZ" baseline="0" dirty="0" smtClean="0"/>
+              <a:t> system needs to be able to record how close cars have passed</a:t>
+            </a:r>
+          </a:p>
+          <a:p>
+            <a:r>
+              <a:rPr lang="en-NZ" baseline="0" dirty="0" smtClean="0"/>
+              <a:t>Where/when these incidents have happened.</a:t>
+            </a:r>
+          </a:p>
+          <a:p>
+            <a:r>
+              <a:rPr lang="en-NZ" baseline="0" dirty="0" smtClean="0"/>
+              <a:t>And this data needs to be able to be read by The DCC and be able to be interpreted easily.</a:t>
+            </a:r>
+            <a:endParaRPr lang="en-NZ" dirty="0"/>
+          </a:p>
+        </p:txBody>
+      </p:sp>
+      <p:sp>
+        <p:nvSpPr>
+          <p:cNvPr id="4" name="Slide Number Placeholder 3"/>
+          <p:cNvSpPr>
+            <a:spLocks noGrp="1"/>
+          </p:cNvSpPr>
+          <p:nvPr>
+            <p:ph type="sldNum" sz="quarter" idx="10"/>
+          </p:nvPr>
+        </p:nvSpPr>
+        <p:spPr/>
+        <p:txBody>
+          <a:bodyPr/>
+          <a:lstStyle/>
+          <a:p>
+            <a:fld id="{77A119A6-3C65-41E4-A72F-D05C1A5105B9}" type="slidenum">
+              <a:rPr lang="en-NZ" smtClean="0"/>
+              <a:t>3</a:t>
+            </a:fld>
+            <a:endParaRPr lang="en-NZ"/>
+          </a:p>
+        </p:txBody>
+      </p:sp>
+    </p:spTree>
+    <p:extLst>
+      <p:ext uri="{BB962C8B-B14F-4D97-AF65-F5344CB8AC3E}">
+        <p14:creationId xmlns:p14="http://schemas.microsoft.com/office/powerpoint/2010/main" val="2214307664"/>
+      </p:ext>
+    </p:extLst>
+  </p:cSld>
+  <p:clrMapOvr>
+    <a:masterClrMapping/>
+  </p:clrMapOvr>
+</p:notes>
+</file>
+
+<file path=ppt/notesSlides/notesSlide4.xml><?xml version="1.0" encoding="utf-8"?>
+<p:notes xmlns:a="http://schemas.openxmlformats.org/drawingml/2006/main" xmlns:r="http://schemas.openxmlformats.org/officeDocument/2006/relationships" xmlns:p="http://schemas.openxmlformats.org/presentationml/2006/main">
+  <p:cSld>
+    <p:spTree>
+      <p:nvGrpSpPr>
+        <p:cNvPr id="1" name=""/>
+        <p:cNvGrpSpPr/>
+        <p:nvPr/>
+      </p:nvGrpSpPr>
+      <p:grpSpPr>
+        <a:xfrm>
+          <a:off x="0" y="0"/>
+          <a:ext cx="0" cy="0"/>
+          <a:chOff x="0" y="0"/>
+          <a:chExt cx="0" cy="0"/>
+        </a:xfrm>
+      </p:grpSpPr>
+      <p:sp>
+        <p:nvSpPr>
+          <p:cNvPr id="2" name="Slide Image Placeholder 1"/>
+          <p:cNvSpPr>
+            <a:spLocks noGrp="1" noRot="1" noChangeAspect="1"/>
+          </p:cNvSpPr>
+          <p:nvPr>
+            <p:ph type="sldImg"/>
+          </p:nvPr>
+        </p:nvSpPr>
+        <p:spPr/>
+      </p:sp>
+      <p:sp>
+        <p:nvSpPr>
+          <p:cNvPr id="3" name="Notes Placeholder 2"/>
+          <p:cNvSpPr>
+            <a:spLocks noGrp="1"/>
+          </p:cNvSpPr>
+          <p:nvPr>
+            <p:ph type="body" idx="1"/>
+          </p:nvPr>
+        </p:nvSpPr>
+        <p:spPr/>
+        <p:txBody>
+          <a:bodyPr/>
+          <a:lstStyle/>
+          <a:p>
+            <a:r>
+              <a:rPr lang="en-NZ" dirty="0" smtClean="0"/>
+              <a:t>The interaction with the device</a:t>
+            </a:r>
+            <a:r>
+              <a:rPr lang="en-NZ" baseline="0" dirty="0" smtClean="0"/>
+              <a:t> that the cyclists use, </a:t>
+            </a:r>
+          </a:p>
+          <a:p>
+            <a:r>
+              <a:rPr lang="en-NZ" baseline="0" dirty="0" smtClean="0"/>
+              <a:t>needs to be kept at a minimum to ensure that data is correctly received.</a:t>
+            </a:r>
+          </a:p>
+          <a:p>
+            <a:r>
+              <a:rPr lang="en-NZ" baseline="0" dirty="0" smtClean="0"/>
+              <a:t>Interaction between the cyclists and their phones will need to happen so that</a:t>
+            </a:r>
+          </a:p>
+          <a:p>
+            <a:r>
+              <a:rPr lang="en-NZ" baseline="0" dirty="0" smtClean="0"/>
+              <a:t>they can pair their device initially via </a:t>
+            </a:r>
+            <a:r>
+              <a:rPr lang="en-NZ" baseline="0" dirty="0" err="1" smtClean="0"/>
+              <a:t>bluetooth</a:t>
+            </a:r>
+            <a:r>
+              <a:rPr lang="en-NZ" baseline="0" dirty="0" smtClean="0"/>
+              <a:t>, so the device can </a:t>
+            </a:r>
+          </a:p>
+          <a:p>
+            <a:r>
+              <a:rPr lang="en-NZ" baseline="0" dirty="0" smtClean="0"/>
+              <a:t>communicate with the users phone for sending data. </a:t>
+            </a:r>
+          </a:p>
+          <a:p>
+            <a:r>
+              <a:rPr lang="en-NZ" baseline="0" dirty="0" smtClean="0"/>
+              <a:t>Unfortunately we did not for see us using mobile until recently, so we did not </a:t>
+            </a:r>
+          </a:p>
+          <a:p>
+            <a:r>
+              <a:rPr lang="en-NZ" baseline="0" dirty="0" smtClean="0"/>
+              <a:t>Do any paper based prototyping , but we are hoping to do some paper based </a:t>
+            </a:r>
+          </a:p>
+          <a:p>
+            <a:r>
+              <a:rPr lang="en-NZ" baseline="0" dirty="0" smtClean="0"/>
+              <a:t>prototyping very soon. </a:t>
+            </a:r>
+          </a:p>
+          <a:p>
+            <a:endParaRPr lang="en-NZ" baseline="0" dirty="0" smtClean="0"/>
+          </a:p>
+          <a:p>
+            <a:r>
+              <a:rPr lang="en-NZ" baseline="0" dirty="0" smtClean="0"/>
+              <a:t>The users will have to fit the device on them selves, we have not full </a:t>
+            </a:r>
+          </a:p>
+          <a:p>
+            <a:r>
+              <a:rPr lang="en-NZ" baseline="0" dirty="0" smtClean="0"/>
+              <a:t>Come to terms on how the user will do this. Our first thought was to fit the </a:t>
+            </a:r>
+          </a:p>
+          <a:p>
+            <a:r>
+              <a:rPr lang="en-NZ" baseline="0" dirty="0" smtClean="0"/>
+              <a:t>device on a belt strapped around the users waist. We have also thought about </a:t>
+            </a:r>
+          </a:p>
+          <a:p>
+            <a:r>
+              <a:rPr lang="en-NZ" baseline="0" dirty="0" smtClean="0"/>
+              <a:t>integrating the device into a wearable piece of clothing such as a high-</a:t>
+            </a:r>
+            <a:r>
+              <a:rPr lang="en-NZ" baseline="0" dirty="0" err="1" smtClean="0"/>
+              <a:t>vis</a:t>
+            </a:r>
+            <a:r>
+              <a:rPr lang="en-NZ" baseline="0" dirty="0" smtClean="0"/>
+              <a:t> vest.</a:t>
+            </a:r>
+            <a:endParaRPr lang="en-NZ" dirty="0"/>
+          </a:p>
+        </p:txBody>
+      </p:sp>
+      <p:sp>
+        <p:nvSpPr>
+          <p:cNvPr id="4" name="Slide Number Placeholder 3"/>
+          <p:cNvSpPr>
+            <a:spLocks noGrp="1"/>
+          </p:cNvSpPr>
+          <p:nvPr>
+            <p:ph type="sldNum" sz="quarter" idx="10"/>
+          </p:nvPr>
+        </p:nvSpPr>
+        <p:spPr/>
+        <p:txBody>
+          <a:bodyPr/>
+          <a:lstStyle/>
+          <a:p>
+            <a:fld id="{77A119A6-3C65-41E4-A72F-D05C1A5105B9}" type="slidenum">
+              <a:rPr lang="en-NZ" smtClean="0"/>
+              <a:t>4</a:t>
+            </a:fld>
+            <a:endParaRPr lang="en-NZ"/>
+          </a:p>
+        </p:txBody>
+      </p:sp>
+    </p:spTree>
+    <p:extLst>
+      <p:ext uri="{BB962C8B-B14F-4D97-AF65-F5344CB8AC3E}">
+        <p14:creationId xmlns:p14="http://schemas.microsoft.com/office/powerpoint/2010/main" val="872609042"/>
+      </p:ext>
+    </p:extLst>
+  </p:cSld>
+  <p:clrMapOvr>
+    <a:masterClrMapping/>
+  </p:clrMapOvr>
+</p:notes>
+</file>
+
+<file path=ppt/notesSlides/notesSlide5.xml><?xml version="1.0" encoding="utf-8"?>
+<p:notes xmlns:a="http://schemas.openxmlformats.org/drawingml/2006/main" xmlns:r="http://schemas.openxmlformats.org/officeDocument/2006/relationships" xmlns:p="http://schemas.openxmlformats.org/presentationml/2006/main">
+  <p:cSld>
+    <p:spTree>
+      <p:nvGrpSpPr>
+        <p:cNvPr id="1" name=""/>
+        <p:cNvGrpSpPr/>
+        <p:nvPr/>
+      </p:nvGrpSpPr>
+      <p:grpSpPr>
+        <a:xfrm>
+          <a:off x="0" y="0"/>
+          <a:ext cx="0" cy="0"/>
+          <a:chOff x="0" y="0"/>
+          <a:chExt cx="0" cy="0"/>
+        </a:xfrm>
+      </p:grpSpPr>
+      <p:sp>
+        <p:nvSpPr>
+          <p:cNvPr id="2" name="Slide Image Placeholder 1"/>
+          <p:cNvSpPr>
+            <a:spLocks noGrp="1" noRot="1" noChangeAspect="1"/>
+          </p:cNvSpPr>
+          <p:nvPr>
+            <p:ph type="sldImg"/>
+          </p:nvPr>
+        </p:nvSpPr>
+        <p:spPr/>
+      </p:sp>
+      <p:sp>
+        <p:nvSpPr>
+          <p:cNvPr id="3" name="Notes Placeholder 2"/>
+          <p:cNvSpPr>
+            <a:spLocks noGrp="1"/>
+          </p:cNvSpPr>
+          <p:nvPr>
+            <p:ph type="body" idx="1"/>
+          </p:nvPr>
+        </p:nvSpPr>
+        <p:spPr/>
+        <p:txBody>
+          <a:bodyPr/>
+          <a:lstStyle/>
+          <a:p>
+            <a:r>
+              <a:rPr lang="en-NZ" dirty="0" smtClean="0"/>
+              <a:t>We chose Arduino as</a:t>
+            </a:r>
+            <a:r>
+              <a:rPr lang="en-NZ" baseline="0" dirty="0" smtClean="0"/>
+              <a:t> our controller for the device because </a:t>
+            </a:r>
+          </a:p>
+          <a:p>
+            <a:r>
+              <a:rPr lang="en-NZ" baseline="0" dirty="0" smtClean="0"/>
+              <a:t>we have readily available access to them and we have prior experience with them. </a:t>
+            </a:r>
+          </a:p>
+          <a:p>
+            <a:r>
+              <a:rPr lang="en-NZ" baseline="0" dirty="0" smtClean="0"/>
+              <a:t>Arduino has a big community behind it, so trouble shooting and asking for help is not a problem.</a:t>
+            </a:r>
+          </a:p>
+          <a:p>
+            <a:r>
+              <a:rPr lang="en-NZ" baseline="0" dirty="0" smtClean="0"/>
+              <a:t>Arduino also has a lot of available libraries for the wide range of sensors and components. Arduino is also open source.</a:t>
+            </a:r>
+          </a:p>
+          <a:p>
+            <a:endParaRPr lang="en-NZ" dirty="0" smtClean="0"/>
+          </a:p>
+          <a:p>
+            <a:r>
+              <a:rPr lang="en-NZ" dirty="0" smtClean="0"/>
+              <a:t>We are</a:t>
+            </a:r>
+            <a:r>
+              <a:rPr lang="en-NZ" baseline="0" dirty="0" smtClean="0"/>
+              <a:t> using sonar sensors for our project to measure distances and detect cars. </a:t>
+            </a:r>
+          </a:p>
+          <a:p>
+            <a:r>
+              <a:rPr lang="en-NZ" baseline="0" dirty="0" smtClean="0"/>
+              <a:t>The particular sensor we are using for this is the HC-SR04 and the main reason we are using this sensor is that it is easy to use, and the </a:t>
+            </a:r>
+            <a:r>
+              <a:rPr lang="en-NZ" baseline="0" dirty="0" err="1" smtClean="0"/>
+              <a:t>polytech</a:t>
+            </a:r>
+            <a:r>
+              <a:rPr lang="en-NZ" baseline="0" dirty="0" smtClean="0"/>
+              <a:t> has made available an abundance of these to us. We are using a library with the sensor at the moment called new ping, this library is easy to use and it outputs and easier value to deal with.</a:t>
+            </a:r>
+          </a:p>
+          <a:p>
+            <a:endParaRPr lang="en-NZ" baseline="0" dirty="0" smtClean="0"/>
+          </a:p>
+          <a:p>
+            <a:r>
+              <a:rPr lang="en-NZ" baseline="0" dirty="0" smtClean="0"/>
+              <a:t>We are using and </a:t>
+            </a:r>
+            <a:r>
+              <a:rPr lang="en-NZ" baseline="0" dirty="0" err="1" smtClean="0"/>
+              <a:t>sd</a:t>
+            </a:r>
+            <a:r>
+              <a:rPr lang="en-NZ" baseline="0" dirty="0" smtClean="0"/>
+              <a:t> card reader/writer with our project because we want to be able to store data that the Arduino receives. The Data gets stored to the </a:t>
+            </a:r>
+            <a:r>
+              <a:rPr lang="en-NZ" baseline="0" dirty="0" err="1" smtClean="0"/>
+              <a:t>arduino</a:t>
+            </a:r>
+            <a:r>
+              <a:rPr lang="en-NZ" baseline="0" dirty="0" smtClean="0"/>
+              <a:t> is Time, location and proximity of the vehicle. Having the data stored to the </a:t>
+            </a:r>
+            <a:r>
+              <a:rPr lang="en-NZ" baseline="0" dirty="0" err="1" smtClean="0"/>
+              <a:t>sd</a:t>
+            </a:r>
+            <a:r>
+              <a:rPr lang="en-NZ" baseline="0" dirty="0" smtClean="0"/>
+              <a:t> card helps with retrieval of the data, if sending our data through the phone network fails.</a:t>
+            </a:r>
+          </a:p>
+          <a:p>
+            <a:endParaRPr lang="en-NZ" baseline="0" dirty="0" smtClean="0"/>
+          </a:p>
+          <a:p>
+            <a:r>
+              <a:rPr lang="en-NZ" baseline="0" dirty="0" smtClean="0"/>
+              <a:t>We are using a Bluetooth module to communicate with a android phone, in order to gain access to the phones resources. The resources that we want from the phone are </a:t>
+            </a:r>
+            <a:r>
+              <a:rPr lang="en-NZ" baseline="0" dirty="0" err="1" smtClean="0"/>
+              <a:t>gps</a:t>
+            </a:r>
+            <a:r>
+              <a:rPr lang="en-NZ" baseline="0" dirty="0" smtClean="0"/>
+              <a:t>, time, and the ability to send data through the internet.</a:t>
+            </a:r>
+          </a:p>
+          <a:p>
+            <a:endParaRPr lang="en-NZ" baseline="0" dirty="0" smtClean="0"/>
+          </a:p>
+          <a:p>
+            <a:r>
+              <a:rPr lang="en-NZ" baseline="0" dirty="0" smtClean="0"/>
+              <a:t>We will have a mobile app that sends and receives data, and also allows the cyclist to view the data they have collected. </a:t>
+            </a:r>
+          </a:p>
+          <a:p>
+            <a:endParaRPr lang="en-NZ" baseline="0" dirty="0" smtClean="0"/>
+          </a:p>
+          <a:p>
+            <a:r>
+              <a:rPr lang="en-NZ" baseline="0" dirty="0" smtClean="0"/>
+              <a:t>We will have DCC front end for the viewing of our collected data. The user will be able to see the data displayed on a map, so that they can get a clear view where the problem  areas are in Dunedin.</a:t>
+            </a:r>
+          </a:p>
+          <a:p>
+            <a:endParaRPr lang="en-NZ" baseline="0" dirty="0" smtClean="0"/>
+          </a:p>
+          <a:p>
+            <a:endParaRPr lang="en-NZ" baseline="0" dirty="0" smtClean="0"/>
+          </a:p>
+          <a:p>
+            <a:endParaRPr lang="en-NZ" baseline="0" dirty="0" smtClean="0"/>
+          </a:p>
+          <a:p>
+            <a:endParaRPr lang="en-NZ" dirty="0"/>
+          </a:p>
+        </p:txBody>
+      </p:sp>
+      <p:sp>
+        <p:nvSpPr>
+          <p:cNvPr id="4" name="Slide Number Placeholder 3"/>
+          <p:cNvSpPr>
+            <a:spLocks noGrp="1"/>
+          </p:cNvSpPr>
+          <p:nvPr>
+            <p:ph type="sldNum" sz="quarter" idx="10"/>
+          </p:nvPr>
+        </p:nvSpPr>
+        <p:spPr/>
+        <p:txBody>
+          <a:bodyPr/>
+          <a:lstStyle/>
+          <a:p>
+            <a:fld id="{77A119A6-3C65-41E4-A72F-D05C1A5105B9}" type="slidenum">
+              <a:rPr lang="en-NZ" smtClean="0"/>
+              <a:t>5</a:t>
+            </a:fld>
+            <a:endParaRPr lang="en-NZ"/>
+          </a:p>
+        </p:txBody>
+      </p:sp>
+    </p:spTree>
+    <p:extLst>
+      <p:ext uri="{BB962C8B-B14F-4D97-AF65-F5344CB8AC3E}">
+        <p14:creationId xmlns:p14="http://schemas.microsoft.com/office/powerpoint/2010/main" val="2498357445"/>
+      </p:ext>
+    </p:extLst>
+  </p:cSld>
+  <p:clrMapOvr>
+    <a:masterClrMapping/>
+  </p:clrMapOvr>
+</p:notes>
+</file>
+
+<file path=ppt/notesSlides/notesSlide6.xml><?xml version="1.0" encoding="utf-8"?>
+<p:notes xmlns:a="http://schemas.openxmlformats.org/drawingml/2006/main" xmlns:r="http://schemas.openxmlformats.org/officeDocument/2006/relationships" xmlns:p="http://schemas.openxmlformats.org/presentationml/2006/main">
+  <p:cSld>
+    <p:spTree>
+      <p:nvGrpSpPr>
+        <p:cNvPr id="1" name=""/>
+        <p:cNvGrpSpPr/>
+        <p:nvPr/>
+      </p:nvGrpSpPr>
+      <p:grpSpPr>
+        <a:xfrm>
+          <a:off x="0" y="0"/>
+          <a:ext cx="0" cy="0"/>
+          <a:chOff x="0" y="0"/>
+          <a:chExt cx="0" cy="0"/>
+        </a:xfrm>
+      </p:grpSpPr>
+      <p:sp>
+        <p:nvSpPr>
+          <p:cNvPr id="2" name="Slide Image Placeholder 1"/>
+          <p:cNvSpPr>
+            <a:spLocks noGrp="1" noRot="1" noChangeAspect="1"/>
+          </p:cNvSpPr>
+          <p:nvPr>
+            <p:ph type="sldImg"/>
+          </p:nvPr>
+        </p:nvSpPr>
+        <p:spPr/>
+      </p:sp>
+      <p:sp>
+        <p:nvSpPr>
+          <p:cNvPr id="3" name="Notes Placeholder 2"/>
+          <p:cNvSpPr>
+            <a:spLocks noGrp="1"/>
+          </p:cNvSpPr>
+          <p:nvPr>
+            <p:ph type="body" idx="1"/>
+          </p:nvPr>
+        </p:nvSpPr>
+        <p:spPr/>
+        <p:txBody>
+          <a:bodyPr/>
+          <a:lstStyle/>
+          <a:p>
+            <a:r>
+              <a:rPr lang="en-NZ" dirty="0" smtClean="0"/>
+              <a:t>For</a:t>
+            </a:r>
+            <a:r>
+              <a:rPr lang="en-NZ" baseline="0" dirty="0" smtClean="0"/>
+              <a:t> Arduino development it is using the languages c and </a:t>
+            </a:r>
+            <a:r>
+              <a:rPr lang="en-NZ" baseline="0" dirty="0" err="1" smtClean="0"/>
+              <a:t>c++</a:t>
+            </a:r>
+            <a:r>
+              <a:rPr lang="en-NZ" baseline="0" dirty="0" smtClean="0"/>
+              <a:t>. To develop for this we are using the default Arduino IDE.</a:t>
+            </a:r>
+          </a:p>
+          <a:p>
+            <a:r>
+              <a:rPr lang="en-NZ" baseline="0" dirty="0" smtClean="0"/>
+              <a:t>For android development we are using Java, and the IDE is android studio. We chose android because it is free to develop for, we are familiar with developing with android and we have android phones available to us.</a:t>
+            </a:r>
+          </a:p>
+          <a:p>
+            <a:r>
+              <a:rPr lang="en-NZ" baseline="0" dirty="0" smtClean="0"/>
+              <a:t>For the DCC user interface, we will be using c#. We will be using the Gmap.net library for displaying the collected info. For the IDE we will be using visual studio 2013. We decided to use a desktop app rather than a web based app, because it is easier to use.</a:t>
+            </a:r>
+          </a:p>
+          <a:p>
+            <a:endParaRPr lang="en-NZ" dirty="0" smtClean="0"/>
+          </a:p>
+        </p:txBody>
+      </p:sp>
+      <p:sp>
+        <p:nvSpPr>
+          <p:cNvPr id="4" name="Slide Number Placeholder 3"/>
+          <p:cNvSpPr>
+            <a:spLocks noGrp="1"/>
+          </p:cNvSpPr>
+          <p:nvPr>
+            <p:ph type="sldNum" sz="quarter" idx="10"/>
+          </p:nvPr>
+        </p:nvSpPr>
+        <p:spPr/>
+        <p:txBody>
+          <a:bodyPr/>
+          <a:lstStyle/>
+          <a:p>
+            <a:fld id="{77A119A6-3C65-41E4-A72F-D05C1A5105B9}" type="slidenum">
+              <a:rPr lang="en-NZ" smtClean="0"/>
+              <a:t>6</a:t>
+            </a:fld>
+            <a:endParaRPr lang="en-NZ"/>
+          </a:p>
+        </p:txBody>
+      </p:sp>
+    </p:spTree>
+    <p:extLst>
+      <p:ext uri="{BB962C8B-B14F-4D97-AF65-F5344CB8AC3E}">
+        <p14:creationId xmlns:p14="http://schemas.microsoft.com/office/powerpoint/2010/main" val="4084380069"/>
+      </p:ext>
+    </p:extLst>
+  </p:cSld>
+  <p:clrMapOvr>
+    <a:masterClrMapping/>
+  </p:clrMapOvr>
+</p:notes>
+</file>
+
+<file path=ppt/notesSlides/notesSlide7.xml><?xml version="1.0" encoding="utf-8"?>
+<p:notes xmlns:a="http://schemas.openxmlformats.org/drawingml/2006/main" xmlns:r="http://schemas.openxmlformats.org/officeDocument/2006/relationships" xmlns:p="http://schemas.openxmlformats.org/presentationml/2006/main">
+  <p:cSld>
+    <p:spTree>
+      <p:nvGrpSpPr>
+        <p:cNvPr id="1" name=""/>
+        <p:cNvGrpSpPr/>
+        <p:nvPr/>
+      </p:nvGrpSpPr>
+      <p:grpSpPr>
+        <a:xfrm>
+          <a:off x="0" y="0"/>
+          <a:ext cx="0" cy="0"/>
+          <a:chOff x="0" y="0"/>
+          <a:chExt cx="0" cy="0"/>
+        </a:xfrm>
+      </p:grpSpPr>
+      <p:sp>
+        <p:nvSpPr>
+          <p:cNvPr id="2" name="Slide Image Placeholder 1"/>
+          <p:cNvSpPr>
+            <a:spLocks noGrp="1" noRot="1" noChangeAspect="1"/>
+          </p:cNvSpPr>
+          <p:nvPr>
+            <p:ph type="sldImg"/>
+          </p:nvPr>
+        </p:nvSpPr>
+        <p:spPr/>
+      </p:sp>
+      <p:sp>
+        <p:nvSpPr>
+          <p:cNvPr id="3" name="Notes Placeholder 2"/>
+          <p:cNvSpPr>
+            <a:spLocks noGrp="1"/>
+          </p:cNvSpPr>
+          <p:nvPr>
+            <p:ph type="body" idx="1"/>
+          </p:nvPr>
+        </p:nvSpPr>
+        <p:spPr/>
+        <p:txBody>
+          <a:bodyPr/>
+          <a:lstStyle/>
+          <a:p>
+            <a:r>
+              <a:rPr lang="en-NZ" dirty="0" smtClean="0"/>
+              <a:t>We</a:t>
+            </a:r>
+            <a:r>
+              <a:rPr lang="en-NZ" baseline="0" dirty="0" smtClean="0"/>
+              <a:t> are using </a:t>
+            </a:r>
+            <a:r>
+              <a:rPr lang="en-NZ" baseline="0" dirty="0" err="1" smtClean="0"/>
+              <a:t>github</a:t>
+            </a:r>
+            <a:r>
+              <a:rPr lang="en-NZ" baseline="0" dirty="0" smtClean="0"/>
+              <a:t> to version control our project. This allows us to have a back up of our project and the ability to branch our project.</a:t>
+            </a:r>
+          </a:p>
+          <a:p>
+            <a:endParaRPr lang="en-NZ" baseline="0" dirty="0" smtClean="0"/>
+          </a:p>
+          <a:p>
+            <a:r>
+              <a:rPr lang="en-NZ" baseline="0" dirty="0" smtClean="0"/>
+              <a:t>Our main method of testing has been checking the accuracy of our sensors and adjusting the code accordingly. We have tested the sensor by repeatedly moving different materials in front of the device at different distances and seeing if it correctly detects those distances. This is a proof of concept to show that our device can detect moving objects. If can detect a hand at 2 meters, it should be able to detect a bus.</a:t>
+            </a:r>
+            <a:endParaRPr lang="en-NZ" dirty="0"/>
+          </a:p>
+        </p:txBody>
+      </p:sp>
+      <p:sp>
+        <p:nvSpPr>
+          <p:cNvPr id="4" name="Slide Number Placeholder 3"/>
+          <p:cNvSpPr>
+            <a:spLocks noGrp="1"/>
+          </p:cNvSpPr>
+          <p:nvPr>
+            <p:ph type="sldNum" sz="quarter" idx="10"/>
+          </p:nvPr>
+        </p:nvSpPr>
+        <p:spPr/>
+        <p:txBody>
+          <a:bodyPr/>
+          <a:lstStyle/>
+          <a:p>
+            <a:fld id="{77A119A6-3C65-41E4-A72F-D05C1A5105B9}" type="slidenum">
+              <a:rPr lang="en-NZ" smtClean="0"/>
+              <a:t>7</a:t>
+            </a:fld>
+            <a:endParaRPr lang="en-NZ"/>
+          </a:p>
+        </p:txBody>
+      </p:sp>
+    </p:spTree>
+    <p:extLst>
+      <p:ext uri="{BB962C8B-B14F-4D97-AF65-F5344CB8AC3E}">
+        <p14:creationId xmlns:p14="http://schemas.microsoft.com/office/powerpoint/2010/main" val="3475967535"/>
+      </p:ext>
+    </p:extLst>
+  </p:cSld>
+  <p:clrMapOvr>
+    <a:masterClrMapping/>
+  </p:clrMapOvr>
+</p:notes>
+</file>
+
+<file path=ppt/notesSlides/notesSlide8.xml><?xml version="1.0" encoding="utf-8"?>
+<p:notes xmlns:a="http://schemas.openxmlformats.org/drawingml/2006/main" xmlns:r="http://schemas.openxmlformats.org/officeDocument/2006/relationships" xmlns:p="http://schemas.openxmlformats.org/presentationml/2006/main">
+  <p:cSld>
+    <p:spTree>
+      <p:nvGrpSpPr>
+        <p:cNvPr id="1" name=""/>
+        <p:cNvGrpSpPr/>
+        <p:nvPr/>
+      </p:nvGrpSpPr>
+      <p:grpSpPr>
+        <a:xfrm>
+          <a:off x="0" y="0"/>
+          <a:ext cx="0" cy="0"/>
+          <a:chOff x="0" y="0"/>
+          <a:chExt cx="0" cy="0"/>
+        </a:xfrm>
+      </p:grpSpPr>
+      <p:sp>
+        <p:nvSpPr>
+          <p:cNvPr id="2" name="Slide Image Placeholder 1"/>
+          <p:cNvSpPr>
+            <a:spLocks noGrp="1" noRot="1" noChangeAspect="1"/>
+          </p:cNvSpPr>
+          <p:nvPr>
+            <p:ph type="sldImg"/>
+          </p:nvPr>
+        </p:nvSpPr>
+        <p:spPr/>
+      </p:sp>
+      <p:sp>
+        <p:nvSpPr>
+          <p:cNvPr id="3" name="Notes Placeholder 2"/>
+          <p:cNvSpPr>
+            <a:spLocks noGrp="1"/>
+          </p:cNvSpPr>
+          <p:nvPr>
+            <p:ph type="body" idx="1"/>
+          </p:nvPr>
+        </p:nvSpPr>
+        <p:spPr/>
+        <p:txBody>
+          <a:bodyPr/>
+          <a:lstStyle/>
+          <a:p>
+            <a:r>
+              <a:rPr lang="en-NZ" dirty="0" smtClean="0"/>
+              <a:t>When the</a:t>
+            </a:r>
+            <a:r>
+              <a:rPr lang="en-NZ" baseline="0" dirty="0" smtClean="0"/>
+              <a:t> Arduino detects an object within a close range, it requests location and time data from the android device via </a:t>
+            </a:r>
+            <a:r>
+              <a:rPr lang="en-NZ" baseline="0" dirty="0" err="1" smtClean="0"/>
+              <a:t>bluetooth</a:t>
+            </a:r>
+            <a:r>
+              <a:rPr lang="en-NZ" baseline="0" dirty="0" smtClean="0"/>
+              <a:t>, and once it receives the time/location data and saves it on the SD card.</a:t>
+            </a:r>
+            <a:endParaRPr lang="en-NZ" dirty="0"/>
+          </a:p>
+        </p:txBody>
+      </p:sp>
+      <p:sp>
+        <p:nvSpPr>
+          <p:cNvPr id="4" name="Slide Number Placeholder 3"/>
+          <p:cNvSpPr>
+            <a:spLocks noGrp="1"/>
+          </p:cNvSpPr>
+          <p:nvPr>
+            <p:ph type="sldNum" sz="quarter" idx="10"/>
+          </p:nvPr>
+        </p:nvSpPr>
+        <p:spPr/>
+        <p:txBody>
+          <a:bodyPr/>
+          <a:lstStyle/>
+          <a:p>
+            <a:fld id="{77A119A6-3C65-41E4-A72F-D05C1A5105B9}" type="slidenum">
+              <a:rPr lang="en-NZ" smtClean="0"/>
+              <a:t>8</a:t>
+            </a:fld>
+            <a:endParaRPr lang="en-NZ"/>
+          </a:p>
+        </p:txBody>
+      </p:sp>
+    </p:spTree>
+    <p:extLst>
+      <p:ext uri="{BB962C8B-B14F-4D97-AF65-F5344CB8AC3E}">
+        <p14:creationId xmlns:p14="http://schemas.microsoft.com/office/powerpoint/2010/main" val="1518509350"/>
+      </p:ext>
+    </p:extLst>
+  </p:cSld>
+  <p:clrMapOvr>
+    <a:masterClrMapping/>
+  </p:clrMapOvr>
+</p:notes>
+</file>
+
+<file path=ppt/slideLayouts/slideLayout1.xml><?xml version="1.0" encoding="utf-8"?>
+<p:sldLayout xmlns:a="http://schemas.openxmlformats.org/drawingml/2006/main" xmlns:r="http://schemas.openxmlformats.org/officeDocument/2006/relationships" xmlns:p="http://schemas.openxmlformats.org/presentationml/2006/main" showMasterSp="0" type="title" preserve="1">
+  <p:cSld name="Title Slide">
+    <p:bg>
+      <p:bgRef idx="1003">
+        <a:schemeClr val="bg1"/>
+      </p:bgRef>
+    </p:bg>
+    <p:spTree>
+      <p:nvGrpSpPr>
+        <p:cNvPr id="1" name=""/>
+        <p:cNvGrpSpPr/>
+        <p:nvPr/>
+      </p:nvGrpSpPr>
+      <p:grpSpPr>
+        <a:xfrm>
+          <a:off x="0" y="0"/>
+          <a:ext cx="0" cy="0"/>
+          <a:chOff x="0" y="0"/>
+          <a:chExt cx="0" cy="0"/>
+        </a:xfrm>
+      </p:grpSpPr>
+      <p:sp>
+        <p:nvSpPr>
+          <p:cNvPr id="12" name="Rectangle 11"/>
+          <p:cNvSpPr/>
+          <p:nvPr/>
+        </p:nvSpPr>
+        <p:spPr>
+          <a:xfrm>
+            <a:off x="0" y="0"/>
+            <a:ext cx="9144000" cy="6858000"/>
+          </a:xfrm>
+          <a:prstGeom prst="rect">
+            <a:avLst/>
+          </a:prstGeom>
+          <a:solidFill>
+            <a:srgbClr val="FFFFFF"/>
+          </a:solidFill>
+          <a:ln w="12700" cap="flat" cmpd="sng" algn="ctr">
+            <a:noFill/>
+            <a:prstDash val="solid"/>
+          </a:ln>
+        </p:spPr>
+        <p:style>
+          <a:lnRef idx="2">
+            <a:schemeClr val="accent1"/>
+          </a:lnRef>
+          <a:fillRef idx="1">
+            <a:schemeClr val="accent1"/>
+          </a:fillRef>
+          <a:effectRef idx="0">
+            <a:schemeClr val="accent1"/>
+          </a:effectRef>
+          <a:fontRef idx="minor">
+            <a:schemeClr val="lt1"/>
+          </a:fontRef>
+        </p:style>
+        <p:txBody>
+          <a:bodyPr rtlCol="0" anchor="ctr"/>
+          <a:lstStyle/>
+          <a:p>
+            <a:pPr algn="ctr" eaLnBrk="1" latinLnBrk="0" hangingPunct="1"/>
+            <a:endParaRPr kumimoji="0" lang="en-US"/>
+          </a:p>
+        </p:txBody>
+      </p:sp>
+      <p:sp useBgFill="1">
+        <p:nvSpPr>
+          <p:cNvPr id="13" name="Rounded Rectangle 12"/>
+          <p:cNvSpPr/>
+          <p:nvPr/>
+        </p:nvSpPr>
+        <p:spPr>
+          <a:xfrm>
+            <a:off x="65313" y="69755"/>
+            <a:ext cx="9013372" cy="6692201"/>
+          </a:xfrm>
+          <a:prstGeom prst="roundRect">
+            <a:avLst>
+              <a:gd name="adj" fmla="val 4929"/>
+            </a:avLst>
+          </a:prstGeom>
+          <a:ln w="6350" cap="sq" cmpd="sng" algn="ctr">
+            <a:solidFill>
+              <a:schemeClr val="tx1">
+                <a:alpha val="100000"/>
+              </a:schemeClr>
+            </a:solidFill>
+            <a:prstDash val="solid"/>
+          </a:ln>
+          <a:effectLst/>
+        </p:spPr>
+        <p:style>
+          <a:lnRef idx="3">
+            <a:schemeClr val="lt1"/>
+          </a:lnRef>
+          <a:fillRef idx="1001">
+            <a:schemeClr val="lt1"/>
+          </a:fillRef>
+          <a:effectRef idx="1">
+            <a:schemeClr val="accent1"/>
+          </a:effectRef>
+          <a:fontRef idx="minor">
+            <a:schemeClr val="lt1"/>
+          </a:fontRef>
+        </p:style>
+        <p:txBody>
+          <a:bodyPr anchor="ctr"/>
+          <a:lstStyle/>
+          <a:p>
+            <a:pPr algn="ctr" eaLnBrk="1" latinLnBrk="0" hangingPunct="1"/>
+            <a:endParaRPr kumimoji="0" lang="en-US"/>
+          </a:p>
+        </p:txBody>
+      </p:sp>
+      <p:sp>
+        <p:nvSpPr>
+          <p:cNvPr id="9" name="Subtitle 8"/>
+          <p:cNvSpPr>
+            <a:spLocks noGrp="1"/>
+          </p:cNvSpPr>
+          <p:nvPr>
+            <p:ph type="subTitle" idx="1"/>
+          </p:nvPr>
+        </p:nvSpPr>
+        <p:spPr>
+          <a:xfrm>
+            <a:off x="1295400" y="3200400"/>
+            <a:ext cx="6400800" cy="1600200"/>
           </a:xfrm>
         </p:spPr>
         <p:txBody>
@@ -181,160 +1637,112 @@
           <a:lstStyle>
             <a:lvl1pPr marL="0" indent="0" algn="ctr">
               <a:buNone/>
-              <a:defRPr>
+              <a:defRPr sz="2600">
                 <a:solidFill>
-                  <a:schemeClr val="tx1">
-                    <a:tint val="75000"/>
-                  </a:schemeClr>
+                  <a:schemeClr val="tx2"/>
                 </a:solidFill>
               </a:defRPr>
             </a:lvl1pPr>
             <a:lvl2pPr marL="457200" indent="0" algn="ctr">
               <a:buNone/>
-              <a:defRPr>
-                <a:solidFill>
-                  <a:schemeClr val="tx1">
-                    <a:tint val="75000"/>
-                  </a:schemeClr>
-                </a:solidFill>
-              </a:defRPr>
             </a:lvl2pPr>
             <a:lvl3pPr marL="914400" indent="0" algn="ctr">
               <a:buNone/>
-              <a:defRPr>
-                <a:solidFill>
-                  <a:schemeClr val="tx1">
-                    <a:tint val="75000"/>
-                  </a:schemeClr>
-                </a:solidFill>
-              </a:defRPr>
             </a:lvl3pPr>
             <a:lvl4pPr marL="1371600" indent="0" algn="ctr">
               <a:buNone/>
-              <a:defRPr>
-                <a:solidFill>
-                  <a:schemeClr val="tx1">
-                    <a:tint val="75000"/>
-                  </a:schemeClr>
-                </a:solidFill>
-              </a:defRPr>
             </a:lvl4pPr>
             <a:lvl5pPr marL="1828800" indent="0" algn="ctr">
               <a:buNone/>
-              <a:defRPr>
-                <a:solidFill>
-                  <a:schemeClr val="tx1">
-                    <a:tint val="75000"/>
-                  </a:schemeClr>
-                </a:solidFill>
-              </a:defRPr>
             </a:lvl5pPr>
             <a:lvl6pPr marL="2286000" indent="0" algn="ctr">
               <a:buNone/>
-              <a:defRPr>
-                <a:solidFill>
-                  <a:schemeClr val="tx1">
-                    <a:tint val="75000"/>
-                  </a:schemeClr>
-                </a:solidFill>
-              </a:defRPr>
             </a:lvl6pPr>
             <a:lvl7pPr marL="2743200" indent="0" algn="ctr">
               <a:buNone/>
-              <a:defRPr>
-                <a:solidFill>
-                  <a:schemeClr val="tx1">
-                    <a:tint val="75000"/>
-                  </a:schemeClr>
-                </a:solidFill>
-              </a:defRPr>
             </a:lvl7pPr>
             <a:lvl8pPr marL="3200400" indent="0" algn="ctr">
               <a:buNone/>
-              <a:defRPr>
-                <a:solidFill>
-                  <a:schemeClr val="tx1">
-                    <a:tint val="75000"/>
-                  </a:schemeClr>
-                </a:solidFill>
-              </a:defRPr>
             </a:lvl8pPr>
             <a:lvl9pPr marL="3657600" indent="0" algn="ctr">
               <a:buNone/>
-              <a:defRPr>
+            </a:lvl9pPr>
+          </a:lstStyle>
+          <a:p>
+            <a:r>
+              <a:rPr kumimoji="0" lang="en-US" smtClean="0"/>
+              <a:t>Click to edit Master subtitle style</a:t>
+            </a:r>
+            <a:endParaRPr kumimoji="0" lang="en-US"/>
+          </a:p>
+        </p:txBody>
+      </p:sp>
+      <p:sp>
+        <p:nvSpPr>
+          <p:cNvPr id="28" name="Date Placeholder 27"/>
+          <p:cNvSpPr>
+            <a:spLocks noGrp="1"/>
+          </p:cNvSpPr>
+          <p:nvPr>
+            <p:ph type="dt" sz="half" idx="10"/>
+          </p:nvPr>
+        </p:nvSpPr>
+        <p:spPr/>
+        <p:txBody>
+          <a:bodyPr/>
+          <a:lstStyle/>
+          <a:p>
+            <a:fld id="{3AAAF2AB-DDF1-48E8-8A5E-DE86AC31DF5E}" type="datetimeFigureOut">
+              <a:rPr lang="en-NZ" smtClean="0"/>
+              <a:t>9/05/2015</a:t>
+            </a:fld>
+            <a:endParaRPr lang="en-NZ"/>
+          </a:p>
+        </p:txBody>
+      </p:sp>
+      <p:sp>
+        <p:nvSpPr>
+          <p:cNvPr id="17" name="Footer Placeholder 16"/>
+          <p:cNvSpPr>
+            <a:spLocks noGrp="1"/>
+          </p:cNvSpPr>
+          <p:nvPr>
+            <p:ph type="ftr" sz="quarter" idx="11"/>
+          </p:nvPr>
+        </p:nvSpPr>
+        <p:spPr/>
+        <p:txBody>
+          <a:bodyPr/>
+          <a:lstStyle/>
+          <a:p>
+            <a:endParaRPr lang="en-NZ"/>
+          </a:p>
+        </p:txBody>
+      </p:sp>
+      <p:sp>
+        <p:nvSpPr>
+          <p:cNvPr id="29" name="Slide Number Placeholder 28"/>
+          <p:cNvSpPr>
+            <a:spLocks noGrp="1"/>
+          </p:cNvSpPr>
+          <p:nvPr>
+            <p:ph type="sldNum" sz="quarter" idx="12"/>
+          </p:nvPr>
+        </p:nvSpPr>
+        <p:spPr/>
+        <p:txBody>
+          <a:bodyPr lIns="0" tIns="0" rIns="0" bIns="0">
+            <a:noAutofit/>
+          </a:bodyPr>
+          <a:lstStyle>
+            <a:lvl1pPr>
+              <a:defRPr sz="1400">
                 <a:solidFill>
-                  <a:schemeClr val="tx1">
-                    <a:tint val="75000"/>
-                  </a:schemeClr>
+                  <a:srgbClr val="FFFFFF"/>
                 </a:solidFill>
               </a:defRPr>
-            </a:lvl9pPr>
+            </a:lvl1pPr>
           </a:lstStyle>
-          <a:p>
-            <a:r>
-              <a:rPr lang="en-US" smtClean="0"/>
-              <a:t>Click to edit Master subtitle style</a:t>
-            </a:r>
-            <a:endParaRPr lang="en-NZ"/>
-          </a:p>
-        </p:txBody>
-      </p:sp>
-      <p:sp>
-        <p:nvSpPr>
-          <p:cNvPr id="4" name="Date Placeholder 3"/>
-          <p:cNvSpPr>
-            <a:spLocks noGrp="1"/>
-          </p:cNvSpPr>
-          <p:nvPr>
-            <p:ph type="dt" sz="half" idx="10"/>
-          </p:nvPr>
-        </p:nvSpPr>
-        <p:spPr/>
-        <p:txBody>
-          <a:bodyPr/>
-          <a:lstStyle/>
-          <a:p>
-            <a:fld id="{3AAAF2AB-DDF1-48E8-8A5E-DE86AC31DF5E}" type="datetimeFigureOut">
-              <a:rPr lang="en-NZ" smtClean="0"/>
-              <a:t>7/05/2015</a:t>
-            </a:fld>
-            <a:endParaRPr lang="en-NZ"/>
-          </a:p>
-        </p:txBody>
-      </p:sp>
-      <p:sp>
-        <p:nvSpPr>
-          <p:cNvPr id="5" name="Footer Placeholder 4"/>
-          <p:cNvSpPr>
-            <a:spLocks noGrp="1"/>
-          </p:cNvSpPr>
-          <p:nvPr>
-            <p:ph type="ftr" sz="quarter" idx="11"/>
-          </p:nvPr>
-        </p:nvSpPr>
-        <p:spPr/>
-        <p:txBody>
-          <a:bodyPr/>
-          <a:lstStyle/>
-          <a:p>
-            <a:endParaRPr lang="en-NZ"/>
-          </a:p>
-        </p:txBody>
-      </p:sp>
-      <p:sp>
-        <p:nvSpPr>
-          <p:cNvPr id="6" name="Slide Number Placeholder 5"/>
-          <p:cNvSpPr>
-            <a:spLocks noGrp="1"/>
-          </p:cNvSpPr>
-          <p:nvPr>
-            <p:ph type="sldNum" sz="quarter" idx="12"/>
-          </p:nvPr>
-        </p:nvSpPr>
-        <p:spPr/>
-        <p:txBody>
-          <a:bodyPr/>
-          <a:lstStyle/>
           <a:p>
             <a:fld id="{188AE350-C271-4DF0-8382-5BEFE1017EAC}" type="slidenum">
               <a:rPr lang="en-NZ" smtClean="0"/>
@@ -344,15 +1752,188 @@
           </a:p>
         </p:txBody>
       </p:sp>
+      <p:sp>
+        <p:nvSpPr>
+          <p:cNvPr id="7" name="Rectangle 6"/>
+          <p:cNvSpPr/>
+          <p:nvPr/>
+        </p:nvSpPr>
+        <p:spPr>
+          <a:xfrm>
+            <a:off x="62931" y="1449303"/>
+            <a:ext cx="9021537" cy="1527349"/>
+          </a:xfrm>
+          <a:prstGeom prst="rect">
+            <a:avLst/>
+          </a:prstGeom>
+          <a:solidFill>
+            <a:schemeClr val="accent1">
+              <a:alpha val="100000"/>
+            </a:schemeClr>
+          </a:solidFill>
+          <a:ln w="19050" cap="sq" cmpd="sng" algn="ctr">
+            <a:noFill/>
+            <a:prstDash val="solid"/>
+          </a:ln>
+          <a:effectLst/>
+        </p:spPr>
+        <p:style>
+          <a:lnRef idx="3">
+            <a:schemeClr val="lt1"/>
+          </a:lnRef>
+          <a:fillRef idx="1">
+            <a:schemeClr val="accent1"/>
+          </a:fillRef>
+          <a:effectRef idx="1">
+            <a:schemeClr val="accent1"/>
+          </a:effectRef>
+          <a:fontRef idx="minor">
+            <a:schemeClr val="lt1"/>
+          </a:fontRef>
+        </p:style>
+        <p:txBody>
+          <a:bodyPr anchor="ctr"/>
+          <a:lstStyle/>
+          <a:p>
+            <a:pPr algn="ctr" eaLnBrk="1" latinLnBrk="0" hangingPunct="1"/>
+            <a:endParaRPr kumimoji="0" lang="en-US"/>
+          </a:p>
+        </p:txBody>
+      </p:sp>
+      <p:sp>
+        <p:nvSpPr>
+          <p:cNvPr id="10" name="Rectangle 9"/>
+          <p:cNvSpPr/>
+          <p:nvPr/>
+        </p:nvSpPr>
+        <p:spPr>
+          <a:xfrm>
+            <a:off x="62931" y="1396720"/>
+            <a:ext cx="9021537" cy="120580"/>
+          </a:xfrm>
+          <a:prstGeom prst="rect">
+            <a:avLst/>
+          </a:prstGeom>
+          <a:solidFill>
+            <a:schemeClr val="accent1">
+              <a:tint val="60000"/>
+            </a:schemeClr>
+          </a:solidFill>
+          <a:ln w="19050" cap="sq" cmpd="sng" algn="ctr">
+            <a:noFill/>
+            <a:prstDash val="solid"/>
+          </a:ln>
+          <a:effectLst/>
+        </p:spPr>
+        <p:style>
+          <a:lnRef idx="3">
+            <a:schemeClr val="lt1"/>
+          </a:lnRef>
+          <a:fillRef idx="1">
+            <a:schemeClr val="accent1"/>
+          </a:fillRef>
+          <a:effectRef idx="1">
+            <a:schemeClr val="accent1"/>
+          </a:effectRef>
+          <a:fontRef idx="minor">
+            <a:schemeClr val="lt1"/>
+          </a:fontRef>
+        </p:style>
+        <p:txBody>
+          <a:bodyPr anchor="ctr"/>
+          <a:lstStyle/>
+          <a:p>
+            <a:pPr algn="ctr" eaLnBrk="1" latinLnBrk="0" hangingPunct="1"/>
+            <a:endParaRPr kumimoji="0" lang="en-US"/>
+          </a:p>
+        </p:txBody>
+      </p:sp>
+      <p:sp>
+        <p:nvSpPr>
+          <p:cNvPr id="11" name="Rectangle 10"/>
+          <p:cNvSpPr/>
+          <p:nvPr/>
+        </p:nvSpPr>
+        <p:spPr>
+          <a:xfrm>
+            <a:off x="62931" y="2976649"/>
+            <a:ext cx="9021537" cy="110532"/>
+          </a:xfrm>
+          <a:prstGeom prst="rect">
+            <a:avLst/>
+          </a:prstGeom>
+          <a:solidFill>
+            <a:schemeClr val="accent5"/>
+          </a:solidFill>
+          <a:ln w="19050" cap="sq" cmpd="sng" algn="ctr">
+            <a:noFill/>
+            <a:prstDash val="solid"/>
+          </a:ln>
+          <a:effectLst/>
+        </p:spPr>
+        <p:style>
+          <a:lnRef idx="3">
+            <a:schemeClr val="lt1"/>
+          </a:lnRef>
+          <a:fillRef idx="1">
+            <a:schemeClr val="accent1"/>
+          </a:fillRef>
+          <a:effectRef idx="1">
+            <a:schemeClr val="accent1"/>
+          </a:effectRef>
+          <a:fontRef idx="minor">
+            <a:schemeClr val="lt1"/>
+          </a:fontRef>
+        </p:style>
+        <p:txBody>
+          <a:bodyPr anchor="ctr"/>
+          <a:lstStyle/>
+          <a:p>
+            <a:pPr algn="ctr" eaLnBrk="1" latinLnBrk="0" hangingPunct="1"/>
+            <a:endParaRPr kumimoji="0" lang="en-US"/>
+          </a:p>
+        </p:txBody>
+      </p:sp>
+      <p:sp>
+        <p:nvSpPr>
+          <p:cNvPr id="8" name="Title 7"/>
+          <p:cNvSpPr>
+            <a:spLocks noGrp="1"/>
+          </p:cNvSpPr>
+          <p:nvPr>
+            <p:ph type="ctrTitle"/>
+          </p:nvPr>
+        </p:nvSpPr>
+        <p:spPr>
+          <a:xfrm>
+            <a:off x="457200" y="1505930"/>
+            <a:ext cx="8229600" cy="1470025"/>
+          </a:xfrm>
+        </p:spPr>
+        <p:txBody>
+          <a:bodyPr anchor="ctr"/>
+          <a:lstStyle>
+            <a:lvl1pPr algn="ctr">
+              <a:defRPr lang="en-US" dirty="0">
+                <a:solidFill>
+                  <a:srgbClr val="FFFFFF"/>
+                </a:solidFill>
+              </a:defRPr>
+            </a:lvl1pPr>
+          </a:lstStyle>
+          <a:p>
+            <a:r>
+              <a:rPr kumimoji="0" lang="en-US" smtClean="0"/>
+              <a:t>Click to edit Master title style</a:t>
+            </a:r>
+            <a:endParaRPr kumimoji="0" lang="en-US"/>
+          </a:p>
+        </p:txBody>
+      </p:sp>
     </p:spTree>
-    <p:extLst>
-      <p:ext uri="{BB962C8B-B14F-4D97-AF65-F5344CB8AC3E}">
-        <p14:creationId xmlns:p14="http://schemas.microsoft.com/office/powerpoint/2010/main" val="3140882276"/>
-      </p:ext>
-    </p:extLst>
   </p:cSld>
   <p:clrMapOvr>
-    <a:masterClrMapping/>
+    <a:overrideClrMapping bg1="lt1" tx1="dk1" bg2="lt2" tx2="dk2" accent1="accent1" accent2="accent2" accent3="accent3" accent4="accent4" accent5="accent5" accent6="accent6" hlink="hlink" folHlink="folHlink"/>
   </p:clrMapOvr>
 </p:sldLayout>
 </file>
@@ -390,10 +1971,10 @@
           <a:lstStyle/>
           <a:p>
             <a:r>
-              <a:rPr lang="en-US" smtClean="0"/>
+              <a:rPr kumimoji="0" lang="en-US" smtClean="0"/>
               <a:t>Click to edit Master title style</a:t>
             </a:r>
-            <a:endParaRPr lang="en-NZ"/>
+            <a:endParaRPr kumimoji="0" lang="en-US"/>
           </a:p>
         </p:txBody>
       </p:sp>
@@ -412,40 +1993,40 @@
           <a:bodyPr vert="eaVert"/>
           <a:lstStyle/>
           <a:p>
-            <a:pPr lvl="0"/>
+            <a:pPr lvl="0" eaLnBrk="1" latinLnBrk="0" hangingPunct="1"/>
             <a:r>
               <a:rPr lang="en-US" smtClean="0"/>
               <a:t>Click to edit Master text styles</a:t>
             </a:r>
           </a:p>
           <a:p>
-            <a:pPr lvl="1"/>
+            <a:pPr lvl="1" eaLnBrk="1" latinLnBrk="0" hangingPunct="1"/>
             <a:r>
               <a:rPr lang="en-US" smtClean="0"/>
               <a:t>Second level</a:t>
             </a:r>
           </a:p>
           <a:p>
-            <a:pPr lvl="2"/>
+            <a:pPr lvl="2" eaLnBrk="1" latinLnBrk="0" hangingPunct="1"/>
             <a:r>
               <a:rPr lang="en-US" smtClean="0"/>
               <a:t>Third level</a:t>
             </a:r>
           </a:p>
           <a:p>
-            <a:pPr lvl="3"/>
+            <a:pPr lvl="3" eaLnBrk="1" latinLnBrk="0" hangingPunct="1"/>
             <a:r>
               <a:rPr lang="en-US" smtClean="0"/>
               <a:t>Fourth level</a:t>
             </a:r>
           </a:p>
           <a:p>
-            <a:pPr lvl="4"/>
+            <a:pPr lvl="4" eaLnBrk="1" latinLnBrk="0" hangingPunct="1"/>
             <a:r>
               <a:rPr lang="en-US" smtClean="0"/>
               <a:t>Fifth level</a:t>
             </a:r>
-            <a:endParaRPr lang="en-NZ"/>
+            <a:endParaRPr kumimoji="0" lang="en-US"/>
           </a:p>
         </p:txBody>
       </p:sp>
@@ -466,7 +2047,7 @@
           <a:p>
             <a:fld id="{3AAAF2AB-DDF1-48E8-8A5E-DE86AC31DF5E}" type="datetimeFigureOut">
               <a:rPr lang="en-NZ" smtClean="0"/>
-              <a:t>7/05/2015</a:t>
+              <a:t>9/05/2015</a:t>
             </a:fld>
             <a:endParaRPr lang="en-NZ"/>
           </a:p>
@@ -515,11 +2096,6 @@
         </p:txBody>
       </p:sp>
     </p:spTree>
-    <p:extLst>
-      <p:ext uri="{BB962C8B-B14F-4D97-AF65-F5344CB8AC3E}">
-        <p14:creationId xmlns:p14="http://schemas.microsoft.com/office/powerpoint/2010/main" val="4178623975"/>
-      </p:ext>
-    </p:extLst>
   </p:cSld>
   <p:clrMapOvr>
     <a:masterClrMapping/>
@@ -556,8 +2132,8 @@
         </p:nvSpPr>
         <p:spPr>
           <a:xfrm>
-            <a:off x="6629400" y="274638"/>
-            <a:ext cx="2057400" cy="5851525"/>
+            <a:off x="6629400" y="274641"/>
+            <a:ext cx="2011680" cy="5851525"/>
           </a:xfrm>
         </p:spPr>
         <p:txBody>
@@ -565,10 +2141,10 @@
           <a:lstStyle/>
           <a:p>
             <a:r>
-              <a:rPr lang="en-US" smtClean="0"/>
+              <a:rPr kumimoji="0" lang="en-US" smtClean="0"/>
               <a:t>Click to edit Master title style</a:t>
             </a:r>
-            <a:endParaRPr lang="en-NZ"/>
+            <a:endParaRPr kumimoji="0" lang="en-US"/>
           </a:p>
         </p:txBody>
       </p:sp>
@@ -584,48 +2160,48 @@
         </p:nvSpPr>
         <p:spPr>
           <a:xfrm>
-            <a:off x="457200" y="274638"/>
-            <a:ext cx="6019800" cy="5851525"/>
+            <a:off x="914400" y="274640"/>
+            <a:ext cx="5562600" cy="5851525"/>
           </a:xfrm>
         </p:spPr>
         <p:txBody>
           <a:bodyPr vert="eaVert"/>
           <a:lstStyle/>
           <a:p>
-            <a:pPr lvl="0"/>
+            <a:pPr lvl="0" eaLnBrk="1" latinLnBrk="0" hangingPunct="1"/>
             <a:r>
               <a:rPr lang="en-US" smtClean="0"/>
               <a:t>Click to edit Master text styles</a:t>
             </a:r>
           </a:p>
           <a:p>
-            <a:pPr lvl="1"/>
+            <a:pPr lvl="1" eaLnBrk="1" latinLnBrk="0" hangingPunct="1"/>
             <a:r>
               <a:rPr lang="en-US" smtClean="0"/>
               <a:t>Second level</a:t>
             </a:r>
           </a:p>
           <a:p>
-            <a:pPr lvl="2"/>
+            <a:pPr lvl="2" eaLnBrk="1" latinLnBrk="0" hangingPunct="1"/>
             <a:r>
               <a:rPr lang="en-US" smtClean="0"/>
               <a:t>Third level</a:t>
             </a:r>
           </a:p>
           <a:p>
-            <a:pPr lvl="3"/>
+            <a:pPr lvl="3" eaLnBrk="1" latinLnBrk="0" hangingPunct="1"/>
             <a:r>
               <a:rPr lang="en-US" smtClean="0"/>
               <a:t>Fourth level</a:t>
             </a:r>
           </a:p>
           <a:p>
-            <a:pPr lvl="4"/>
+            <a:pPr lvl="4" eaLnBrk="1" latinLnBrk="0" hangingPunct="1"/>
             <a:r>
               <a:rPr lang="en-US" smtClean="0"/>
               <a:t>Fifth level</a:t>
             </a:r>
-            <a:endParaRPr lang="en-NZ"/>
+            <a:endParaRPr kumimoji="0" lang="en-US"/>
           </a:p>
         </p:txBody>
       </p:sp>
@@ -646,7 +2222,7 @@
           <a:p>
             <a:fld id="{3AAAF2AB-DDF1-48E8-8A5E-DE86AC31DF5E}" type="datetimeFigureOut">
               <a:rPr lang="en-NZ" smtClean="0"/>
-              <a:t>7/05/2015</a:t>
+              <a:t>9/05/2015</a:t>
             </a:fld>
             <a:endParaRPr lang="en-NZ"/>
           </a:p>
@@ -695,11 +2271,6 @@
         </p:txBody>
       </p:sp>
     </p:spTree>
-    <p:extLst>
-      <p:ext uri="{BB962C8B-B14F-4D97-AF65-F5344CB8AC3E}">
-        <p14:creationId xmlns:p14="http://schemas.microsoft.com/office/powerpoint/2010/main" val="687776633"/>
-      </p:ext>
-    </p:extLst>
   </p:cSld>
   <p:clrMapOvr>
     <a:masterClrMapping/>
@@ -740,62 +2311,10 @@
           <a:lstStyle/>
           <a:p>
             <a:r>
-              <a:rPr lang="en-US" smtClean="0"/>
+              <a:rPr kumimoji="0" lang="en-US" smtClean="0"/>
               <a:t>Click to edit Master title style</a:t>
             </a:r>
-            <a:endParaRPr lang="en-NZ"/>
-          </a:p>
-        </p:txBody>
-      </p:sp>
-      <p:sp>
-        <p:nvSpPr>
-          <p:cNvPr id="3" name="Content Placeholder 2"/>
-          <p:cNvSpPr>
-            <a:spLocks noGrp="1"/>
-          </p:cNvSpPr>
-          <p:nvPr>
-            <p:ph idx="1"/>
-          </p:nvPr>
-        </p:nvSpPr>
-        <p:spPr/>
-        <p:txBody>
-          <a:bodyPr/>
-          <a:lstStyle/>
-          <a:p>
-            <a:pPr lvl="0"/>
-            <a:r>
-              <a:rPr lang="en-US" smtClean="0"/>
-              <a:t>Click to edit Master text styles</a:t>
-            </a:r>
-          </a:p>
-          <a:p>
-            <a:pPr lvl="1"/>
-            <a:r>
-              <a:rPr lang="en-US" smtClean="0"/>
-              <a:t>Second level</a:t>
-            </a:r>
-          </a:p>
-          <a:p>
-            <a:pPr lvl="2"/>
-            <a:r>
-              <a:rPr lang="en-US" smtClean="0"/>
-              <a:t>Third level</a:t>
-            </a:r>
-          </a:p>
-          <a:p>
-            <a:pPr lvl="3"/>
-            <a:r>
-              <a:rPr lang="en-US" smtClean="0"/>
-              <a:t>Fourth level</a:t>
-            </a:r>
-          </a:p>
-          <a:p>
-            <a:pPr lvl="4"/>
-            <a:r>
-              <a:rPr lang="en-US" smtClean="0"/>
-              <a:t>Fifth level</a:t>
-            </a:r>
-            <a:endParaRPr lang="en-NZ"/>
+            <a:endParaRPr kumimoji="0" lang="en-US"/>
           </a:p>
         </p:txBody>
       </p:sp>
@@ -816,7 +2335,7 @@
           <a:p>
             <a:fld id="{3AAAF2AB-DDF1-48E8-8A5E-DE86AC31DF5E}" type="datetimeFigureOut">
               <a:rPr lang="en-NZ" smtClean="0"/>
-              <a:t>7/05/2015</a:t>
+              <a:t>9/05/2015</a:t>
             </a:fld>
             <a:endParaRPr lang="en-NZ"/>
           </a:p>
@@ -864,12 +2383,64 @@
           </a:p>
         </p:txBody>
       </p:sp>
+      <p:sp>
+        <p:nvSpPr>
+          <p:cNvPr id="8" name="Content Placeholder 7"/>
+          <p:cNvSpPr>
+            <a:spLocks noGrp="1"/>
+          </p:cNvSpPr>
+          <p:nvPr>
+            <p:ph sz="quarter" idx="1"/>
+          </p:nvPr>
+        </p:nvSpPr>
+        <p:spPr>
+          <a:xfrm>
+            <a:off x="914400" y="1447800"/>
+            <a:ext cx="7772400" cy="4572000"/>
+          </a:xfrm>
+        </p:spPr>
+        <p:txBody>
+          <a:bodyPr vert="horz"/>
+          <a:lstStyle/>
+          <a:p>
+            <a:pPr lvl="0" eaLnBrk="1" latinLnBrk="0" hangingPunct="1"/>
+            <a:r>
+              <a:rPr lang="en-US" smtClean="0"/>
+              <a:t>Click to edit Master text styles</a:t>
+            </a:r>
+          </a:p>
+          <a:p>
+            <a:pPr lvl="1" eaLnBrk="1" latinLnBrk="0" hangingPunct="1"/>
+            <a:r>
+              <a:rPr lang="en-US" smtClean="0"/>
+              <a:t>Second level</a:t>
+            </a:r>
+          </a:p>
+          <a:p>
+            <a:pPr lvl="2" eaLnBrk="1" latinLnBrk="0" hangingPunct="1"/>
+            <a:r>
+              <a:rPr lang="en-US" smtClean="0"/>
+              <a:t>Third level</a:t>
+            </a:r>
+          </a:p>
+          <a:p>
+            <a:pPr lvl="3" eaLnBrk="1" latinLnBrk="0" hangingPunct="1"/>
+            <a:r>
+              <a:rPr lang="en-US" smtClean="0"/>
+              <a:t>Fourth level</a:t>
+            </a:r>
+          </a:p>
+          <a:p>
+            <a:pPr lvl="4" eaLnBrk="1" latinLnBrk="0" hangingPunct="1"/>
+            <a:r>
+              <a:rPr lang="en-US" smtClean="0"/>
+              <a:t>Fifth level</a:t>
+            </a:r>
+            <a:endParaRPr kumimoji="0" lang="en-US"/>
+          </a:p>
+        </p:txBody>
+      </p:sp>
     </p:spTree>
-    <p:extLst>
-      <p:ext uri="{BB962C8B-B14F-4D97-AF65-F5344CB8AC3E}">
-        <p14:creationId xmlns:p14="http://schemas.microsoft.com/office/powerpoint/2010/main" val="2737611969"/>
-      </p:ext>
-    </p:extLst>
   </p:cSld>
   <p:clrMapOvr>
     <a:masterClrMapping/>
@@ -878,8 +2449,13 @@
 </file>
 
 <file path=ppt/slideLayouts/slideLayout3.xml><?xml version="1.0" encoding="utf-8"?>
-<p:sldLayout xmlns:a="http://schemas.openxmlformats.org/drawingml/2006/main" xmlns:r="http://schemas.openxmlformats.org/officeDocument/2006/relationships" xmlns:p="http://schemas.openxmlformats.org/presentationml/2006/main" type="secHead" preserve="1">
+<p:sldLayout xmlns:a="http://schemas.openxmlformats.org/drawingml/2006/main" xmlns:r="http://schemas.openxmlformats.org/officeDocument/2006/relationships" xmlns:p="http://schemas.openxmlformats.org/presentationml/2006/main" showMasterSp="0" type="secHead" preserve="1">
   <p:cSld name="Section Header">
+    <p:bg>
+      <p:bgRef idx="1003">
+        <a:schemeClr val="bg1"/>
+      </p:bgRef>
+    </p:bg>
     <p:spTree>
       <p:nvGrpSpPr>
         <p:cNvPr id="1" name=""/>
@@ -896,33 +2472,128 @@
       </p:grpSpPr>
       <p:sp>
         <p:nvSpPr>
-          <p:cNvPr id="2" name="Title 1"/>
-          <p:cNvSpPr>
-            <a:spLocks noGrp="1"/>
-          </p:cNvSpPr>
-          <p:nvPr>
-            <p:ph type="title"/>
-          </p:nvPr>
+          <p:cNvPr id="11" name="Rectangle 10"/>
+          <p:cNvSpPr/>
+          <p:nvPr/>
         </p:nvSpPr>
         <p:spPr>
           <a:xfrm>
-            <a:off x="722313" y="4406900"/>
+            <a:off x="0" y="0"/>
+            <a:ext cx="9144000" cy="6858000"/>
+          </a:xfrm>
+          <a:prstGeom prst="rect">
+            <a:avLst/>
+          </a:prstGeom>
+          <a:solidFill>
+            <a:srgbClr val="FFFFFF"/>
+          </a:solidFill>
+          <a:ln w="12700" cap="flat" cmpd="sng" algn="ctr">
+            <a:noFill/>
+            <a:prstDash val="solid"/>
+          </a:ln>
+        </p:spPr>
+        <p:style>
+          <a:lnRef idx="2">
+            <a:schemeClr val="accent1"/>
+          </a:lnRef>
+          <a:fillRef idx="1">
+            <a:schemeClr val="accent1"/>
+          </a:fillRef>
+          <a:effectRef idx="0">
+            <a:schemeClr val="accent1"/>
+          </a:effectRef>
+          <a:fontRef idx="minor">
+            <a:schemeClr val="lt1"/>
+          </a:fontRef>
+        </p:style>
+        <p:txBody>
+          <a:bodyPr rtlCol="0" anchor="ctr"/>
+          <a:lstStyle/>
+          <a:p>
+            <a:pPr algn="ctr" eaLnBrk="1" latinLnBrk="0" hangingPunct="1"/>
+            <a:endParaRPr kumimoji="0" lang="en-US"/>
+          </a:p>
+        </p:txBody>
+      </p:sp>
+      <p:sp useBgFill="1">
+        <p:nvSpPr>
+          <p:cNvPr id="10" name="Rounded Rectangle 9"/>
+          <p:cNvSpPr/>
+          <p:nvPr/>
+        </p:nvSpPr>
+        <p:spPr>
+          <a:xfrm>
+            <a:off x="65313" y="69755"/>
+            <a:ext cx="9013372" cy="6692201"/>
+          </a:xfrm>
+          <a:prstGeom prst="roundRect">
+            <a:avLst>
+              <a:gd name="adj" fmla="val 4929"/>
+            </a:avLst>
+          </a:prstGeom>
+          <a:ln w="6350" cap="sq" cmpd="sng" algn="ctr">
+            <a:solidFill>
+              <a:schemeClr val="tx1">
+                <a:alpha val="100000"/>
+              </a:schemeClr>
+            </a:solidFill>
+            <a:prstDash val="solid"/>
+          </a:ln>
+          <a:effectLst/>
+        </p:spPr>
+        <p:style>
+          <a:lnRef idx="3">
+            <a:schemeClr val="lt1"/>
+          </a:lnRef>
+          <a:fillRef idx="1003">
+            <a:schemeClr val="lt1"/>
+          </a:fillRef>
+          <a:effectRef idx="1">
+            <a:schemeClr val="accent1"/>
+          </a:effectRef>
+          <a:fontRef idx="minor">
+            <a:schemeClr val="lt1"/>
+          </a:fontRef>
+        </p:style>
+        <p:txBody>
+          <a:bodyPr anchor="ctr"/>
+          <a:lstStyle/>
+          <a:p>
+            <a:pPr algn="ctr" eaLnBrk="1" latinLnBrk="0" hangingPunct="1"/>
+            <a:endParaRPr kumimoji="0" lang="en-US"/>
+          </a:p>
+        </p:txBody>
+      </p:sp>
+      <p:sp>
+        <p:nvSpPr>
+          <p:cNvPr id="2" name="Title 1"/>
+          <p:cNvSpPr>
+            <a:spLocks noGrp="1"/>
+          </p:cNvSpPr>
+          <p:nvPr>
+            <p:ph type="title"/>
+          </p:nvPr>
+        </p:nvSpPr>
+        <p:spPr>
+          <a:xfrm>
+            <a:off x="722313" y="952500"/>
             <a:ext cx="7772400" cy="1362075"/>
           </a:xfrm>
         </p:spPr>
         <p:txBody>
-          <a:bodyPr anchor="t"/>
+          <a:bodyPr anchor="b" anchorCtr="0"/>
           <a:lstStyle>
             <a:lvl1pPr algn="l">
-              <a:defRPr sz="4000" b="1" cap="all"/>
+              <a:buNone/>
+              <a:defRPr sz="4000" b="0" cap="none"/>
             </a:lvl1pPr>
           </a:lstStyle>
           <a:p>
             <a:r>
-              <a:rPr lang="en-US" smtClean="0"/>
+              <a:rPr kumimoji="0" lang="en-US" smtClean="0"/>
               <a:t>Click to edit Master title style</a:t>
             </a:r>
-            <a:endParaRPr lang="en-NZ"/>
+            <a:endParaRPr kumimoji="0" lang="en-US"/>
           </a:p>
         </p:txBody>
       </p:sp>
@@ -938,16 +2609,16 @@
         </p:nvSpPr>
         <p:spPr>
           <a:xfrm>
-            <a:off x="722313" y="2906713"/>
-            <a:ext cx="7772400" cy="1500187"/>
+            <a:off x="722313" y="2547938"/>
+            <a:ext cx="7772400" cy="1338262"/>
           </a:xfrm>
         </p:spPr>
         <p:txBody>
-          <a:bodyPr anchor="b"/>
+          <a:bodyPr anchor="t" anchorCtr="0"/>
           <a:lstStyle>
             <a:lvl1pPr marL="0" indent="0">
               <a:buNone/>
-              <a:defRPr sz="2000">
+              <a:defRPr sz="2400">
                 <a:solidFill>
                   <a:schemeClr val="tx1">
                     <a:tint val="75000"/>
@@ -955,7 +2626,7 @@
                 </a:solidFill>
               </a:defRPr>
             </a:lvl1pPr>
-            <a:lvl2pPr marL="457200" indent="0">
+            <a:lvl2pPr>
               <a:buNone/>
               <a:defRPr sz="1800">
                 <a:solidFill>
@@ -965,7 +2636,7 @@
                 </a:solidFill>
               </a:defRPr>
             </a:lvl2pPr>
-            <a:lvl3pPr marL="914400" indent="0">
+            <a:lvl3pPr>
               <a:buNone/>
               <a:defRPr sz="1600">
                 <a:solidFill>
@@ -975,7 +2646,7 @@
                 </a:solidFill>
               </a:defRPr>
             </a:lvl3pPr>
-            <a:lvl4pPr marL="1371600" indent="0">
+            <a:lvl4pPr>
               <a:buNone/>
               <a:defRPr sz="1400">
                 <a:solidFill>
@@ -985,7 +2656,7 @@
                 </a:solidFill>
               </a:defRPr>
             </a:lvl4pPr>
-            <a:lvl5pPr marL="1828800" indent="0">
+            <a:lvl5pPr>
               <a:buNone/>
               <a:defRPr sz="1400">
                 <a:solidFill>
@@ -995,51 +2666,11 @@
                 </a:solidFill>
               </a:defRPr>
             </a:lvl5pPr>
-            <a:lvl6pPr marL="2286000" indent="0">
-              <a:buNone/>
-              <a:defRPr sz="1400">
-                <a:solidFill>
-                  <a:schemeClr val="tx1">
-                    <a:tint val="75000"/>
-                  </a:schemeClr>
-                </a:solidFill>
-              </a:defRPr>
-            </a:lvl6pPr>
-            <a:lvl7pPr marL="2743200" indent="0">
-              <a:buNone/>
-              <a:defRPr sz="1400">
-                <a:solidFill>
-                  <a:schemeClr val="tx1">
-                    <a:tint val="75000"/>
-                  </a:schemeClr>
-                </a:solidFill>
-              </a:defRPr>
-            </a:lvl7pPr>
-            <a:lvl8pPr marL="3200400" indent="0">
-              <a:buNone/>
-              <a:defRPr sz="1400">
-                <a:solidFill>
-                  <a:schemeClr val="tx1">
-                    <a:tint val="75000"/>
-                  </a:schemeClr>
-                </a:solidFill>
-              </a:defRPr>
-            </a:lvl8pPr>
-            <a:lvl9pPr marL="3657600" indent="0">
-              <a:buNone/>
-              <a:defRPr sz="1400">
-                <a:solidFill>
-                  <a:schemeClr val="tx1">
-                    <a:tint val="75000"/>
-                  </a:schemeClr>
-                </a:solidFill>
-              </a:defRPr>
-            </a:lvl9pPr>
           </a:lstStyle>
           <a:p>
-            <a:pPr lvl="0"/>
-            <a:r>
-              <a:rPr lang="en-US" smtClean="0"/>
+            <a:pPr lvl="0" eaLnBrk="1" latinLnBrk="0" hangingPunct="1"/>
+            <a:r>
+              <a:rPr kumimoji="0" lang="en-US" smtClean="0"/>
               <a:t>Click to edit Master text styles</a:t>
             </a:r>
           </a:p>
@@ -1062,7 +2693,7 @@
           <a:p>
             <a:fld id="{3AAAF2AB-DDF1-48E8-8A5E-DE86AC31DF5E}" type="datetimeFigureOut">
               <a:rPr lang="en-NZ" smtClean="0"/>
-              <a:t>7/05/2015</a:t>
+              <a:t>9/05/2015</a:t>
             </a:fld>
             <a:endParaRPr lang="en-NZ"/>
           </a:p>
@@ -1078,7 +2709,12 @@
             <p:ph type="ftr" sz="quarter" idx="11"/>
           </p:nvPr>
         </p:nvSpPr>
-        <p:spPr/>
+        <p:spPr>
+          <a:xfrm>
+            <a:off x="800100" y="6172200"/>
+            <a:ext cx="4000500" cy="457200"/>
+          </a:xfrm>
+        </p:spPr>
         <p:txBody>
           <a:bodyPr/>
           <a:lstStyle/>
@@ -1089,6 +2725,148 @@
       </p:sp>
       <p:sp>
         <p:nvSpPr>
+          <p:cNvPr id="7" name="Rectangle 6"/>
+          <p:cNvSpPr/>
+          <p:nvPr/>
+        </p:nvSpPr>
+        <p:spPr>
+          <a:xfrm flipV="1">
+            <a:off x="69412" y="2376830"/>
+            <a:ext cx="9013515" cy="91440"/>
+          </a:xfrm>
+          <a:prstGeom prst="rect">
+            <a:avLst/>
+          </a:prstGeom>
+          <a:solidFill>
+            <a:schemeClr val="accent1">
+              <a:alpha val="100000"/>
+            </a:schemeClr>
+          </a:solidFill>
+          <a:ln w="19050" cap="sq" cmpd="sng" algn="ctr">
+            <a:noFill/>
+            <a:prstDash val="solid"/>
+          </a:ln>
+          <a:effectLst/>
+        </p:spPr>
+        <p:style>
+          <a:lnRef idx="3">
+            <a:schemeClr val="lt1"/>
+          </a:lnRef>
+          <a:fillRef idx="1">
+            <a:schemeClr val="accent1"/>
+          </a:fillRef>
+          <a:effectRef idx="1">
+            <a:schemeClr val="accent1"/>
+          </a:effectRef>
+          <a:fontRef idx="minor">
+            <a:schemeClr val="lt1"/>
+          </a:fontRef>
+        </p:style>
+        <p:txBody>
+          <a:bodyPr anchor="ctr"/>
+          <a:lstStyle/>
+          <a:p>
+            <a:pPr algn="ctr" eaLnBrk="1" latinLnBrk="0" hangingPunct="1"/>
+            <a:endParaRPr kumimoji="0" lang="en-US"/>
+          </a:p>
+        </p:txBody>
+      </p:sp>
+      <p:sp>
+        <p:nvSpPr>
+          <p:cNvPr id="8" name="Rectangle 7"/>
+          <p:cNvSpPr/>
+          <p:nvPr/>
+        </p:nvSpPr>
+        <p:spPr>
+          <a:xfrm>
+            <a:off x="69146" y="2341475"/>
+            <a:ext cx="9013781" cy="45719"/>
+          </a:xfrm>
+          <a:prstGeom prst="rect">
+            <a:avLst/>
+          </a:prstGeom>
+          <a:solidFill>
+            <a:schemeClr val="accent1">
+              <a:tint val="60000"/>
+            </a:schemeClr>
+          </a:solidFill>
+          <a:ln w="19050" cap="sq" cmpd="sng" algn="ctr">
+            <a:noFill/>
+            <a:prstDash val="solid"/>
+          </a:ln>
+          <a:effectLst/>
+        </p:spPr>
+        <p:style>
+          <a:lnRef idx="3">
+            <a:schemeClr val="lt1"/>
+          </a:lnRef>
+          <a:fillRef idx="1">
+            <a:schemeClr val="accent1"/>
+          </a:fillRef>
+          <a:effectRef idx="1">
+            <a:schemeClr val="accent1"/>
+          </a:effectRef>
+          <a:fontRef idx="minor">
+            <a:schemeClr val="lt1"/>
+          </a:fontRef>
+        </p:style>
+        <p:txBody>
+          <a:bodyPr anchor="ctr"/>
+          <a:lstStyle/>
+          <a:p>
+            <a:pPr algn="ctr" eaLnBrk="1" latinLnBrk="0" hangingPunct="1"/>
+            <a:endParaRPr kumimoji="0" lang="en-US"/>
+          </a:p>
+        </p:txBody>
+      </p:sp>
+      <p:sp>
+        <p:nvSpPr>
+          <p:cNvPr id="9" name="Rectangle 8"/>
+          <p:cNvSpPr/>
+          <p:nvPr/>
+        </p:nvSpPr>
+        <p:spPr>
+          <a:xfrm>
+            <a:off x="68306" y="2468880"/>
+            <a:ext cx="9014621" cy="45720"/>
+          </a:xfrm>
+          <a:prstGeom prst="rect">
+            <a:avLst/>
+          </a:prstGeom>
+          <a:solidFill>
+            <a:schemeClr val="accent5"/>
+          </a:solidFill>
+          <a:ln w="19050" cap="sq" cmpd="sng" algn="ctr">
+            <a:noFill/>
+            <a:prstDash val="solid"/>
+          </a:ln>
+          <a:effectLst/>
+        </p:spPr>
+        <p:style>
+          <a:lnRef idx="3">
+            <a:schemeClr val="lt1"/>
+          </a:lnRef>
+          <a:fillRef idx="1">
+            <a:schemeClr val="accent1"/>
+          </a:fillRef>
+          <a:effectRef idx="1">
+            <a:schemeClr val="accent1"/>
+          </a:effectRef>
+          <a:fontRef idx="minor">
+            <a:schemeClr val="lt1"/>
+          </a:fontRef>
+        </p:style>
+        <p:txBody>
+          <a:bodyPr anchor="ctr"/>
+          <a:lstStyle/>
+          <a:p>
+            <a:pPr algn="ctr" eaLnBrk="1" latinLnBrk="0" hangingPunct="1"/>
+            <a:endParaRPr kumimoji="0" lang="en-US"/>
+          </a:p>
+        </p:txBody>
+      </p:sp>
+      <p:sp>
+        <p:nvSpPr>
           <p:cNvPr id="6" name="Slide Number Placeholder 5"/>
           <p:cNvSpPr>
             <a:spLocks noGrp="1"/>
@@ -1097,7 +2875,12 @@
             <p:ph type="sldNum" sz="quarter" idx="12"/>
           </p:nvPr>
         </p:nvSpPr>
-        <p:spPr/>
+        <p:spPr>
+          <a:xfrm>
+            <a:off x="146304" y="6208776"/>
+            <a:ext cx="457200" cy="457200"/>
+          </a:xfrm>
+        </p:spPr>
         <p:txBody>
           <a:bodyPr/>
           <a:lstStyle/>
@@ -1111,14 +2894,9 @@
         </p:txBody>
       </p:sp>
     </p:spTree>
-    <p:extLst>
-      <p:ext uri="{BB962C8B-B14F-4D97-AF65-F5344CB8AC3E}">
-        <p14:creationId xmlns:p14="http://schemas.microsoft.com/office/powerpoint/2010/main" val="2042965728"/>
-      </p:ext>
-    </p:extLst>
   </p:cSld>
   <p:clrMapOvr>
-    <a:masterClrMapping/>
+    <a:overrideClrMapping bg1="lt1" tx1="dk1" bg2="lt2" tx2="dk2" accent1="accent1" accent2="accent2" accent3="accent3" accent4="accent4" accent5="accent5" accent6="accent6" hlink="hlink" folHlink="folHlink"/>
   </p:clrMapOvr>
 </p:sldLayout>
 </file>
@@ -1156,180 +2934,10 @@
           <a:lstStyle/>
           <a:p>
             <a:r>
-              <a:rPr lang="en-US" smtClean="0"/>
+              <a:rPr kumimoji="0" lang="en-US" smtClean="0"/>
               <a:t>Click to edit Master title style</a:t>
             </a:r>
-            <a:endParaRPr lang="en-NZ"/>
-          </a:p>
-        </p:txBody>
-      </p:sp>
-      <p:sp>
-        <p:nvSpPr>
-          <p:cNvPr id="3" name="Content Placeholder 2"/>
-          <p:cNvSpPr>
-            <a:spLocks noGrp="1"/>
-          </p:cNvSpPr>
-          <p:nvPr>
-            <p:ph sz="half" idx="1"/>
-          </p:nvPr>
-        </p:nvSpPr>
-        <p:spPr>
-          <a:xfrm>
-            <a:off x="457200" y="1600200"/>
-            <a:ext cx="4038600" cy="4525963"/>
-          </a:xfrm>
-        </p:spPr>
-        <p:txBody>
-          <a:bodyPr/>
-          <a:lstStyle>
-            <a:lvl1pPr>
-              <a:defRPr sz="2800"/>
-            </a:lvl1pPr>
-            <a:lvl2pPr>
-              <a:defRPr sz="2400"/>
-            </a:lvl2pPr>
-            <a:lvl3pPr>
-              <a:defRPr sz="2000"/>
-            </a:lvl3pPr>
-            <a:lvl4pPr>
-              <a:defRPr sz="1800"/>
-            </a:lvl4pPr>
-            <a:lvl5pPr>
-              <a:defRPr sz="1800"/>
-            </a:lvl5pPr>
-            <a:lvl6pPr>
-              <a:defRPr sz="1800"/>
-            </a:lvl6pPr>
-            <a:lvl7pPr>
-              <a:defRPr sz="1800"/>
-            </a:lvl7pPr>
-            <a:lvl8pPr>
-              <a:defRPr sz="1800"/>
-            </a:lvl8pPr>
-            <a:lvl9pPr>
-              <a:defRPr sz="1800"/>
-            </a:lvl9pPr>
-          </a:lstStyle>
-          <a:p>
-            <a:pPr lvl="0"/>
-            <a:r>
-              <a:rPr lang="en-US" smtClean="0"/>
-              <a:t>Click to edit Master text styles</a:t>
-            </a:r>
-          </a:p>
-          <a:p>
-            <a:pPr lvl="1"/>
-            <a:r>
-              <a:rPr lang="en-US" smtClean="0"/>
-              <a:t>Second level</a:t>
-            </a:r>
-          </a:p>
-          <a:p>
-            <a:pPr lvl="2"/>
-            <a:r>
-              <a:rPr lang="en-US" smtClean="0"/>
-              <a:t>Third level</a:t>
-            </a:r>
-          </a:p>
-          <a:p>
-            <a:pPr lvl="3"/>
-            <a:r>
-              <a:rPr lang="en-US" smtClean="0"/>
-              <a:t>Fourth level</a:t>
-            </a:r>
-          </a:p>
-          <a:p>
-            <a:pPr lvl="4"/>
-            <a:r>
-              <a:rPr lang="en-US" smtClean="0"/>
-              <a:t>Fifth level</a:t>
-            </a:r>
-            <a:endParaRPr lang="en-NZ"/>
-          </a:p>
-        </p:txBody>
-      </p:sp>
-      <p:sp>
-        <p:nvSpPr>
-          <p:cNvPr id="4" name="Content Placeholder 3"/>
-          <p:cNvSpPr>
-            <a:spLocks noGrp="1"/>
-          </p:cNvSpPr>
-          <p:nvPr>
-            <p:ph sz="half" idx="2"/>
-          </p:nvPr>
-        </p:nvSpPr>
-        <p:spPr>
-          <a:xfrm>
-            <a:off x="4648200" y="1600200"/>
-            <a:ext cx="4038600" cy="4525963"/>
-          </a:xfrm>
-        </p:spPr>
-        <p:txBody>
-          <a:bodyPr/>
-          <a:lstStyle>
-            <a:lvl1pPr>
-              <a:defRPr sz="2800"/>
-            </a:lvl1pPr>
-            <a:lvl2pPr>
-              <a:defRPr sz="2400"/>
-            </a:lvl2pPr>
-            <a:lvl3pPr>
-              <a:defRPr sz="2000"/>
-            </a:lvl3pPr>
-            <a:lvl4pPr>
-              <a:defRPr sz="1800"/>
-            </a:lvl4pPr>
-            <a:lvl5pPr>
-              <a:defRPr sz="1800"/>
-            </a:lvl5pPr>
-            <a:lvl6pPr>
-              <a:defRPr sz="1800"/>
-            </a:lvl6pPr>
-            <a:lvl7pPr>
-              <a:defRPr sz="1800"/>
-            </a:lvl7pPr>
-            <a:lvl8pPr>
-              <a:defRPr sz="1800"/>
-            </a:lvl8pPr>
-            <a:lvl9pPr>
-              <a:defRPr sz="1800"/>
-            </a:lvl9pPr>
-          </a:lstStyle>
-          <a:p>
-            <a:pPr lvl="0"/>
-            <a:r>
-              <a:rPr lang="en-US" smtClean="0"/>
-              <a:t>Click to edit Master text styles</a:t>
-            </a:r>
-          </a:p>
-          <a:p>
-            <a:pPr lvl="1"/>
-            <a:r>
-              <a:rPr lang="en-US" smtClean="0"/>
-              <a:t>Second level</a:t>
-            </a:r>
-          </a:p>
-          <a:p>
-            <a:pPr lvl="2"/>
-            <a:r>
-              <a:rPr lang="en-US" smtClean="0"/>
-              <a:t>Third level</a:t>
-            </a:r>
-          </a:p>
-          <a:p>
-            <a:pPr lvl="3"/>
-            <a:r>
-              <a:rPr lang="en-US" smtClean="0"/>
-              <a:t>Fourth level</a:t>
-            </a:r>
-          </a:p>
-          <a:p>
-            <a:pPr lvl="4"/>
-            <a:r>
-              <a:rPr lang="en-US" smtClean="0"/>
-              <a:t>Fifth level</a:t>
-            </a:r>
-            <a:endParaRPr lang="en-NZ"/>
+            <a:endParaRPr kumimoji="0" lang="en-US"/>
           </a:p>
         </p:txBody>
       </p:sp>
@@ -1350,7 +2958,7 @@
           <a:p>
             <a:fld id="{3AAAF2AB-DDF1-48E8-8A5E-DE86AC31DF5E}" type="datetimeFigureOut">
               <a:rPr lang="en-NZ" smtClean="0"/>
-              <a:t>7/05/2015</a:t>
+              <a:t>9/05/2015</a:t>
             </a:fld>
             <a:endParaRPr lang="en-NZ"/>
           </a:p>
@@ -1398,12 +3006,121 @@
           </a:p>
         </p:txBody>
       </p:sp>
+      <p:sp>
+        <p:nvSpPr>
+          <p:cNvPr id="9" name="Content Placeholder 8"/>
+          <p:cNvSpPr>
+            <a:spLocks noGrp="1"/>
+          </p:cNvSpPr>
+          <p:nvPr>
+            <p:ph sz="quarter" idx="1"/>
+          </p:nvPr>
+        </p:nvSpPr>
+        <p:spPr>
+          <a:xfrm>
+            <a:off x="914400" y="1447800"/>
+            <a:ext cx="3749040" cy="4572000"/>
+          </a:xfrm>
+        </p:spPr>
+        <p:txBody>
+          <a:bodyPr vert="horz"/>
+          <a:lstStyle/>
+          <a:p>
+            <a:pPr lvl="0" eaLnBrk="1" latinLnBrk="0" hangingPunct="1"/>
+            <a:r>
+              <a:rPr lang="en-US" smtClean="0"/>
+              <a:t>Click to edit Master text styles</a:t>
+            </a:r>
+          </a:p>
+          <a:p>
+            <a:pPr lvl="1" eaLnBrk="1" latinLnBrk="0" hangingPunct="1"/>
+            <a:r>
+              <a:rPr lang="en-US" smtClean="0"/>
+              <a:t>Second level</a:t>
+            </a:r>
+          </a:p>
+          <a:p>
+            <a:pPr lvl="2" eaLnBrk="1" latinLnBrk="0" hangingPunct="1"/>
+            <a:r>
+              <a:rPr lang="en-US" smtClean="0"/>
+              <a:t>Third level</a:t>
+            </a:r>
+          </a:p>
+          <a:p>
+            <a:pPr lvl="3" eaLnBrk="1" latinLnBrk="0" hangingPunct="1"/>
+            <a:r>
+              <a:rPr lang="en-US" smtClean="0"/>
+              <a:t>Fourth level</a:t>
+            </a:r>
+          </a:p>
+          <a:p>
+            <a:pPr lvl="4" eaLnBrk="1" latinLnBrk="0" hangingPunct="1"/>
+            <a:r>
+              <a:rPr lang="en-US" smtClean="0"/>
+              <a:t>Fifth level</a:t>
+            </a:r>
+            <a:endParaRPr kumimoji="0" lang="en-US"/>
+          </a:p>
+        </p:txBody>
+      </p:sp>
+      <p:sp>
+        <p:nvSpPr>
+          <p:cNvPr id="11" name="Content Placeholder 10"/>
+          <p:cNvSpPr>
+            <a:spLocks noGrp="1"/>
+          </p:cNvSpPr>
+          <p:nvPr>
+            <p:ph sz="quarter" idx="2"/>
+          </p:nvPr>
+        </p:nvSpPr>
+        <p:spPr>
+          <a:xfrm>
+            <a:off x="4933950" y="1447800"/>
+            <a:ext cx="3749040" cy="4572000"/>
+          </a:xfrm>
+        </p:spPr>
+        <p:txBody>
+          <a:bodyPr vert="horz"/>
+          <a:lstStyle/>
+          <a:p>
+            <a:pPr lvl="0" eaLnBrk="1" latinLnBrk="0" hangingPunct="1"/>
+            <a:r>
+              <a:rPr lang="en-US" smtClean="0"/>
+              <a:t>Click to edit Master text styles</a:t>
+            </a:r>
+          </a:p>
+          <a:p>
+            <a:pPr lvl="1" eaLnBrk="1" latinLnBrk="0" hangingPunct="1"/>
+            <a:r>
+              <a:rPr lang="en-US" smtClean="0"/>
+              <a:t>Second level</a:t>
+            </a:r>
+          </a:p>
+          <a:p>
+            <a:pPr lvl="2" eaLnBrk="1" latinLnBrk="0" hangingPunct="1"/>
+            <a:r>
+              <a:rPr lang="en-US" smtClean="0"/>
+              <a:t>Third level</a:t>
+            </a:r>
+          </a:p>
+          <a:p>
+            <a:pPr lvl="3" eaLnBrk="1" latinLnBrk="0" hangingPunct="1"/>
+            <a:r>
+              <a:rPr lang="en-US" smtClean="0"/>
+              <a:t>Fourth level</a:t>
+            </a:r>
+          </a:p>
+          <a:p>
+            <a:pPr lvl="4" eaLnBrk="1" latinLnBrk="0" hangingPunct="1"/>
+            <a:r>
+              <a:rPr lang="en-US" smtClean="0"/>
+              <a:t>Fifth level</a:t>
+            </a:r>
+            <a:endParaRPr kumimoji="0" lang="en-US"/>
+          </a:p>
+        </p:txBody>
+      </p:sp>
     </p:spTree>
-    <p:extLst>
-      <p:ext uri="{BB962C8B-B14F-4D97-AF65-F5344CB8AC3E}">
-        <p14:creationId xmlns:p14="http://schemas.microsoft.com/office/powerpoint/2010/main" val="4024320486"/>
-      </p:ext>
-    </p:extLst>
   </p:cSld>
   <p:clrMapOvr>
     <a:masterClrMapping/>
@@ -1438,9 +3155,14 @@
             <p:ph type="title"/>
           </p:nvPr>
         </p:nvSpPr>
-        <p:spPr/>
-        <p:txBody>
-          <a:bodyPr/>
+        <p:spPr>
+          <a:xfrm>
+            <a:off x="914400" y="273050"/>
+            <a:ext cx="7772400" cy="1143000"/>
+          </a:xfrm>
+        </p:spPr>
+        <p:txBody>
+          <a:bodyPr anchor="b" anchorCtr="0"/>
           <a:lstStyle>
             <a:lvl1pPr>
               <a:defRPr/>
@@ -1448,10 +3170,10 @@
           </a:lstStyle>
           <a:p>
             <a:r>
-              <a:rPr lang="en-US" smtClean="0"/>
+              <a:rPr kumimoji="0" lang="en-US" smtClean="0"/>
               <a:t>Click to edit Master title style</a:t>
             </a:r>
-            <a:endParaRPr lang="en-NZ"/>
+            <a:endParaRPr kumimoji="0" lang="en-US"/>
           </a:p>
         </p:txBody>
       </p:sp>
@@ -1467,54 +3189,52 @@
         </p:nvSpPr>
         <p:spPr>
           <a:xfrm>
-            <a:off x="457200" y="1535113"/>
-            <a:ext cx="4040188" cy="639762"/>
+            <a:off x="914400" y="1447800"/>
+            <a:ext cx="3733800" cy="762000"/>
           </a:xfrm>
+          <a:noFill/>
+          <a:ln w="12700" cap="sq" cmpd="sng" algn="ctr">
+            <a:noFill/>
+            <a:prstDash val="solid"/>
+          </a:ln>
         </p:spPr>
         <p:txBody>
-          <a:bodyPr anchor="b"/>
+          <a:bodyPr lIns="91440" anchor="b" anchorCtr="0">
+            <a:noAutofit/>
+          </a:bodyPr>
           <a:lstStyle>
             <a:lvl1pPr marL="0" indent="0">
               <a:buNone/>
-              <a:defRPr sz="2400" b="1"/>
+              <a:defRPr sz="2400" b="1">
+                <a:solidFill>
+                  <a:schemeClr val="accent1"/>
+                </a:solidFill>
+                <a:latin typeface="+mj-lt"/>
+                <a:ea typeface="+mj-ea"/>
+                <a:cs typeface="+mj-cs"/>
+              </a:defRPr>
             </a:lvl1pPr>
-            <a:lvl2pPr marL="457200" indent="0">
+            <a:lvl2pPr>
               <a:buNone/>
               <a:defRPr sz="2000" b="1"/>
             </a:lvl2pPr>
-            <a:lvl3pPr marL="914400" indent="0">
+            <a:lvl3pPr>
               <a:buNone/>
               <a:defRPr sz="1800" b="1"/>
             </a:lvl3pPr>
-            <a:lvl4pPr marL="1371600" indent="0">
+            <a:lvl4pPr>
               <a:buNone/>
               <a:defRPr sz="1600" b="1"/>
             </a:lvl4pPr>
-            <a:lvl5pPr marL="1828800" indent="0">
+            <a:lvl5pPr>
               <a:buNone/>
               <a:defRPr sz="1600" b="1"/>
             </a:lvl5pPr>
-            <a:lvl6pPr marL="2286000" indent="0">
-              <a:buNone/>
-              <a:defRPr sz="1600" b="1"/>
-            </a:lvl6pPr>
-            <a:lvl7pPr marL="2743200" indent="0">
-              <a:buNone/>
-              <a:defRPr sz="1600" b="1"/>
-            </a:lvl7pPr>
-            <a:lvl8pPr marL="3200400" indent="0">
-              <a:buNone/>
-              <a:defRPr sz="1600" b="1"/>
-            </a:lvl8pPr>
-            <a:lvl9pPr marL="3657600" indent="0">
-              <a:buNone/>
-              <a:defRPr sz="1600" b="1"/>
-            </a:lvl9pPr>
           </a:lstStyle>
           <a:p>
-            <a:pPr lvl="0"/>
-            <a:r>
-              <a:rPr lang="en-US" smtClean="0"/>
+            <a:pPr lvl="0" eaLnBrk="1" latinLnBrk="0" hangingPunct="1"/>
+            <a:r>
+              <a:rPr kumimoji="0" lang="en-US" smtClean="0"/>
               <a:t>Click to edit Master text styles</a:t>
             </a:r>
           </a:p>
@@ -1522,236 +3242,64 @@
       </p:sp>
       <p:sp>
         <p:nvSpPr>
-          <p:cNvPr id="4" name="Content Placeholder 3"/>
-          <p:cNvSpPr>
-            <a:spLocks noGrp="1"/>
-          </p:cNvSpPr>
-          <p:nvPr>
-            <p:ph sz="half" idx="2"/>
+          <p:cNvPr id="4" name="Text Placeholder 3"/>
+          <p:cNvSpPr>
+            <a:spLocks noGrp="1"/>
+          </p:cNvSpPr>
+          <p:nvPr>
+            <p:ph type="body" sz="half" idx="3"/>
           </p:nvPr>
         </p:nvSpPr>
         <p:spPr>
           <a:xfrm>
-            <a:off x="457200" y="2174875"/>
-            <a:ext cx="4040188" cy="3951288"/>
+            <a:off x="4953000" y="1447800"/>
+            <a:ext cx="3733800" cy="762000"/>
           </a:xfrm>
+          <a:noFill/>
+          <a:ln w="12700" cap="sq" cmpd="sng" algn="ctr">
+            <a:noFill/>
+            <a:prstDash val="solid"/>
+          </a:ln>
         </p:spPr>
         <p:txBody>
-          <a:bodyPr/>
-          <a:lstStyle>
-            <a:lvl1pPr>
-              <a:defRPr sz="2400"/>
-            </a:lvl1pPr>
-            <a:lvl2pPr>
-              <a:defRPr sz="2000"/>
-            </a:lvl2pPr>
-            <a:lvl3pPr>
-              <a:defRPr sz="1800"/>
-            </a:lvl3pPr>
-            <a:lvl4pPr>
-              <a:defRPr sz="1600"/>
-            </a:lvl4pPr>
-            <a:lvl5pPr>
-              <a:defRPr sz="1600"/>
-            </a:lvl5pPr>
-            <a:lvl6pPr>
-              <a:defRPr sz="1600"/>
-            </a:lvl6pPr>
-            <a:lvl7pPr>
-              <a:defRPr sz="1600"/>
-            </a:lvl7pPr>
-            <a:lvl8pPr>
-              <a:defRPr sz="1600"/>
-            </a:lvl8pPr>
-            <a:lvl9pPr>
-              <a:defRPr sz="1600"/>
-            </a:lvl9pPr>
-          </a:lstStyle>
-          <a:p>
-            <a:pPr lvl="0"/>
-            <a:r>
-              <a:rPr lang="en-US" smtClean="0"/>
-              <a:t>Click to edit Master text styles</a:t>
-            </a:r>
-          </a:p>
-          <a:p>
-            <a:pPr lvl="1"/>
-            <a:r>
-              <a:rPr lang="en-US" smtClean="0"/>
-              <a:t>Second level</a:t>
-            </a:r>
-          </a:p>
-          <a:p>
-            <a:pPr lvl="2"/>
-            <a:r>
-              <a:rPr lang="en-US" smtClean="0"/>
-              <a:t>Third level</a:t>
-            </a:r>
-          </a:p>
-          <a:p>
-            <a:pPr lvl="3"/>
-            <a:r>
-              <a:rPr lang="en-US" smtClean="0"/>
-              <a:t>Fourth level</a:t>
-            </a:r>
-          </a:p>
-          <a:p>
-            <a:pPr lvl="4"/>
-            <a:r>
-              <a:rPr lang="en-US" smtClean="0"/>
-              <a:t>Fifth level</a:t>
-            </a:r>
-            <a:endParaRPr lang="en-NZ"/>
-          </a:p>
-        </p:txBody>
-      </p:sp>
-      <p:sp>
-        <p:nvSpPr>
-          <p:cNvPr id="5" name="Text Placeholder 4"/>
-          <p:cNvSpPr>
-            <a:spLocks noGrp="1"/>
-          </p:cNvSpPr>
-          <p:nvPr>
-            <p:ph type="body" sz="quarter" idx="3"/>
-          </p:nvPr>
-        </p:nvSpPr>
-        <p:spPr>
-          <a:xfrm>
-            <a:off x="4645025" y="1535113"/>
-            <a:ext cx="4041775" cy="639762"/>
-          </a:xfrm>
-        </p:spPr>
-        <p:txBody>
-          <a:bodyPr anchor="b"/>
+          <a:bodyPr lIns="91440" anchor="b" anchorCtr="0">
+            <a:noAutofit/>
+          </a:bodyPr>
           <a:lstStyle>
             <a:lvl1pPr marL="0" indent="0">
               <a:buNone/>
-              <a:defRPr sz="2400" b="1"/>
+              <a:defRPr sz="2400" b="1">
+                <a:solidFill>
+                  <a:schemeClr val="accent1"/>
+                </a:solidFill>
+                <a:latin typeface="+mj-lt"/>
+                <a:ea typeface="+mj-ea"/>
+                <a:cs typeface="+mj-cs"/>
+              </a:defRPr>
             </a:lvl1pPr>
-            <a:lvl2pPr marL="457200" indent="0">
+            <a:lvl2pPr>
               <a:buNone/>
               <a:defRPr sz="2000" b="1"/>
             </a:lvl2pPr>
-            <a:lvl3pPr marL="914400" indent="0">
+            <a:lvl3pPr>
               <a:buNone/>
               <a:defRPr sz="1800" b="1"/>
             </a:lvl3pPr>
-            <a:lvl4pPr marL="1371600" indent="0">
+            <a:lvl4pPr>
               <a:buNone/>
               <a:defRPr sz="1600" b="1"/>
             </a:lvl4pPr>
-            <a:lvl5pPr marL="1828800" indent="0">
+            <a:lvl5pPr>
               <a:buNone/>
               <a:defRPr sz="1600" b="1"/>
             </a:lvl5pPr>
-            <a:lvl6pPr marL="2286000" indent="0">
-              <a:buNone/>
-              <a:defRPr sz="1600" b="1"/>
-            </a:lvl6pPr>
-            <a:lvl7pPr marL="2743200" indent="0">
-              <a:buNone/>
-              <a:defRPr sz="1600" b="1"/>
-            </a:lvl7pPr>
-            <a:lvl8pPr marL="3200400" indent="0">
-              <a:buNone/>
-              <a:defRPr sz="1600" b="1"/>
-            </a:lvl8pPr>
-            <a:lvl9pPr marL="3657600" indent="0">
-              <a:buNone/>
-              <a:defRPr sz="1600" b="1"/>
-            </a:lvl9pPr>
           </a:lstStyle>
           <a:p>
-            <a:pPr lvl="0"/>
-            <a:r>
-              <a:rPr lang="en-US" smtClean="0"/>
+            <a:pPr lvl="0" eaLnBrk="1" latinLnBrk="0" hangingPunct="1"/>
+            <a:r>
+              <a:rPr kumimoji="0" lang="en-US" smtClean="0"/>
               <a:t>Click to edit Master text styles</a:t>
             </a:r>
-          </a:p>
-        </p:txBody>
-      </p:sp>
-      <p:sp>
-        <p:nvSpPr>
-          <p:cNvPr id="6" name="Content Placeholder 5"/>
-          <p:cNvSpPr>
-            <a:spLocks noGrp="1"/>
-          </p:cNvSpPr>
-          <p:nvPr>
-            <p:ph sz="quarter" idx="4"/>
-          </p:nvPr>
-        </p:nvSpPr>
-        <p:spPr>
-          <a:xfrm>
-            <a:off x="4645025" y="2174875"/>
-            <a:ext cx="4041775" cy="3951288"/>
-          </a:xfrm>
-        </p:spPr>
-        <p:txBody>
-          <a:bodyPr/>
-          <a:lstStyle>
-            <a:lvl1pPr>
-              <a:defRPr sz="2400"/>
-            </a:lvl1pPr>
-            <a:lvl2pPr>
-              <a:defRPr sz="2000"/>
-            </a:lvl2pPr>
-            <a:lvl3pPr>
-              <a:defRPr sz="1800"/>
-            </a:lvl3pPr>
-            <a:lvl4pPr>
-              <a:defRPr sz="1600"/>
-            </a:lvl4pPr>
-            <a:lvl5pPr>
-              <a:defRPr sz="1600"/>
-            </a:lvl5pPr>
-            <a:lvl6pPr>
-              <a:defRPr sz="1600"/>
-            </a:lvl6pPr>
-            <a:lvl7pPr>
-              <a:defRPr sz="1600"/>
-            </a:lvl7pPr>
-            <a:lvl8pPr>
-              <a:defRPr sz="1600"/>
-            </a:lvl8pPr>
-            <a:lvl9pPr>
-              <a:defRPr sz="1600"/>
-            </a:lvl9pPr>
-          </a:lstStyle>
-          <a:p>
-            <a:pPr lvl="0"/>
-            <a:r>
-              <a:rPr lang="en-US" smtClean="0"/>
-              <a:t>Click to edit Master text styles</a:t>
-            </a:r>
-          </a:p>
-          <a:p>
-            <a:pPr lvl="1"/>
-            <a:r>
-              <a:rPr lang="en-US" smtClean="0"/>
-              <a:t>Second level</a:t>
-            </a:r>
-          </a:p>
-          <a:p>
-            <a:pPr lvl="2"/>
-            <a:r>
-              <a:rPr lang="en-US" smtClean="0"/>
-              <a:t>Third level</a:t>
-            </a:r>
-          </a:p>
-          <a:p>
-            <a:pPr lvl="3"/>
-            <a:r>
-              <a:rPr lang="en-US" smtClean="0"/>
-              <a:t>Fourth level</a:t>
-            </a:r>
-          </a:p>
-          <a:p>
-            <a:pPr lvl="4"/>
-            <a:r>
-              <a:rPr lang="en-US" smtClean="0"/>
-              <a:t>Fifth level</a:t>
-            </a:r>
-            <a:endParaRPr lang="en-NZ"/>
           </a:p>
         </p:txBody>
       </p:sp>
@@ -1772,7 +3320,7 @@
           <a:p>
             <a:fld id="{3AAAF2AB-DDF1-48E8-8A5E-DE86AC31DF5E}" type="datetimeFigureOut">
               <a:rPr lang="en-NZ" smtClean="0"/>
-              <a:t>7/05/2015</a:t>
+              <a:t>9/05/2015</a:t>
             </a:fld>
             <a:endParaRPr lang="en-NZ"/>
           </a:p>
@@ -1820,12 +3368,121 @@
           </a:p>
         </p:txBody>
       </p:sp>
+      <p:sp>
+        <p:nvSpPr>
+          <p:cNvPr id="11" name="Content Placeholder 10"/>
+          <p:cNvSpPr>
+            <a:spLocks noGrp="1"/>
+          </p:cNvSpPr>
+          <p:nvPr>
+            <p:ph sz="half" idx="2"/>
+          </p:nvPr>
+        </p:nvSpPr>
+        <p:spPr>
+          <a:xfrm>
+            <a:off x="914400" y="2247900"/>
+            <a:ext cx="3733800" cy="3886200"/>
+          </a:xfrm>
+        </p:spPr>
+        <p:txBody>
+          <a:bodyPr vert="horz"/>
+          <a:lstStyle/>
+          <a:p>
+            <a:pPr lvl="0" eaLnBrk="1" latinLnBrk="0" hangingPunct="1"/>
+            <a:r>
+              <a:rPr lang="en-US" smtClean="0"/>
+              <a:t>Click to edit Master text styles</a:t>
+            </a:r>
+          </a:p>
+          <a:p>
+            <a:pPr lvl="1" eaLnBrk="1" latinLnBrk="0" hangingPunct="1"/>
+            <a:r>
+              <a:rPr lang="en-US" smtClean="0"/>
+              <a:t>Second level</a:t>
+            </a:r>
+          </a:p>
+          <a:p>
+            <a:pPr lvl="2" eaLnBrk="1" latinLnBrk="0" hangingPunct="1"/>
+            <a:r>
+              <a:rPr lang="en-US" smtClean="0"/>
+              <a:t>Third level</a:t>
+            </a:r>
+          </a:p>
+          <a:p>
+            <a:pPr lvl="3" eaLnBrk="1" latinLnBrk="0" hangingPunct="1"/>
+            <a:r>
+              <a:rPr lang="en-US" smtClean="0"/>
+              <a:t>Fourth level</a:t>
+            </a:r>
+          </a:p>
+          <a:p>
+            <a:pPr lvl="4" eaLnBrk="1" latinLnBrk="0" hangingPunct="1"/>
+            <a:r>
+              <a:rPr lang="en-US" smtClean="0"/>
+              <a:t>Fifth level</a:t>
+            </a:r>
+            <a:endParaRPr kumimoji="0" lang="en-US"/>
+          </a:p>
+        </p:txBody>
+      </p:sp>
+      <p:sp>
+        <p:nvSpPr>
+          <p:cNvPr id="13" name="Content Placeholder 12"/>
+          <p:cNvSpPr>
+            <a:spLocks noGrp="1"/>
+          </p:cNvSpPr>
+          <p:nvPr>
+            <p:ph sz="half" idx="4"/>
+          </p:nvPr>
+        </p:nvSpPr>
+        <p:spPr>
+          <a:xfrm>
+            <a:off x="4953000" y="2247900"/>
+            <a:ext cx="3733800" cy="3886200"/>
+          </a:xfrm>
+        </p:spPr>
+        <p:txBody>
+          <a:bodyPr vert="horz"/>
+          <a:lstStyle/>
+          <a:p>
+            <a:pPr lvl="0" eaLnBrk="1" latinLnBrk="0" hangingPunct="1"/>
+            <a:r>
+              <a:rPr lang="en-US" smtClean="0"/>
+              <a:t>Click to edit Master text styles</a:t>
+            </a:r>
+          </a:p>
+          <a:p>
+            <a:pPr lvl="1" eaLnBrk="1" latinLnBrk="0" hangingPunct="1"/>
+            <a:r>
+              <a:rPr lang="en-US" smtClean="0"/>
+              <a:t>Second level</a:t>
+            </a:r>
+          </a:p>
+          <a:p>
+            <a:pPr lvl="2" eaLnBrk="1" latinLnBrk="0" hangingPunct="1"/>
+            <a:r>
+              <a:rPr lang="en-US" smtClean="0"/>
+              <a:t>Third level</a:t>
+            </a:r>
+          </a:p>
+          <a:p>
+            <a:pPr lvl="3" eaLnBrk="1" latinLnBrk="0" hangingPunct="1"/>
+            <a:r>
+              <a:rPr lang="en-US" smtClean="0"/>
+              <a:t>Fourth level</a:t>
+            </a:r>
+          </a:p>
+          <a:p>
+            <a:pPr lvl="4" eaLnBrk="1" latinLnBrk="0" hangingPunct="1"/>
+            <a:r>
+              <a:rPr lang="en-US" smtClean="0"/>
+              <a:t>Fifth level</a:t>
+            </a:r>
+            <a:endParaRPr kumimoji="0" lang="en-US"/>
+          </a:p>
+        </p:txBody>
+      </p:sp>
     </p:spTree>
-    <p:extLst>
-      <p:ext uri="{BB962C8B-B14F-4D97-AF65-F5344CB8AC3E}">
-        <p14:creationId xmlns:p14="http://schemas.microsoft.com/office/powerpoint/2010/main" val="1921612578"/>
-      </p:ext>
-    </p:extLst>
   </p:cSld>
   <p:clrMapOvr>
     <a:masterClrMapping/>
@@ -1866,10 +3523,10 @@
           <a:lstStyle/>
           <a:p>
             <a:r>
-              <a:rPr lang="en-US" smtClean="0"/>
+              <a:rPr kumimoji="0" lang="en-US" smtClean="0"/>
               <a:t>Click to edit Master title style</a:t>
             </a:r>
-            <a:endParaRPr lang="en-NZ"/>
+            <a:endParaRPr kumimoji="0" lang="en-US"/>
           </a:p>
         </p:txBody>
       </p:sp>
@@ -1890,7 +3547,7 @@
           <a:p>
             <a:fld id="{3AAAF2AB-DDF1-48E8-8A5E-DE86AC31DF5E}" type="datetimeFigureOut">
               <a:rPr lang="en-NZ" smtClean="0"/>
-              <a:t>7/05/2015</a:t>
+              <a:t>9/05/2015</a:t>
             </a:fld>
             <a:endParaRPr lang="en-NZ"/>
           </a:p>
@@ -1939,11 +3596,6 @@
         </p:txBody>
       </p:sp>
     </p:spTree>
-    <p:extLst>
-      <p:ext uri="{BB962C8B-B14F-4D97-AF65-F5344CB8AC3E}">
-        <p14:creationId xmlns:p14="http://schemas.microsoft.com/office/powerpoint/2010/main" val="1749525364"/>
-      </p:ext>
-    </p:extLst>
   </p:cSld>
   <p:clrMapOvr>
     <a:masterClrMapping/>
@@ -1985,7 +3637,7 @@
           <a:p>
             <a:fld id="{3AAAF2AB-DDF1-48E8-8A5E-DE86AC31DF5E}" type="datetimeFigureOut">
               <a:rPr lang="en-NZ" smtClean="0"/>
-              <a:t>7/05/2015</a:t>
+              <a:t>9/05/2015</a:t>
             </a:fld>
             <a:endParaRPr lang="en-NZ"/>
           </a:p>
@@ -2034,11 +3686,6 @@
         </p:txBody>
       </p:sp>
     </p:spTree>
-    <p:extLst>
-      <p:ext uri="{BB962C8B-B14F-4D97-AF65-F5344CB8AC3E}">
-        <p14:creationId xmlns:p14="http://schemas.microsoft.com/office/powerpoint/2010/main" val="670528145"/>
-      </p:ext>
-    </p:extLst>
   </p:cSld>
   <p:clrMapOvr>
     <a:masterClrMapping/>
@@ -2065,135 +3712,146 @@
       </p:grpSpPr>
       <p:sp>
         <p:nvSpPr>
-          <p:cNvPr id="2" name="Title 1"/>
-          <p:cNvSpPr>
-            <a:spLocks noGrp="1"/>
-          </p:cNvSpPr>
-          <p:nvPr>
-            <p:ph type="title"/>
-          </p:nvPr>
+          <p:cNvPr id="8" name="Rectangle 7"/>
+          <p:cNvSpPr/>
+          <p:nvPr/>
         </p:nvSpPr>
         <p:spPr>
           <a:xfrm>
-            <a:off x="457200" y="273050"/>
-            <a:ext cx="3008313" cy="1162050"/>
+            <a:off x="0" y="0"/>
+            <a:ext cx="9144000" cy="6858000"/>
+          </a:xfrm>
+          <a:prstGeom prst="rect">
+            <a:avLst/>
+          </a:prstGeom>
+          <a:solidFill>
+            <a:srgbClr val="FFFFFF"/>
+          </a:solidFill>
+          <a:ln w="19050" cap="sq" cmpd="sng" algn="ctr">
+            <a:noFill/>
+            <a:prstDash val="solid"/>
+          </a:ln>
+          <a:effectLst/>
+        </p:spPr>
+        <p:style>
+          <a:lnRef idx="3">
+            <a:schemeClr val="lt1"/>
+          </a:lnRef>
+          <a:fillRef idx="1">
+            <a:schemeClr val="accent1"/>
+          </a:fillRef>
+          <a:effectRef idx="1">
+            <a:schemeClr val="accent1"/>
+          </a:effectRef>
+          <a:fontRef idx="minor">
+            <a:schemeClr val="lt1"/>
+          </a:fontRef>
+        </p:style>
+        <p:txBody>
+          <a:bodyPr anchor="ctr"/>
+          <a:lstStyle/>
+          <a:p>
+            <a:pPr algn="ctr" eaLnBrk="1" latinLnBrk="0" hangingPunct="1"/>
+            <a:endParaRPr kumimoji="0" lang="en-US"/>
+          </a:p>
+        </p:txBody>
+      </p:sp>
+      <p:sp useBgFill="1">
+        <p:nvSpPr>
+          <p:cNvPr id="9" name="Rounded Rectangle 8"/>
+          <p:cNvSpPr/>
+          <p:nvPr/>
+        </p:nvSpPr>
+        <p:spPr>
+          <a:xfrm>
+            <a:off x="64008" y="69755"/>
+            <a:ext cx="9013372" cy="6693408"/>
+          </a:xfrm>
+          <a:prstGeom prst="roundRect">
+            <a:avLst>
+              <a:gd name="adj" fmla="val 4929"/>
+            </a:avLst>
+          </a:prstGeom>
+          <a:ln w="6350" cap="sq" cmpd="sng" algn="ctr">
+            <a:solidFill>
+              <a:schemeClr val="tx1">
+                <a:alpha val="100000"/>
+              </a:schemeClr>
+            </a:solidFill>
+            <a:prstDash val="solid"/>
+          </a:ln>
+          <a:effectLst/>
+        </p:spPr>
+        <p:style>
+          <a:lnRef idx="3">
+            <a:schemeClr val="lt1"/>
+          </a:lnRef>
+          <a:fillRef idx="1001">
+            <a:schemeClr val="lt1"/>
+          </a:fillRef>
+          <a:effectRef idx="1">
+            <a:schemeClr val="accent1"/>
+          </a:effectRef>
+          <a:fontRef idx="minor">
+            <a:schemeClr val="lt1"/>
+          </a:fontRef>
+        </p:style>
+        <p:txBody>
+          <a:bodyPr anchor="ctr"/>
+          <a:lstStyle/>
+          <a:p>
+            <a:pPr algn="ctr" eaLnBrk="1" latinLnBrk="0" hangingPunct="1"/>
+            <a:endParaRPr kumimoji="0" lang="en-US"/>
+          </a:p>
+        </p:txBody>
+      </p:sp>
+      <p:sp>
+        <p:nvSpPr>
+          <p:cNvPr id="2" name="Title 1"/>
+          <p:cNvSpPr>
+            <a:spLocks noGrp="1"/>
+          </p:cNvSpPr>
+          <p:nvPr>
+            <p:ph type="title"/>
+          </p:nvPr>
+        </p:nvSpPr>
+        <p:spPr>
+          <a:xfrm>
+            <a:off x="914400" y="273050"/>
+            <a:ext cx="7772400" cy="1143000"/>
           </a:xfrm>
         </p:spPr>
         <p:txBody>
-          <a:bodyPr anchor="b"/>
+          <a:bodyPr anchor="b" anchorCtr="0"/>
           <a:lstStyle>
             <a:lvl1pPr algn="l">
-              <a:defRPr sz="2000" b="1"/>
+              <a:buNone/>
+              <a:defRPr sz="4000" b="0"/>
             </a:lvl1pPr>
           </a:lstStyle>
           <a:p>
             <a:r>
-              <a:rPr lang="en-US" smtClean="0"/>
+              <a:rPr kumimoji="0" lang="en-US" smtClean="0"/>
               <a:t>Click to edit Master title style</a:t>
             </a:r>
-            <a:endParaRPr lang="en-NZ"/>
-          </a:p>
-        </p:txBody>
-      </p:sp>
-      <p:sp>
-        <p:nvSpPr>
-          <p:cNvPr id="3" name="Content Placeholder 2"/>
-          <p:cNvSpPr>
-            <a:spLocks noGrp="1"/>
-          </p:cNvSpPr>
-          <p:nvPr>
-            <p:ph idx="1"/>
+            <a:endParaRPr kumimoji="0" lang="en-US"/>
+          </a:p>
+        </p:txBody>
+      </p:sp>
+      <p:sp>
+        <p:nvSpPr>
+          <p:cNvPr id="3" name="Text Placeholder 2"/>
+          <p:cNvSpPr>
+            <a:spLocks noGrp="1"/>
+          </p:cNvSpPr>
+          <p:nvPr>
+            <p:ph type="body" idx="2"/>
           </p:nvPr>
         </p:nvSpPr>
         <p:spPr>
           <a:xfrm>
-            <a:off x="3575050" y="273050"/>
-            <a:ext cx="5111750" cy="5853113"/>
-          </a:xfrm>
-        </p:spPr>
-        <p:txBody>
-          <a:bodyPr/>
-          <a:lstStyle>
-            <a:lvl1pPr>
-              <a:defRPr sz="3200"/>
-            </a:lvl1pPr>
-            <a:lvl2pPr>
-              <a:defRPr sz="2800"/>
-            </a:lvl2pPr>
-            <a:lvl3pPr>
-              <a:defRPr sz="2400"/>
-            </a:lvl3pPr>
-            <a:lvl4pPr>
-              <a:defRPr sz="2000"/>
-            </a:lvl4pPr>
-            <a:lvl5pPr>
-              <a:defRPr sz="2000"/>
-            </a:lvl5pPr>
-            <a:lvl6pPr>
-              <a:defRPr sz="2000"/>
-            </a:lvl6pPr>
-            <a:lvl7pPr>
-              <a:defRPr sz="2000"/>
-            </a:lvl7pPr>
-            <a:lvl8pPr>
-              <a:defRPr sz="2000"/>
-            </a:lvl8pPr>
-            <a:lvl9pPr>
-              <a:defRPr sz="2000"/>
-            </a:lvl9pPr>
-          </a:lstStyle>
-          <a:p>
-            <a:pPr lvl="0"/>
-            <a:r>
-              <a:rPr lang="en-US" smtClean="0"/>
-              <a:t>Click to edit Master text styles</a:t>
-            </a:r>
-          </a:p>
-          <a:p>
-            <a:pPr lvl="1"/>
-            <a:r>
-              <a:rPr lang="en-US" smtClean="0"/>
-              <a:t>Second level</a:t>
-            </a:r>
-          </a:p>
-          <a:p>
-            <a:pPr lvl="2"/>
-            <a:r>
-              <a:rPr lang="en-US" smtClean="0"/>
-              <a:t>Third level</a:t>
-            </a:r>
-          </a:p>
-          <a:p>
-            <a:pPr lvl="3"/>
-            <a:r>
-              <a:rPr lang="en-US" smtClean="0"/>
-              <a:t>Fourth level</a:t>
-            </a:r>
-          </a:p>
-          <a:p>
-            <a:pPr lvl="4"/>
-            <a:r>
-              <a:rPr lang="en-US" smtClean="0"/>
-              <a:t>Fifth level</a:t>
-            </a:r>
-            <a:endParaRPr lang="en-NZ"/>
-          </a:p>
-        </p:txBody>
-      </p:sp>
-      <p:sp>
-        <p:nvSpPr>
-          <p:cNvPr id="4" name="Text Placeholder 3"/>
-          <p:cNvSpPr>
-            <a:spLocks noGrp="1"/>
-          </p:cNvSpPr>
-          <p:nvPr>
-            <p:ph type="body" sz="half" idx="2"/>
-          </p:nvPr>
-        </p:nvSpPr>
-        <p:spPr>
-          <a:xfrm>
-            <a:off x="457200" y="1435100"/>
-            <a:ext cx="3008313" cy="4691063"/>
+            <a:off x="914400" y="1600200"/>
+            <a:ext cx="1905000" cy="4495800"/>
           </a:xfrm>
         </p:spPr>
         <p:txBody>
@@ -2201,45 +3859,29 @@
           <a:lstStyle>
             <a:lvl1pPr marL="0" indent="0">
               <a:buNone/>
-              <a:defRPr sz="1400"/>
+              <a:defRPr sz="1800"/>
             </a:lvl1pPr>
-            <a:lvl2pPr marL="457200" indent="0">
+            <a:lvl2pPr>
               <a:buNone/>
               <a:defRPr sz="1200"/>
             </a:lvl2pPr>
-            <a:lvl3pPr marL="914400" indent="0">
+            <a:lvl3pPr>
               <a:buNone/>
               <a:defRPr sz="1000"/>
             </a:lvl3pPr>
-            <a:lvl4pPr marL="1371600" indent="0">
+            <a:lvl4pPr>
               <a:buNone/>
               <a:defRPr sz="900"/>
             </a:lvl4pPr>
-            <a:lvl5pPr marL="1828800" indent="0">
+            <a:lvl5pPr>
               <a:buNone/>
               <a:defRPr sz="900"/>
             </a:lvl5pPr>
-            <a:lvl6pPr marL="2286000" indent="0">
-              <a:buNone/>
-              <a:defRPr sz="900"/>
-            </a:lvl6pPr>
-            <a:lvl7pPr marL="2743200" indent="0">
-              <a:buNone/>
-              <a:defRPr sz="900"/>
-            </a:lvl7pPr>
-            <a:lvl8pPr marL="3200400" indent="0">
-              <a:buNone/>
-              <a:defRPr sz="900"/>
-            </a:lvl8pPr>
-            <a:lvl9pPr marL="3657600" indent="0">
-              <a:buNone/>
-              <a:defRPr sz="900"/>
-            </a:lvl9pPr>
           </a:lstStyle>
           <a:p>
-            <a:pPr lvl="0"/>
-            <a:r>
-              <a:rPr lang="en-US" smtClean="0"/>
+            <a:pPr lvl="0" eaLnBrk="1" latinLnBrk="0" hangingPunct="1"/>
+            <a:r>
+              <a:rPr kumimoji="0" lang="en-US" smtClean="0"/>
               <a:t>Click to edit Master text styles</a:t>
             </a:r>
           </a:p>
@@ -2262,7 +3904,7 @@
           <a:p>
             <a:fld id="{3AAAF2AB-DDF1-48E8-8A5E-DE86AC31DF5E}" type="datetimeFigureOut">
               <a:rPr lang="en-NZ" smtClean="0"/>
-              <a:t>7/05/2015</a:t>
+              <a:t>9/05/2015</a:t>
             </a:fld>
             <a:endParaRPr lang="en-NZ"/>
           </a:p>
@@ -2310,12 +3952,64 @@
           </a:p>
         </p:txBody>
       </p:sp>
+      <p:sp>
+        <p:nvSpPr>
+          <p:cNvPr id="11" name="Content Placeholder 10"/>
+          <p:cNvSpPr>
+            <a:spLocks noGrp="1"/>
+          </p:cNvSpPr>
+          <p:nvPr>
+            <p:ph sz="quarter" idx="1"/>
+          </p:nvPr>
+        </p:nvSpPr>
+        <p:spPr>
+          <a:xfrm>
+            <a:off x="2971800" y="1600200"/>
+            <a:ext cx="5715000" cy="4495800"/>
+          </a:xfrm>
+        </p:spPr>
+        <p:txBody>
+          <a:bodyPr vert="horz"/>
+          <a:lstStyle/>
+          <a:p>
+            <a:pPr lvl="0" eaLnBrk="1" latinLnBrk="0" hangingPunct="1"/>
+            <a:r>
+              <a:rPr lang="en-US" smtClean="0"/>
+              <a:t>Click to edit Master text styles</a:t>
+            </a:r>
+          </a:p>
+          <a:p>
+            <a:pPr lvl="1" eaLnBrk="1" latinLnBrk="0" hangingPunct="1"/>
+            <a:r>
+              <a:rPr lang="en-US" smtClean="0"/>
+              <a:t>Second level</a:t>
+            </a:r>
+          </a:p>
+          <a:p>
+            <a:pPr lvl="2" eaLnBrk="1" latinLnBrk="0" hangingPunct="1"/>
+            <a:r>
+              <a:rPr lang="en-US" smtClean="0"/>
+              <a:t>Third level</a:t>
+            </a:r>
+          </a:p>
+          <a:p>
+            <a:pPr lvl="3" eaLnBrk="1" latinLnBrk="0" hangingPunct="1"/>
+            <a:r>
+              <a:rPr lang="en-US" smtClean="0"/>
+              <a:t>Fourth level</a:t>
+            </a:r>
+          </a:p>
+          <a:p>
+            <a:pPr lvl="4" eaLnBrk="1" latinLnBrk="0" hangingPunct="1"/>
+            <a:r>
+              <a:rPr lang="en-US" smtClean="0"/>
+              <a:t>Fifth level</a:t>
+            </a:r>
+            <a:endParaRPr kumimoji="0" lang="en-US"/>
+          </a:p>
+        </p:txBody>
+      </p:sp>
     </p:spTree>
-    <p:extLst>
-      <p:ext uri="{BB962C8B-B14F-4D97-AF65-F5344CB8AC3E}">
-        <p14:creationId xmlns:p14="http://schemas.microsoft.com/office/powerpoint/2010/main" val="1481829173"/>
-      </p:ext>
-    </p:extLst>
   </p:cSld>
   <p:clrMapOvr>
     <a:masterClrMapping/>
@@ -2352,41 +4046,321 @@
         </p:nvSpPr>
         <p:spPr>
           <a:xfrm>
-            <a:off x="1792288" y="4800600"/>
-            <a:ext cx="5486400" cy="566738"/>
+            <a:off x="914400" y="4900550"/>
+            <a:ext cx="7315200" cy="522288"/>
           </a:xfrm>
         </p:spPr>
         <p:txBody>
-          <a:bodyPr anchor="b"/>
+          <a:bodyPr anchor="ctr">
+            <a:noAutofit/>
+          </a:bodyPr>
           <a:lstStyle>
             <a:lvl1pPr algn="l">
-              <a:defRPr sz="2000" b="1"/>
+              <a:buNone/>
+              <a:defRPr sz="2800" b="0"/>
             </a:lvl1pPr>
           </a:lstStyle>
           <a:p>
             <a:r>
-              <a:rPr lang="en-US" smtClean="0"/>
+              <a:rPr kumimoji="0" lang="en-US" smtClean="0"/>
               <a:t>Click to edit Master title style</a:t>
             </a:r>
-            <a:endParaRPr lang="en-NZ"/>
-          </a:p>
-        </p:txBody>
-      </p:sp>
-      <p:sp>
-        <p:nvSpPr>
-          <p:cNvPr id="3" name="Picture Placeholder 2"/>
-          <p:cNvSpPr>
-            <a:spLocks noGrp="1"/>
-          </p:cNvSpPr>
-          <p:nvPr>
-            <p:ph type="pic" idx="1"/>
+            <a:endParaRPr kumimoji="0" lang="en-US"/>
+          </a:p>
+        </p:txBody>
+      </p:sp>
+      <p:sp>
+        <p:nvSpPr>
+          <p:cNvPr id="4" name="Text Placeholder 3"/>
+          <p:cNvSpPr>
+            <a:spLocks noGrp="1"/>
+          </p:cNvSpPr>
+          <p:nvPr>
+            <p:ph type="body" sz="half" idx="2"/>
           </p:nvPr>
         </p:nvSpPr>
         <p:spPr>
           <a:xfrm>
-            <a:off x="1792288" y="612775"/>
-            <a:ext cx="5486400" cy="4114800"/>
+            <a:off x="914400" y="5445825"/>
+            <a:ext cx="7315200" cy="685800"/>
           </a:xfrm>
+        </p:spPr>
+        <p:txBody>
+          <a:bodyPr/>
+          <a:lstStyle>
+            <a:lvl1pPr marL="0" indent="0">
+              <a:buFontTx/>
+              <a:buNone/>
+              <a:defRPr sz="1600"/>
+            </a:lvl1pPr>
+            <a:lvl2pPr>
+              <a:defRPr sz="1200"/>
+            </a:lvl2pPr>
+            <a:lvl3pPr>
+              <a:defRPr sz="1000"/>
+            </a:lvl3pPr>
+            <a:lvl4pPr>
+              <a:defRPr sz="900"/>
+            </a:lvl4pPr>
+            <a:lvl5pPr>
+              <a:defRPr sz="900"/>
+            </a:lvl5pPr>
+          </a:lstStyle>
+          <a:p>
+            <a:pPr lvl="0" eaLnBrk="1" latinLnBrk="0" hangingPunct="1"/>
+            <a:r>
+              <a:rPr kumimoji="0" lang="en-US" smtClean="0"/>
+              <a:t>Click to edit Master text styles</a:t>
+            </a:r>
+          </a:p>
+        </p:txBody>
+      </p:sp>
+      <p:sp>
+        <p:nvSpPr>
+          <p:cNvPr id="5" name="Date Placeholder 4"/>
+          <p:cNvSpPr>
+            <a:spLocks noGrp="1"/>
+          </p:cNvSpPr>
+          <p:nvPr>
+            <p:ph type="dt" sz="half" idx="10"/>
+          </p:nvPr>
+        </p:nvSpPr>
+        <p:spPr/>
+        <p:txBody>
+          <a:bodyPr/>
+          <a:lstStyle/>
+          <a:p>
+            <a:fld id="{3AAAF2AB-DDF1-48E8-8A5E-DE86AC31DF5E}" type="datetimeFigureOut">
+              <a:rPr lang="en-NZ" smtClean="0"/>
+              <a:t>9/05/2015</a:t>
+            </a:fld>
+            <a:endParaRPr lang="en-NZ"/>
+          </a:p>
+        </p:txBody>
+      </p:sp>
+      <p:sp>
+        <p:nvSpPr>
+          <p:cNvPr id="6" name="Footer Placeholder 5"/>
+          <p:cNvSpPr>
+            <a:spLocks noGrp="1"/>
+          </p:cNvSpPr>
+          <p:nvPr>
+            <p:ph type="ftr" sz="quarter" idx="11"/>
+          </p:nvPr>
+        </p:nvSpPr>
+        <p:spPr>
+          <a:xfrm>
+            <a:off x="914400" y="6172200"/>
+            <a:ext cx="3886200" cy="457200"/>
+          </a:xfrm>
+        </p:spPr>
+        <p:txBody>
+          <a:bodyPr/>
+          <a:lstStyle/>
+          <a:p>
+            <a:endParaRPr lang="en-NZ"/>
+          </a:p>
+        </p:txBody>
+      </p:sp>
+      <p:sp>
+        <p:nvSpPr>
+          <p:cNvPr id="7" name="Slide Number Placeholder 6"/>
+          <p:cNvSpPr>
+            <a:spLocks noGrp="1"/>
+          </p:cNvSpPr>
+          <p:nvPr>
+            <p:ph type="sldNum" sz="quarter" idx="12"/>
+          </p:nvPr>
+        </p:nvSpPr>
+        <p:spPr>
+          <a:xfrm>
+            <a:off x="146304" y="6208776"/>
+            <a:ext cx="457200" cy="457200"/>
+          </a:xfrm>
+        </p:spPr>
+        <p:txBody>
+          <a:bodyPr/>
+          <a:lstStyle/>
+          <a:p>
+            <a:fld id="{188AE350-C271-4DF0-8382-5BEFE1017EAC}" type="slidenum">
+              <a:rPr lang="en-NZ" smtClean="0"/>
+              <a:t>‹#›</a:t>
+            </a:fld>
+            <a:endParaRPr lang="en-NZ"/>
+          </a:p>
+        </p:txBody>
+      </p:sp>
+      <p:sp>
+        <p:nvSpPr>
+          <p:cNvPr id="11" name="Rectangle 10"/>
+          <p:cNvSpPr/>
+          <p:nvPr/>
+        </p:nvSpPr>
+        <p:spPr>
+          <a:xfrm flipV="1">
+            <a:off x="68307" y="4683555"/>
+            <a:ext cx="9006840" cy="91440"/>
+          </a:xfrm>
+          <a:prstGeom prst="rect">
+            <a:avLst/>
+          </a:prstGeom>
+          <a:solidFill>
+            <a:schemeClr val="accent1">
+              <a:alpha val="100000"/>
+            </a:schemeClr>
+          </a:solidFill>
+          <a:ln w="19050" cap="sq" cmpd="sng" algn="ctr">
+            <a:noFill/>
+            <a:prstDash val="solid"/>
+          </a:ln>
+          <a:effectLst/>
+        </p:spPr>
+        <p:style>
+          <a:lnRef idx="3">
+            <a:schemeClr val="lt1"/>
+          </a:lnRef>
+          <a:fillRef idx="1">
+            <a:schemeClr val="accent1"/>
+          </a:fillRef>
+          <a:effectRef idx="1">
+            <a:schemeClr val="accent1"/>
+          </a:effectRef>
+          <a:fontRef idx="minor">
+            <a:schemeClr val="lt1"/>
+          </a:fontRef>
+        </p:style>
+        <p:txBody>
+          <a:bodyPr anchor="ctr"/>
+          <a:lstStyle/>
+          <a:p>
+            <a:pPr algn="ctr" eaLnBrk="1" latinLnBrk="0" hangingPunct="1"/>
+            <a:endParaRPr kumimoji="0" lang="en-US"/>
+          </a:p>
+        </p:txBody>
+      </p:sp>
+      <p:sp>
+        <p:nvSpPr>
+          <p:cNvPr id="12" name="Rectangle 11"/>
+          <p:cNvSpPr/>
+          <p:nvPr/>
+        </p:nvSpPr>
+        <p:spPr>
+          <a:xfrm>
+            <a:off x="68508" y="4650474"/>
+            <a:ext cx="9006639" cy="45719"/>
+          </a:xfrm>
+          <a:prstGeom prst="rect">
+            <a:avLst/>
+          </a:prstGeom>
+          <a:solidFill>
+            <a:schemeClr val="accent1">
+              <a:tint val="60000"/>
+            </a:schemeClr>
+          </a:solidFill>
+          <a:ln w="19050" cap="sq" cmpd="sng" algn="ctr">
+            <a:noFill/>
+            <a:prstDash val="solid"/>
+          </a:ln>
+          <a:effectLst/>
+        </p:spPr>
+        <p:style>
+          <a:lnRef idx="3">
+            <a:schemeClr val="lt1"/>
+          </a:lnRef>
+          <a:fillRef idx="1">
+            <a:schemeClr val="accent1"/>
+          </a:fillRef>
+          <a:effectRef idx="1">
+            <a:schemeClr val="accent1"/>
+          </a:effectRef>
+          <a:fontRef idx="minor">
+            <a:schemeClr val="lt1"/>
+          </a:fontRef>
+        </p:style>
+        <p:txBody>
+          <a:bodyPr anchor="ctr"/>
+          <a:lstStyle/>
+          <a:p>
+            <a:pPr algn="ctr" eaLnBrk="1" latinLnBrk="0" hangingPunct="1"/>
+            <a:endParaRPr kumimoji="0" lang="en-US"/>
+          </a:p>
+        </p:txBody>
+      </p:sp>
+      <p:sp>
+        <p:nvSpPr>
+          <p:cNvPr id="13" name="Rectangle 12"/>
+          <p:cNvSpPr/>
+          <p:nvPr/>
+        </p:nvSpPr>
+        <p:spPr>
+          <a:xfrm>
+            <a:off x="68510" y="4773224"/>
+            <a:ext cx="9006637" cy="48807"/>
+          </a:xfrm>
+          <a:prstGeom prst="rect">
+            <a:avLst/>
+          </a:prstGeom>
+          <a:solidFill>
+            <a:schemeClr val="accent5"/>
+          </a:solidFill>
+          <a:ln w="19050" cap="sq" cmpd="sng" algn="ctr">
+            <a:noFill/>
+            <a:prstDash val="solid"/>
+          </a:ln>
+          <a:effectLst/>
+        </p:spPr>
+        <p:style>
+          <a:lnRef idx="3">
+            <a:schemeClr val="lt1"/>
+          </a:lnRef>
+          <a:fillRef idx="1">
+            <a:schemeClr val="accent1"/>
+          </a:fillRef>
+          <a:effectRef idx="1">
+            <a:schemeClr val="accent1"/>
+          </a:effectRef>
+          <a:fontRef idx="minor">
+            <a:schemeClr val="lt1"/>
+          </a:fontRef>
+        </p:style>
+        <p:txBody>
+          <a:bodyPr anchor="ctr"/>
+          <a:lstStyle/>
+          <a:p>
+            <a:pPr algn="ctr" eaLnBrk="1" latinLnBrk="0" hangingPunct="1"/>
+            <a:endParaRPr kumimoji="0" lang="en-US"/>
+          </a:p>
+        </p:txBody>
+      </p:sp>
+      <p:sp>
+        <p:nvSpPr>
+          <p:cNvPr id="3" name="Picture Placeholder 2"/>
+          <p:cNvSpPr>
+            <a:spLocks noGrp="1"/>
+          </p:cNvSpPr>
+          <p:nvPr>
+            <p:ph type="pic" idx="1"/>
+          </p:nvPr>
+        </p:nvSpPr>
+        <p:spPr>
+          <a:xfrm>
+            <a:off x="68308" y="66675"/>
+            <a:ext cx="9001873" cy="4581525"/>
+          </a:xfrm>
+          <a:prstGeom prst="round2SameRect">
+            <a:avLst>
+              <a:gd name="adj1" fmla="val 7101"/>
+              <a:gd name="adj2" fmla="val 0"/>
+            </a:avLst>
+          </a:prstGeom>
+          <a:solidFill>
+            <a:schemeClr val="bg2"/>
+          </a:solidFill>
+          <a:ln w="6350">
+            <a:solidFill>
+              <a:schemeClr val="tx1"/>
+            </a:solidFill>
+          </a:ln>
         </p:spPr>
         <p:txBody>
           <a:bodyPr/>
@@ -2395,180 +4369,17 @@
               <a:buNone/>
               <a:defRPr sz="3200"/>
             </a:lvl1pPr>
-            <a:lvl2pPr marL="457200" indent="0">
-              <a:buNone/>
-              <a:defRPr sz="2800"/>
-            </a:lvl2pPr>
-            <a:lvl3pPr marL="914400" indent="0">
-              <a:buNone/>
-              <a:defRPr sz="2400"/>
-            </a:lvl3pPr>
-            <a:lvl4pPr marL="1371600" indent="0">
-              <a:buNone/>
-              <a:defRPr sz="2000"/>
-            </a:lvl4pPr>
-            <a:lvl5pPr marL="1828800" indent="0">
-              <a:buNone/>
-              <a:defRPr sz="2000"/>
-            </a:lvl5pPr>
-            <a:lvl6pPr marL="2286000" indent="0">
-              <a:buNone/>
-              <a:defRPr sz="2000"/>
-            </a:lvl6pPr>
-            <a:lvl7pPr marL="2743200" indent="0">
-              <a:buNone/>
-              <a:defRPr sz="2000"/>
-            </a:lvl7pPr>
-            <a:lvl8pPr marL="3200400" indent="0">
-              <a:buNone/>
-              <a:defRPr sz="2000"/>
-            </a:lvl8pPr>
-            <a:lvl9pPr marL="3657600" indent="0">
-              <a:buNone/>
-              <a:defRPr sz="2000"/>
-            </a:lvl9pPr>
           </a:lstStyle>
           <a:p>
-            <a:endParaRPr lang="en-NZ"/>
-          </a:p>
-        </p:txBody>
-      </p:sp>
-      <p:sp>
-        <p:nvSpPr>
-          <p:cNvPr id="4" name="Text Placeholder 3"/>
-          <p:cNvSpPr>
-            <a:spLocks noGrp="1"/>
-          </p:cNvSpPr>
-          <p:nvPr>
-            <p:ph type="body" sz="half" idx="2"/>
-          </p:nvPr>
-        </p:nvSpPr>
-        <p:spPr>
-          <a:xfrm>
-            <a:off x="1792288" y="5367338"/>
-            <a:ext cx="5486400" cy="804862"/>
-          </a:xfrm>
-        </p:spPr>
-        <p:txBody>
-          <a:bodyPr/>
-          <a:lstStyle>
-            <a:lvl1pPr marL="0" indent="0">
-              <a:buNone/>
-              <a:defRPr sz="1400"/>
-            </a:lvl1pPr>
-            <a:lvl2pPr marL="457200" indent="0">
-              <a:buNone/>
-              <a:defRPr sz="1200"/>
-            </a:lvl2pPr>
-            <a:lvl3pPr marL="914400" indent="0">
-              <a:buNone/>
-              <a:defRPr sz="1000"/>
-            </a:lvl3pPr>
-            <a:lvl4pPr marL="1371600" indent="0">
-              <a:buNone/>
-              <a:defRPr sz="900"/>
-            </a:lvl4pPr>
-            <a:lvl5pPr marL="1828800" indent="0">
-              <a:buNone/>
-              <a:defRPr sz="900"/>
-            </a:lvl5pPr>
-            <a:lvl6pPr marL="2286000" indent="0">
-              <a:buNone/>
-              <a:defRPr sz="900"/>
-            </a:lvl6pPr>
-            <a:lvl7pPr marL="2743200" indent="0">
-              <a:buNone/>
-              <a:defRPr sz="900"/>
-            </a:lvl7pPr>
-            <a:lvl8pPr marL="3200400" indent="0">
-              <a:buNone/>
-              <a:defRPr sz="900"/>
-            </a:lvl8pPr>
-            <a:lvl9pPr marL="3657600" indent="0">
-              <a:buNone/>
-              <a:defRPr sz="900"/>
-            </a:lvl9pPr>
-          </a:lstStyle>
-          <a:p>
-            <a:pPr lvl="0"/>
-            <a:r>
-              <a:rPr lang="en-US" smtClean="0"/>
-              <a:t>Click to edit Master text styles</a:t>
-            </a:r>
-          </a:p>
-        </p:txBody>
-      </p:sp>
-      <p:sp>
-        <p:nvSpPr>
-          <p:cNvPr id="5" name="Date Placeholder 4"/>
-          <p:cNvSpPr>
-            <a:spLocks noGrp="1"/>
-          </p:cNvSpPr>
-          <p:nvPr>
-            <p:ph type="dt" sz="half" idx="10"/>
-          </p:nvPr>
-        </p:nvSpPr>
-        <p:spPr/>
-        <p:txBody>
-          <a:bodyPr/>
-          <a:lstStyle/>
-          <a:p>
-            <a:fld id="{3AAAF2AB-DDF1-48E8-8A5E-DE86AC31DF5E}" type="datetimeFigureOut">
-              <a:rPr lang="en-NZ" smtClean="0"/>
-              <a:t>7/05/2015</a:t>
-            </a:fld>
-            <a:endParaRPr lang="en-NZ"/>
-          </a:p>
-        </p:txBody>
-      </p:sp>
-      <p:sp>
-        <p:nvSpPr>
-          <p:cNvPr id="6" name="Footer Placeholder 5"/>
-          <p:cNvSpPr>
-            <a:spLocks noGrp="1"/>
-          </p:cNvSpPr>
-          <p:nvPr>
-            <p:ph type="ftr" sz="quarter" idx="11"/>
-          </p:nvPr>
-        </p:nvSpPr>
-        <p:spPr/>
-        <p:txBody>
-          <a:bodyPr/>
-          <a:lstStyle/>
-          <a:p>
-            <a:endParaRPr lang="en-NZ"/>
-          </a:p>
-        </p:txBody>
-      </p:sp>
-      <p:sp>
-        <p:nvSpPr>
-          <p:cNvPr id="7" name="Slide Number Placeholder 6"/>
-          <p:cNvSpPr>
-            <a:spLocks noGrp="1"/>
-          </p:cNvSpPr>
-          <p:nvPr>
-            <p:ph type="sldNum" sz="quarter" idx="12"/>
-          </p:nvPr>
-        </p:nvSpPr>
-        <p:spPr/>
-        <p:txBody>
-          <a:bodyPr/>
-          <a:lstStyle/>
-          <a:p>
-            <a:fld id="{188AE350-C271-4DF0-8382-5BEFE1017EAC}" type="slidenum">
-              <a:rPr lang="en-NZ" smtClean="0"/>
-              <a:t>‹#›</a:t>
-            </a:fld>
-            <a:endParaRPr lang="en-NZ"/>
+            <a:r>
+              <a:rPr kumimoji="0" lang="en-US" smtClean="0"/>
+              <a:t>Click icon to add picture</a:t>
+            </a:r>
+            <a:endParaRPr kumimoji="0" lang="en-US" dirty="0"/>
           </a:p>
         </p:txBody>
       </p:sp>
     </p:spTree>
-    <p:extLst>
-      <p:ext uri="{BB962C8B-B14F-4D97-AF65-F5344CB8AC3E}">
-        <p14:creationId xmlns:p14="http://schemas.microsoft.com/office/powerpoint/2010/main" val="3559222581"/>
-      </p:ext>
-    </p:extLst>
   </p:cSld>
   <p:clrMapOvr>
     <a:masterClrMapping/>
@@ -2600,40 +4411,134 @@
       </p:grpSpPr>
       <p:sp>
         <p:nvSpPr>
-          <p:cNvPr id="2" name="Title Placeholder 1"/>
-          <p:cNvSpPr>
-            <a:spLocks noGrp="1"/>
-          </p:cNvSpPr>
-          <p:nvPr>
-            <p:ph type="title"/>
-          </p:nvPr>
+          <p:cNvPr id="9" name="Rectangle 8"/>
+          <p:cNvSpPr/>
+          <p:nvPr/>
         </p:nvSpPr>
         <p:spPr>
           <a:xfrm>
-            <a:off x="457200" y="274638"/>
-            <a:ext cx="8229600" cy="1143000"/>
+            <a:off x="0" y="0"/>
+            <a:ext cx="9144000" cy="6858000"/>
+          </a:xfrm>
+          <a:prstGeom prst="rect">
+            <a:avLst/>
+          </a:prstGeom>
+          <a:solidFill>
+            <a:srgbClr val="FFFFFF"/>
+          </a:solidFill>
+          <a:ln w="12700" cap="flat" cmpd="sng" algn="ctr">
+            <a:noFill/>
+            <a:prstDash val="solid"/>
+          </a:ln>
+        </p:spPr>
+        <p:style>
+          <a:lnRef idx="2">
+            <a:schemeClr val="accent1"/>
+          </a:lnRef>
+          <a:fillRef idx="1">
+            <a:schemeClr val="accent1"/>
+          </a:fillRef>
+          <a:effectRef idx="0">
+            <a:schemeClr val="accent1"/>
+          </a:effectRef>
+          <a:fontRef idx="minor">
+            <a:schemeClr val="lt1"/>
+          </a:fontRef>
+        </p:style>
+        <p:txBody>
+          <a:bodyPr rtlCol="0" anchor="ctr"/>
+          <a:lstStyle/>
+          <a:p>
+            <a:pPr algn="ctr" eaLnBrk="1" latinLnBrk="0" hangingPunct="1"/>
+            <a:endParaRPr kumimoji="0" lang="en-US"/>
+          </a:p>
+        </p:txBody>
+      </p:sp>
+      <p:sp useBgFill="1">
+        <p:nvSpPr>
+          <p:cNvPr id="8" name="Rounded Rectangle 7"/>
+          <p:cNvSpPr/>
+          <p:nvPr/>
+        </p:nvSpPr>
+        <p:spPr>
+          <a:xfrm>
+            <a:off x="64008" y="69755"/>
+            <a:ext cx="9013372" cy="6693408"/>
+          </a:xfrm>
+          <a:prstGeom prst="roundRect">
+            <a:avLst>
+              <a:gd name="adj" fmla="val 4929"/>
+            </a:avLst>
+          </a:prstGeom>
+          <a:ln w="6350" cap="sq" cmpd="sng" algn="ctr">
+            <a:solidFill>
+              <a:schemeClr val="tx1">
+                <a:alpha val="100000"/>
+              </a:schemeClr>
+            </a:solidFill>
+            <a:prstDash val="solid"/>
+          </a:ln>
+          <a:effectLst/>
+        </p:spPr>
+        <p:style>
+          <a:lnRef idx="3">
+            <a:schemeClr val="lt1"/>
+          </a:lnRef>
+          <a:fillRef idx="1001">
+            <a:schemeClr val="lt1"/>
+          </a:fillRef>
+          <a:effectRef idx="1">
+            <a:schemeClr val="accent1"/>
+          </a:effectRef>
+          <a:fontRef idx="minor">
+            <a:schemeClr val="lt1"/>
+          </a:fontRef>
+        </p:style>
+        <p:txBody>
+          <a:bodyPr anchor="ctr"/>
+          <a:lstStyle/>
+          <a:p>
+            <a:pPr algn="ctr" eaLnBrk="1" latinLnBrk="0" hangingPunct="1"/>
+            <a:endParaRPr kumimoji="0" lang="en-US"/>
+          </a:p>
+        </p:txBody>
+      </p:sp>
+      <p:sp>
+        <p:nvSpPr>
+          <p:cNvPr id="22" name="Title Placeholder 21"/>
+          <p:cNvSpPr>
+            <a:spLocks noGrp="1"/>
+          </p:cNvSpPr>
+          <p:nvPr>
+            <p:ph type="title"/>
+          </p:nvPr>
+        </p:nvSpPr>
+        <p:spPr>
+          <a:xfrm>
+            <a:off x="914400" y="274638"/>
+            <a:ext cx="7772400" cy="1143000"/>
           </a:xfrm>
           <a:prstGeom prst="rect">
             <a:avLst/>
           </a:prstGeom>
         </p:spPr>
         <p:txBody>
-          <a:bodyPr vert="horz" lIns="91440" tIns="45720" rIns="91440" bIns="45720" rtlCol="0" anchor="ctr">
+          <a:bodyPr bIns="91440" anchor="b" anchorCtr="0">
             <a:normAutofit/>
           </a:bodyPr>
           <a:lstStyle/>
           <a:p>
             <a:r>
-              <a:rPr lang="en-US" smtClean="0"/>
+              <a:rPr kumimoji="0" lang="en-US" smtClean="0"/>
               <a:t>Click to edit Master title style</a:t>
             </a:r>
-            <a:endParaRPr lang="en-NZ"/>
-          </a:p>
-        </p:txBody>
-      </p:sp>
-      <p:sp>
-        <p:nvSpPr>
-          <p:cNvPr id="3" name="Text Placeholder 2"/>
+            <a:endParaRPr kumimoji="0" lang="en-US"/>
+          </a:p>
+        </p:txBody>
+      </p:sp>
+      <p:sp>
+        <p:nvSpPr>
+          <p:cNvPr id="13" name="Text Placeholder 12"/>
           <p:cNvSpPr>
             <a:spLocks noGrp="1"/>
           </p:cNvSpPr>
@@ -2643,59 +4548,59 @@
         </p:nvSpPr>
         <p:spPr>
           <a:xfrm>
-            <a:off x="457200" y="1600200"/>
-            <a:ext cx="8229600" cy="4525963"/>
+            <a:off x="914400" y="1447800"/>
+            <a:ext cx="7772400" cy="4572000"/>
           </a:xfrm>
           <a:prstGeom prst="rect">
             <a:avLst/>
           </a:prstGeom>
         </p:spPr>
         <p:txBody>
-          <a:bodyPr vert="horz" lIns="91440" tIns="45720" rIns="91440" bIns="45720" rtlCol="0">
+          <a:bodyPr>
             <a:normAutofit/>
           </a:bodyPr>
           <a:lstStyle/>
           <a:p>
-            <a:pPr lvl="0"/>
-            <a:r>
-              <a:rPr lang="en-US" smtClean="0"/>
+            <a:pPr lvl="0" eaLnBrk="1" latinLnBrk="0" hangingPunct="1"/>
+            <a:r>
+              <a:rPr kumimoji="0" lang="en-US" smtClean="0"/>
               <a:t>Click to edit Master text styles</a:t>
             </a:r>
           </a:p>
           <a:p>
-            <a:pPr lvl="1"/>
-            <a:r>
-              <a:rPr lang="en-US" smtClean="0"/>
+            <a:pPr lvl="1" eaLnBrk="1" latinLnBrk="0" hangingPunct="1"/>
+            <a:r>
+              <a:rPr kumimoji="0" lang="en-US" smtClean="0"/>
               <a:t>Second level</a:t>
             </a:r>
           </a:p>
           <a:p>
-            <a:pPr lvl="2"/>
-            <a:r>
-              <a:rPr lang="en-US" smtClean="0"/>
+            <a:pPr lvl="2" eaLnBrk="1" latinLnBrk="0" hangingPunct="1"/>
+            <a:r>
+              <a:rPr kumimoji="0" lang="en-US" smtClean="0"/>
               <a:t>Third level</a:t>
             </a:r>
           </a:p>
           <a:p>
-            <a:pPr lvl="3"/>
-            <a:r>
-              <a:rPr lang="en-US" smtClean="0"/>
+            <a:pPr lvl="3" eaLnBrk="1" latinLnBrk="0" hangingPunct="1"/>
+            <a:r>
+              <a:rPr kumimoji="0" lang="en-US" smtClean="0"/>
               <a:t>Fourth level</a:t>
             </a:r>
           </a:p>
           <a:p>
-            <a:pPr lvl="4"/>
-            <a:r>
-              <a:rPr lang="en-US" smtClean="0"/>
+            <a:pPr lvl="4" eaLnBrk="1" latinLnBrk="0" hangingPunct="1"/>
+            <a:r>
+              <a:rPr kumimoji="0" lang="en-US" smtClean="0"/>
               <a:t>Fifth level</a:t>
             </a:r>
-            <a:endParaRPr lang="en-NZ"/>
-          </a:p>
-        </p:txBody>
-      </p:sp>
-      <p:sp>
-        <p:nvSpPr>
-          <p:cNvPr id="4" name="Date Placeholder 3"/>
+            <a:endParaRPr kumimoji="0" lang="en-US"/>
+          </a:p>
+        </p:txBody>
+      </p:sp>
+      <p:sp>
+        <p:nvSpPr>
+          <p:cNvPr id="14" name="Date Placeholder 13"/>
           <p:cNvSpPr>
             <a:spLocks noGrp="1"/>
           </p:cNvSpPr>
@@ -2705,22 +4610,20 @@
         </p:nvSpPr>
         <p:spPr>
           <a:xfrm>
-            <a:off x="457200" y="6356350"/>
-            <a:ext cx="2133600" cy="365125"/>
+            <a:off x="6172200" y="6191250"/>
+            <a:ext cx="2476500" cy="476250"/>
           </a:xfrm>
           <a:prstGeom prst="rect">
             <a:avLst/>
           </a:prstGeom>
         </p:spPr>
         <p:txBody>
-          <a:bodyPr vert="horz" lIns="91440" tIns="45720" rIns="91440" bIns="45720" rtlCol="0" anchor="ctr"/>
+          <a:bodyPr anchor="ctr" anchorCtr="0"/>
           <a:lstStyle>
-            <a:lvl1pPr algn="l">
-              <a:defRPr sz="1200">
+            <a:lvl1pPr algn="r" eaLnBrk="1" latinLnBrk="0" hangingPunct="1">
+              <a:defRPr kumimoji="0" sz="1400">
                 <a:solidFill>
-                  <a:schemeClr val="tx1">
-                    <a:tint val="75000"/>
-                  </a:schemeClr>
+                  <a:schemeClr val="tx2"/>
                 </a:solidFill>
               </a:defRPr>
             </a:lvl1pPr>
@@ -2728,7 +4631,7 @@
           <a:p>
             <a:fld id="{3AAAF2AB-DDF1-48E8-8A5E-DE86AC31DF5E}" type="datetimeFigureOut">
               <a:rPr lang="en-NZ" smtClean="0"/>
-              <a:t>7/05/2015</a:t>
+              <a:t>9/05/2015</a:t>
             </a:fld>
             <a:endParaRPr lang="en-NZ"/>
           </a:p>
@@ -2736,7 +4639,7 @@
       </p:sp>
       <p:sp>
         <p:nvSpPr>
-          <p:cNvPr id="5" name="Footer Placeholder 4"/>
+          <p:cNvPr id="3" name="Footer Placeholder 2"/>
           <p:cNvSpPr>
             <a:spLocks noGrp="1"/>
           </p:cNvSpPr>
@@ -2746,22 +4649,20 @@
         </p:nvSpPr>
         <p:spPr>
           <a:xfrm>
-            <a:off x="3124200" y="6356350"/>
-            <a:ext cx="2895600" cy="365125"/>
+            <a:off x="914400" y="6172200"/>
+            <a:ext cx="3962400" cy="457200"/>
           </a:xfrm>
           <a:prstGeom prst="rect">
             <a:avLst/>
           </a:prstGeom>
         </p:spPr>
         <p:txBody>
-          <a:bodyPr vert="horz" lIns="91440" tIns="45720" rIns="91440" bIns="45720" rtlCol="0" anchor="ctr"/>
+          <a:bodyPr anchor="ctr" anchorCtr="0"/>
           <a:lstStyle>
-            <a:lvl1pPr algn="ctr">
-              <a:defRPr sz="1200">
+            <a:lvl1pPr eaLnBrk="1" latinLnBrk="0" hangingPunct="1">
+              <a:defRPr kumimoji="0" sz="1400">
                 <a:solidFill>
-                  <a:schemeClr val="tx1">
-                    <a:tint val="75000"/>
-                  </a:schemeClr>
+                  <a:schemeClr val="tx2"/>
                 </a:solidFill>
               </a:defRPr>
             </a:lvl1pPr>
@@ -2773,7 +4674,7 @@
       </p:sp>
       <p:sp>
         <p:nvSpPr>
-          <p:cNvPr id="6" name="Slide Number Placeholder 5"/>
+          <p:cNvPr id="23" name="Slide Number Placeholder 22"/>
           <p:cNvSpPr>
             <a:spLocks noGrp="1"/>
           </p:cNvSpPr>
@@ -2783,23 +4684,29 @@
         </p:nvSpPr>
         <p:spPr>
           <a:xfrm>
-            <a:off x="6553200" y="6356350"/>
-            <a:ext cx="2133600" cy="365125"/>
+            <a:off x="146304" y="6210300"/>
+            <a:ext cx="457200" cy="457200"/>
           </a:xfrm>
-          <a:prstGeom prst="rect">
+          <a:prstGeom prst="ellipse">
             <a:avLst/>
           </a:prstGeom>
+          <a:solidFill>
+            <a:schemeClr val="accent1"/>
+          </a:solidFill>
         </p:spPr>
         <p:txBody>
-          <a:bodyPr vert="horz" lIns="91440" tIns="45720" rIns="91440" bIns="45720" rtlCol="0" anchor="ctr"/>
+          <a:bodyPr wrap="none" lIns="0" tIns="0" rIns="0" bIns="0" anchor="ctr" anchorCtr="1">
+            <a:noAutofit/>
+          </a:bodyPr>
           <a:lstStyle>
-            <a:lvl1pPr algn="r">
-              <a:defRPr sz="1200">
+            <a:lvl1pPr algn="ctr" eaLnBrk="1" latinLnBrk="0" hangingPunct="1">
+              <a:defRPr kumimoji="0" sz="1400">
                 <a:solidFill>
-                  <a:schemeClr val="tx1">
-                    <a:tint val="75000"/>
-                  </a:schemeClr>
+                  <a:srgbClr val="FFFFFF"/>
                 </a:solidFill>
+                <a:latin typeface="+mj-lt"/>
+                <a:ea typeface="+mj-ea"/>
+                <a:cs typeface="+mj-cs"/>
               </a:defRPr>
             </a:lvl1pPr>
           </a:lstStyle>
@@ -2813,36 +4720,31 @@
         </p:txBody>
       </p:sp>
     </p:spTree>
-    <p:extLst>
-      <p:ext uri="{BB962C8B-B14F-4D97-AF65-F5344CB8AC3E}">
-        <p14:creationId xmlns:p14="http://schemas.microsoft.com/office/powerpoint/2010/main" val="4157009129"/>
-      </p:ext>
-    </p:extLst>
   </p:cSld>
   <p:clrMap bg1="lt1" tx1="dk1" bg2="lt2" tx2="dk2" accent1="accent1" accent2="accent2" accent3="accent3" accent4="accent4" accent5="accent5" accent6="accent6" hlink="hlink" folHlink="folHlink"/>
   <p:sldLayoutIdLst>
-    <p:sldLayoutId id="2147483649" r:id="rId1"/>
-    <p:sldLayoutId id="2147483650" r:id="rId2"/>
-    <p:sldLayoutId id="2147483651" r:id="rId3"/>
-    <p:sldLayoutId id="2147483652" r:id="rId4"/>
-    <p:sldLayoutId id="2147483653" r:id="rId5"/>
-    <p:sldLayoutId id="2147483654" r:id="rId6"/>
-    <p:sldLayoutId id="2147483655" r:id="rId7"/>
-    <p:sldLayoutId id="2147483656" r:id="rId8"/>
-    <p:sldLayoutId id="2147483657" r:id="rId9"/>
-    <p:sldLayoutId id="2147483658" r:id="rId10"/>
-    <p:sldLayoutId id="2147483659" r:id="rId11"/>
+    <p:sldLayoutId id="2147483769" r:id="rId1"/>
+    <p:sldLayoutId id="2147483770" r:id="rId2"/>
+    <p:sldLayoutId id="2147483771" r:id="rId3"/>
+    <p:sldLayoutId id="2147483772" r:id="rId4"/>
+    <p:sldLayoutId id="2147483773" r:id="rId5"/>
+    <p:sldLayoutId id="2147483774" r:id="rId6"/>
+    <p:sldLayoutId id="2147483775" r:id="rId7"/>
+    <p:sldLayoutId id="2147483776" r:id="rId8"/>
+    <p:sldLayoutId id="2147483777" r:id="rId9"/>
+    <p:sldLayoutId id="2147483778" r:id="rId10"/>
+    <p:sldLayoutId id="2147483779" r:id="rId11"/>
   </p:sldLayoutIdLst>
   <p:txStyles>
     <p:titleStyle>
-      <a:lvl1pPr algn="ctr" defTabSz="914400" rtl="0" eaLnBrk="1" latinLnBrk="0" hangingPunct="1">
+      <a:lvl1pPr algn="l" rtl="0" eaLnBrk="1" latinLnBrk="0" hangingPunct="1">
         <a:spcBef>
           <a:spcPct val="0"/>
         </a:spcBef>
         <a:buNone/>
-        <a:defRPr sz="4400" kern="1200">
+        <a:defRPr kumimoji="0" sz="4000" kern="1200">
           <a:solidFill>
-            <a:schemeClr val="tx1"/>
+            <a:schemeClr val="tx2"/>
           </a:solidFill>
           <a:latin typeface="+mj-lt"/>
           <a:ea typeface="+mj-ea"/>
@@ -2851,13 +4753,17 @@
       </a:lvl1pPr>
     </p:titleStyle>
     <p:bodyStyle>
-      <a:lvl1pPr marL="342900" indent="-342900" algn="l" defTabSz="914400" rtl="0" eaLnBrk="1" latinLnBrk="0" hangingPunct="1">
+      <a:lvl1pPr marL="274320" indent="-274320" algn="l" rtl="0" eaLnBrk="1" latinLnBrk="0" hangingPunct="1">
         <a:spcBef>
-          <a:spcPct val="20000"/>
+          <a:spcPts val="580"/>
         </a:spcBef>
-        <a:buFont typeface="Arial" panose="020B0604020202020204" pitchFamily="34" charset="0"/>
-        <a:buChar char="•"/>
-        <a:defRPr sz="3200" kern="1200">
+        <a:buClr>
+          <a:schemeClr val="accent1"/>
+        </a:buClr>
+        <a:buSzPct val="85000"/>
+        <a:buFont typeface="Wingdings 2"/>
+        <a:buChar char=""/>
+        <a:defRPr kumimoji="0" sz="2600" kern="1200">
           <a:solidFill>
             <a:schemeClr val="tx1"/>
           </a:solidFill>
@@ -2866,13 +4772,17 @@
           <a:cs typeface="+mn-cs"/>
         </a:defRPr>
       </a:lvl1pPr>
-      <a:lvl2pPr marL="742950" indent="-285750" algn="l" defTabSz="914400" rtl="0" eaLnBrk="1" latinLnBrk="0" hangingPunct="1">
+      <a:lvl2pPr marL="548640" indent="-228600" algn="l" rtl="0" eaLnBrk="1" latinLnBrk="0" hangingPunct="1">
         <a:spcBef>
-          <a:spcPct val="20000"/>
+          <a:spcPts val="370"/>
         </a:spcBef>
-        <a:buFont typeface="Arial" panose="020B0604020202020204" pitchFamily="34" charset="0"/>
-        <a:buChar char="–"/>
-        <a:defRPr sz="2800" kern="1200">
+        <a:buClr>
+          <a:schemeClr val="accent2"/>
+        </a:buClr>
+        <a:buSzPct val="85000"/>
+        <a:buFont typeface="Wingdings 2"/>
+        <a:buChar char=""/>
+        <a:defRPr kumimoji="0" sz="2400" kern="1200">
           <a:solidFill>
             <a:schemeClr val="tx1"/>
           </a:solidFill>
@@ -2881,13 +4791,19 @@
           <a:cs typeface="+mn-cs"/>
         </a:defRPr>
       </a:lvl2pPr>
-      <a:lvl3pPr marL="1143000" indent="-228600" algn="l" defTabSz="914400" rtl="0" eaLnBrk="1" latinLnBrk="0" hangingPunct="1">
+      <a:lvl3pPr marL="822960" indent="-228600" algn="l" rtl="0" eaLnBrk="1" latinLnBrk="0" hangingPunct="1">
         <a:spcBef>
-          <a:spcPct val="20000"/>
+          <a:spcPts val="370"/>
         </a:spcBef>
-        <a:buFont typeface="Arial" panose="020B0604020202020204" pitchFamily="34" charset="0"/>
-        <a:buChar char="•"/>
-        <a:defRPr sz="2400" kern="1200">
+        <a:buClr>
+          <a:schemeClr val="accent1">
+            <a:tint val="60000"/>
+          </a:schemeClr>
+        </a:buClr>
+        <a:buSzPct val="85000"/>
+        <a:buFont typeface="Wingdings 2"/>
+        <a:buChar char=""/>
+        <a:defRPr kumimoji="0" sz="2000" kern="1200">
           <a:solidFill>
             <a:schemeClr val="tx1"/>
           </a:solidFill>
@@ -2896,13 +4812,17 @@
           <a:cs typeface="+mn-cs"/>
         </a:defRPr>
       </a:lvl3pPr>
-      <a:lvl4pPr marL="1600200" indent="-228600" algn="l" defTabSz="914400" rtl="0" eaLnBrk="1" latinLnBrk="0" hangingPunct="1">
+      <a:lvl4pPr marL="1097280" indent="-228600" algn="l" rtl="0" eaLnBrk="1" latinLnBrk="0" hangingPunct="1">
         <a:spcBef>
-          <a:spcPct val="20000"/>
+          <a:spcPts val="370"/>
         </a:spcBef>
-        <a:buFont typeface="Arial" panose="020B0604020202020204" pitchFamily="34" charset="0"/>
-        <a:buChar char="–"/>
-        <a:defRPr sz="2000" kern="1200">
+        <a:buClr>
+          <a:schemeClr val="accent3"/>
+        </a:buClr>
+        <a:buSzPct val="80000"/>
+        <a:buFont typeface="Wingdings 2"/>
+        <a:buChar char=""/>
+        <a:defRPr kumimoji="0" sz="2000" kern="1200">
           <a:solidFill>
             <a:schemeClr val="tx1"/>
           </a:solidFill>
@@ -2911,13 +4831,16 @@
           <a:cs typeface="+mn-cs"/>
         </a:defRPr>
       </a:lvl4pPr>
-      <a:lvl5pPr marL="2057400" indent="-228600" algn="l" defTabSz="914400" rtl="0" eaLnBrk="1" latinLnBrk="0" hangingPunct="1">
+      <a:lvl5pPr marL="1371600" indent="-228600" algn="l" rtl="0" eaLnBrk="1" latinLnBrk="0" hangingPunct="1">
         <a:spcBef>
-          <a:spcPct val="20000"/>
+          <a:spcPts val="370"/>
         </a:spcBef>
-        <a:buFont typeface="Arial" panose="020B0604020202020204" pitchFamily="34" charset="0"/>
-        <a:buChar char="»"/>
-        <a:defRPr sz="2000" kern="1200">
+        <a:buClr>
+          <a:schemeClr val="accent3"/>
+        </a:buClr>
+        <a:buFontTx/>
+        <a:buChar char="o"/>
+        <a:defRPr kumimoji="0" sz="2000" kern="1200">
           <a:solidFill>
             <a:schemeClr val="tx1"/>
           </a:solidFill>
@@ -2926,13 +4849,15 @@
           <a:cs typeface="+mn-cs"/>
         </a:defRPr>
       </a:lvl5pPr>
-      <a:lvl6pPr marL="2514600" indent="-228600" algn="l" defTabSz="914400" rtl="0" eaLnBrk="1" latinLnBrk="0" hangingPunct="1">
+      <a:lvl6pPr marL="1645920" indent="-228600" algn="l" rtl="0" eaLnBrk="1" latinLnBrk="0" hangingPunct="1">
         <a:spcBef>
-          <a:spcPct val="20000"/>
+          <a:spcPts val="370"/>
         </a:spcBef>
-        <a:buFont typeface="Arial" panose="020B0604020202020204" pitchFamily="34" charset="0"/>
+        <a:buClr>
+          <a:schemeClr val="accent3"/>
+        </a:buClr>
         <a:buChar char="•"/>
-        <a:defRPr sz="2000" kern="1200">
+        <a:defRPr kumimoji="0" sz="1800" kern="1200" baseline="0">
           <a:solidFill>
             <a:schemeClr val="tx1"/>
           </a:solidFill>
@@ -2941,13 +4866,15 @@
           <a:cs typeface="+mn-cs"/>
         </a:defRPr>
       </a:lvl6pPr>
-      <a:lvl7pPr marL="2971800" indent="-228600" algn="l" defTabSz="914400" rtl="0" eaLnBrk="1" latinLnBrk="0" hangingPunct="1">
+      <a:lvl7pPr marL="1920240" indent="-228600" algn="l" rtl="0" eaLnBrk="1" latinLnBrk="0" hangingPunct="1">
         <a:spcBef>
-          <a:spcPct val="20000"/>
+          <a:spcPts val="370"/>
         </a:spcBef>
-        <a:buFont typeface="Arial" panose="020B0604020202020204" pitchFamily="34" charset="0"/>
+        <a:buClr>
+          <a:schemeClr val="accent2"/>
+        </a:buClr>
         <a:buChar char="•"/>
-        <a:defRPr sz="2000" kern="1200">
+        <a:defRPr kumimoji="0" sz="1800" kern="1200">
           <a:solidFill>
             <a:schemeClr val="tx1"/>
           </a:solidFill>
@@ -2956,13 +4883,17 @@
           <a:cs typeface="+mn-cs"/>
         </a:defRPr>
       </a:lvl7pPr>
-      <a:lvl8pPr marL="3429000" indent="-228600" algn="l" defTabSz="914400" rtl="0" eaLnBrk="1" latinLnBrk="0" hangingPunct="1">
+      <a:lvl8pPr marL="2194560" indent="-228600" algn="l" rtl="0" eaLnBrk="1" latinLnBrk="0" hangingPunct="1">
         <a:spcBef>
-          <a:spcPct val="20000"/>
+          <a:spcPts val="370"/>
         </a:spcBef>
-        <a:buFont typeface="Arial" panose="020B0604020202020204" pitchFamily="34" charset="0"/>
+        <a:buClr>
+          <a:schemeClr val="accent1">
+            <a:tint val="60000"/>
+          </a:schemeClr>
+        </a:buClr>
         <a:buChar char="•"/>
-        <a:defRPr sz="2000" kern="1200">
+        <a:defRPr kumimoji="0" sz="1800" kern="1200">
           <a:solidFill>
             <a:schemeClr val="tx1"/>
           </a:solidFill>
@@ -2971,13 +4902,17 @@
           <a:cs typeface="+mn-cs"/>
         </a:defRPr>
       </a:lvl8pPr>
-      <a:lvl9pPr marL="3886200" indent="-228600" algn="l" defTabSz="914400" rtl="0" eaLnBrk="1" latinLnBrk="0" hangingPunct="1">
+      <a:lvl9pPr marL="2468880" indent="-228600" algn="l" rtl="0" eaLnBrk="1" latinLnBrk="0" hangingPunct="1">
         <a:spcBef>
-          <a:spcPct val="20000"/>
+          <a:spcPts val="370"/>
         </a:spcBef>
-        <a:buFont typeface="Arial" panose="020B0604020202020204" pitchFamily="34" charset="0"/>
+        <a:buClr>
+          <a:schemeClr val="accent2">
+            <a:tint val="60000"/>
+          </a:schemeClr>
+        </a:buClr>
         <a:buChar char="•"/>
-        <a:defRPr sz="2000" kern="1200">
+        <a:defRPr kumimoji="0" sz="1800" kern="1200">
           <a:solidFill>
             <a:schemeClr val="tx1"/>
           </a:solidFill>
@@ -2988,11 +4923,8 @@
       </a:lvl9pPr>
     </p:bodyStyle>
     <p:otherStyle>
-      <a:defPPr>
-        <a:defRPr lang="en-US"/>
-      </a:defPPr>
-      <a:lvl1pPr marL="0" algn="l" defTabSz="914400" rtl="0" eaLnBrk="1" latinLnBrk="0" hangingPunct="1">
-        <a:defRPr sz="1800" kern="1200">
+      <a:lvl1pPr marL="0" algn="l" rtl="0" eaLnBrk="1" latinLnBrk="0" hangingPunct="1">
+        <a:defRPr kumimoji="0" kern="1200">
           <a:solidFill>
             <a:schemeClr val="tx1"/>
           </a:solidFill>
@@ -3001,8 +4933,8 @@
           <a:cs typeface="+mn-cs"/>
         </a:defRPr>
       </a:lvl1pPr>
-      <a:lvl2pPr marL="457200" algn="l" defTabSz="914400" rtl="0" eaLnBrk="1" latinLnBrk="0" hangingPunct="1">
-        <a:defRPr sz="1800" kern="1200">
+      <a:lvl2pPr marL="457200" algn="l" rtl="0" eaLnBrk="1" latinLnBrk="0" hangingPunct="1">
+        <a:defRPr kumimoji="0" kern="1200">
           <a:solidFill>
             <a:schemeClr val="tx1"/>
           </a:solidFill>
@@ -3011,8 +4943,8 @@
           <a:cs typeface="+mn-cs"/>
         </a:defRPr>
       </a:lvl2pPr>
-      <a:lvl3pPr marL="914400" algn="l" defTabSz="914400" rtl="0" eaLnBrk="1" latinLnBrk="0" hangingPunct="1">
-        <a:defRPr sz="1800" kern="1200">
+      <a:lvl3pPr marL="914400" algn="l" rtl="0" eaLnBrk="1" latinLnBrk="0" hangingPunct="1">
+        <a:defRPr kumimoji="0" kern="1200">
           <a:solidFill>
             <a:schemeClr val="tx1"/>
           </a:solidFill>
@@ -3021,8 +4953,8 @@
           <a:cs typeface="+mn-cs"/>
         </a:defRPr>
       </a:lvl3pPr>
-      <a:lvl4pPr marL="1371600" algn="l" defTabSz="914400" rtl="0" eaLnBrk="1" latinLnBrk="0" hangingPunct="1">
-        <a:defRPr sz="1800" kern="1200">
+      <a:lvl4pPr marL="1371600" algn="l" rtl="0" eaLnBrk="1" latinLnBrk="0" hangingPunct="1">
+        <a:defRPr kumimoji="0" kern="1200">
           <a:solidFill>
             <a:schemeClr val="tx1"/>
           </a:solidFill>
@@ -3031,8 +4963,8 @@
           <a:cs typeface="+mn-cs"/>
         </a:defRPr>
       </a:lvl4pPr>
-      <a:lvl5pPr marL="1828800" algn="l" defTabSz="914400" rtl="0" eaLnBrk="1" latinLnBrk="0" hangingPunct="1">
-        <a:defRPr sz="1800" kern="1200">
+      <a:lvl5pPr marL="1828800" algn="l" rtl="0" eaLnBrk="1" latinLnBrk="0" hangingPunct="1">
+        <a:defRPr kumimoji="0" kern="1200">
           <a:solidFill>
             <a:schemeClr val="tx1"/>
           </a:solidFill>
@@ -3041,8 +4973,8 @@
           <a:cs typeface="+mn-cs"/>
         </a:defRPr>
       </a:lvl5pPr>
-      <a:lvl6pPr marL="2286000" algn="l" defTabSz="914400" rtl="0" eaLnBrk="1" latinLnBrk="0" hangingPunct="1">
-        <a:defRPr sz="1800" kern="1200">
+      <a:lvl6pPr marL="2286000" algn="l" rtl="0" eaLnBrk="1" latinLnBrk="0" hangingPunct="1">
+        <a:defRPr kumimoji="0" kern="1200">
           <a:solidFill>
             <a:schemeClr val="tx1"/>
           </a:solidFill>
@@ -3051,8 +4983,8 @@
           <a:cs typeface="+mn-cs"/>
         </a:defRPr>
       </a:lvl6pPr>
-      <a:lvl7pPr marL="2743200" algn="l" defTabSz="914400" rtl="0" eaLnBrk="1" latinLnBrk="0" hangingPunct="1">
-        <a:defRPr sz="1800" kern="1200">
+      <a:lvl7pPr marL="2743200" algn="l" rtl="0" eaLnBrk="1" latinLnBrk="0" hangingPunct="1">
+        <a:defRPr kumimoji="0" kern="1200">
           <a:solidFill>
             <a:schemeClr val="tx1"/>
           </a:solidFill>
@@ -3061,8 +4993,8 @@
           <a:cs typeface="+mn-cs"/>
         </a:defRPr>
       </a:lvl7pPr>
-      <a:lvl8pPr marL="3200400" algn="l" defTabSz="914400" rtl="0" eaLnBrk="1" latinLnBrk="0" hangingPunct="1">
-        <a:defRPr sz="1800" kern="1200">
+      <a:lvl8pPr marL="3200400" algn="l" rtl="0" eaLnBrk="1" latinLnBrk="0" hangingPunct="1">
+        <a:defRPr kumimoji="0" kern="1200">
           <a:solidFill>
             <a:schemeClr val="tx1"/>
           </a:solidFill>
@@ -3071,8 +5003,8 @@
           <a:cs typeface="+mn-cs"/>
         </a:defRPr>
       </a:lvl8pPr>
-      <a:lvl9pPr marL="3657600" algn="l" defTabSz="914400" rtl="0" eaLnBrk="1" latinLnBrk="0" hangingPunct="1">
-        <a:defRPr sz="1800" kern="1200">
+      <a:lvl9pPr marL="3657600" algn="l" rtl="0" eaLnBrk="1" latinLnBrk="0" hangingPunct="1">
+        <a:defRPr kumimoji="0" kern="1200">
           <a:solidFill>
             <a:schemeClr val="tx1"/>
           </a:solidFill>
@@ -3105,6 +5037,28 @@
       </p:grpSpPr>
       <p:sp>
         <p:nvSpPr>
+          <p:cNvPr id="3" name="Subtitle 2"/>
+          <p:cNvSpPr>
+            <a:spLocks noGrp="1"/>
+          </p:cNvSpPr>
+          <p:nvPr>
+            <p:ph type="subTitle" idx="1"/>
+          </p:nvPr>
+        </p:nvSpPr>
+        <p:spPr/>
+        <p:txBody>
+          <a:bodyPr/>
+          <a:lstStyle/>
+          <a:p>
+            <a:r>
+              <a:rPr lang="en-NZ" dirty="0" smtClean="0"/>
+              <a:t>Client: Kylie Huard at the Dunedin City Council</a:t>
+            </a:r>
+          </a:p>
+        </p:txBody>
+      </p:sp>
+      <p:sp>
+        <p:nvSpPr>
           <p:cNvPr id="2" name="Title 1"/>
           <p:cNvSpPr>
             <a:spLocks noGrp="1"/>
@@ -3123,28 +5077,6 @@
               <a:t>CZ</a:t>
             </a:r>
             <a:endParaRPr lang="en-NZ" dirty="0"/>
-          </a:p>
-        </p:txBody>
-      </p:sp>
-      <p:sp>
-        <p:nvSpPr>
-          <p:cNvPr id="3" name="Subtitle 2"/>
-          <p:cNvSpPr>
-            <a:spLocks noGrp="1"/>
-          </p:cNvSpPr>
-          <p:nvPr>
-            <p:ph type="subTitle" idx="1"/>
-          </p:nvPr>
-        </p:nvSpPr>
-        <p:spPr/>
-        <p:txBody>
-          <a:bodyPr/>
-          <a:lstStyle/>
-          <a:p>
-            <a:r>
-              <a:rPr lang="en-NZ" dirty="0" smtClean="0"/>
-              <a:t>Client: Kylie Huard at the Dunedin City Council</a:t>
-            </a:r>
           </a:p>
         </p:txBody>
       </p:sp>
@@ -3158,10 +5090,17 @@
   <p:clrMapOvr>
     <a:masterClrMapping/>
   </p:clrMapOvr>
+  <p:timing>
+    <p:tnLst>
+      <p:par>
+        <p:cTn id="1" dur="indefinite" restart="never" nodeType="tmRoot"/>
+      </p:par>
+    </p:tnLst>
+  </p:timing>
 </p:sld>
 </file>
 
-<file path=ppt/slides/slide2.xml><?xml version="1.0" encoding="utf-8"?>
+<file path=ppt/slides/slide10.xml><?xml version="1.0" encoding="utf-8"?>
 <p:sld xmlns:a="http://schemas.openxmlformats.org/drawingml/2006/main" xmlns:r="http://schemas.openxmlformats.org/officeDocument/2006/relationships" xmlns:p="http://schemas.openxmlformats.org/presentationml/2006/main">
   <p:cSld>
     <p:spTree>
@@ -3190,558 +5129,6 @@
         </p:nvSpPr>
         <p:spPr/>
         <p:txBody>
-          <a:bodyPr>
-            <a:normAutofit/>
-          </a:bodyPr>
-          <a:lstStyle/>
-          <a:p>
-            <a:r>
-              <a:rPr lang="en-NZ" dirty="0" smtClean="0"/>
-              <a:t>Value Proposition</a:t>
-            </a:r>
-            <a:endParaRPr lang="en-NZ" dirty="0"/>
-          </a:p>
-        </p:txBody>
-      </p:sp>
-      <p:sp>
-        <p:nvSpPr>
-          <p:cNvPr id="5" name="Rectangle 4"/>
-          <p:cNvSpPr/>
-          <p:nvPr/>
-        </p:nvSpPr>
-        <p:spPr>
-          <a:xfrm>
-            <a:off x="467544" y="1844824"/>
-            <a:ext cx="8208911" cy="2308324"/>
-          </a:xfrm>
-          <a:prstGeom prst="rect">
-            <a:avLst/>
-          </a:prstGeom>
-        </p:spPr>
-        <p:txBody>
-          <a:bodyPr wrap="square">
-            <a:spAutoFit/>
-          </a:bodyPr>
-          <a:lstStyle/>
-          <a:p>
-            <a:r>
-              <a:rPr lang="en-US" sz="2400" dirty="0" smtClean="0"/>
-              <a:t>This project is helping to address the issue of road cyclists safety with how vehicles are passing them. It has been in use since August 2015. During this time is has been recording vehicle passing speeds and distances showing the most problem areas where dangerous incidents have been occurring. It has shown that 35% of vehicles are passing cyclists dangerously. </a:t>
-            </a:r>
-            <a:endParaRPr lang="en-NZ" sz="2400" dirty="0"/>
-          </a:p>
-        </p:txBody>
-      </p:sp>
-    </p:spTree>
-    <p:extLst>
-      <p:ext uri="{BB962C8B-B14F-4D97-AF65-F5344CB8AC3E}">
-        <p14:creationId xmlns:p14="http://schemas.microsoft.com/office/powerpoint/2010/main" val="3545628419"/>
-      </p:ext>
-    </p:extLst>
-  </p:cSld>
-  <p:clrMapOvr>
-    <a:masterClrMapping/>
-  </p:clrMapOvr>
-</p:sld>
-</file>
-
-<file path=ppt/slides/slide3.xml><?xml version="1.0" encoding="utf-8"?>
-<p:sld xmlns:a="http://schemas.openxmlformats.org/drawingml/2006/main" xmlns:r="http://schemas.openxmlformats.org/officeDocument/2006/relationships" xmlns:p="http://schemas.openxmlformats.org/presentationml/2006/main">
-  <p:cSld>
-    <p:spTree>
-      <p:nvGrpSpPr>
-        <p:cNvPr id="1" name=""/>
-        <p:cNvGrpSpPr/>
-        <p:nvPr/>
-      </p:nvGrpSpPr>
-      <p:grpSpPr>
-        <a:xfrm>
-          <a:off x="0" y="0"/>
-          <a:ext cx="0" cy="0"/>
-          <a:chOff x="0" y="0"/>
-          <a:chExt cx="0" cy="0"/>
-        </a:xfrm>
-      </p:grpSpPr>
-      <p:sp>
-        <p:nvSpPr>
-          <p:cNvPr id="2" name="Title 1"/>
-          <p:cNvSpPr>
-            <a:spLocks noGrp="1"/>
-          </p:cNvSpPr>
-          <p:nvPr>
-            <p:ph type="title"/>
-          </p:nvPr>
-        </p:nvSpPr>
-        <p:spPr/>
-        <p:txBody>
-          <a:bodyPr/>
-          <a:lstStyle/>
-          <a:p>
-            <a:r>
-              <a:rPr lang="en-NZ" dirty="0" smtClean="0"/>
-              <a:t>Functional requirements</a:t>
-            </a:r>
-            <a:endParaRPr lang="en-NZ" dirty="0"/>
-          </a:p>
-        </p:txBody>
-      </p:sp>
-      <p:sp>
-        <p:nvSpPr>
-          <p:cNvPr id="3" name="Content Placeholder 2"/>
-          <p:cNvSpPr>
-            <a:spLocks noGrp="1"/>
-          </p:cNvSpPr>
-          <p:nvPr>
-            <p:ph idx="1"/>
-          </p:nvPr>
-        </p:nvSpPr>
-        <p:spPr/>
-        <p:txBody>
-          <a:bodyPr>
-            <a:normAutofit fontScale="92500" lnSpcReduction="10000"/>
-          </a:bodyPr>
-          <a:lstStyle/>
-          <a:p>
-            <a:r>
-              <a:rPr lang="en-US" dirty="0" smtClean="0"/>
-              <a:t>The </a:t>
-            </a:r>
-            <a:r>
-              <a:rPr lang="en-US" dirty="0"/>
-              <a:t>system must record how close cars are passing cyclists</a:t>
-            </a:r>
-          </a:p>
-          <a:p>
-            <a:r>
-              <a:rPr lang="en-US" dirty="0"/>
-              <a:t>The system must record where close passes have </a:t>
-            </a:r>
-            <a:r>
-              <a:rPr lang="en-US" dirty="0" smtClean="0"/>
-              <a:t>happened</a:t>
-            </a:r>
-            <a:endParaRPr lang="en-US" dirty="0"/>
-          </a:p>
-          <a:p>
-            <a:r>
-              <a:rPr lang="en-US" dirty="0"/>
-              <a:t>The system must record when the close pass happened </a:t>
-            </a:r>
-          </a:p>
-          <a:p>
-            <a:r>
-              <a:rPr lang="en-US" dirty="0"/>
-              <a:t>The system must record data in a readable format</a:t>
-            </a:r>
-          </a:p>
-          <a:p>
-            <a:r>
-              <a:rPr lang="en-US" dirty="0"/>
-              <a:t>The system must have a way of  getting the </a:t>
-            </a:r>
-            <a:r>
-              <a:rPr lang="en-US" dirty="0" smtClean="0"/>
-              <a:t>data </a:t>
-            </a:r>
-            <a:r>
-              <a:rPr lang="en-US" dirty="0"/>
-              <a:t>to a meaningful place</a:t>
-            </a:r>
-          </a:p>
-        </p:txBody>
-      </p:sp>
-    </p:spTree>
-    <p:extLst>
-      <p:ext uri="{BB962C8B-B14F-4D97-AF65-F5344CB8AC3E}">
-        <p14:creationId xmlns:p14="http://schemas.microsoft.com/office/powerpoint/2010/main" val="2316287125"/>
-      </p:ext>
-    </p:extLst>
-  </p:cSld>
-  <p:clrMapOvr>
-    <a:masterClrMapping/>
-  </p:clrMapOvr>
-</p:sld>
-</file>
-
-<file path=ppt/slides/slide4.xml><?xml version="1.0" encoding="utf-8"?>
-<p:sld xmlns:a="http://schemas.openxmlformats.org/drawingml/2006/main" xmlns:r="http://schemas.openxmlformats.org/officeDocument/2006/relationships" xmlns:p="http://schemas.openxmlformats.org/presentationml/2006/main">
-  <p:cSld>
-    <p:spTree>
-      <p:nvGrpSpPr>
-        <p:cNvPr id="1" name=""/>
-        <p:cNvGrpSpPr/>
-        <p:nvPr/>
-      </p:nvGrpSpPr>
-      <p:grpSpPr>
-        <a:xfrm>
-          <a:off x="0" y="0"/>
-          <a:ext cx="0" cy="0"/>
-          <a:chOff x="0" y="0"/>
-          <a:chExt cx="0" cy="0"/>
-        </a:xfrm>
-      </p:grpSpPr>
-      <p:sp>
-        <p:nvSpPr>
-          <p:cNvPr id="2" name="Title 1"/>
-          <p:cNvSpPr>
-            <a:spLocks noGrp="1"/>
-          </p:cNvSpPr>
-          <p:nvPr>
-            <p:ph type="title"/>
-          </p:nvPr>
-        </p:nvSpPr>
-        <p:spPr/>
-        <p:txBody>
-          <a:bodyPr/>
-          <a:lstStyle/>
-          <a:p>
-            <a:r>
-              <a:rPr lang="en-NZ" dirty="0" smtClean="0"/>
-              <a:t>Interaction Design</a:t>
-            </a:r>
-            <a:endParaRPr lang="en-NZ" dirty="0"/>
-          </a:p>
-        </p:txBody>
-      </p:sp>
-      <p:sp>
-        <p:nvSpPr>
-          <p:cNvPr id="3" name="Content Placeholder 2"/>
-          <p:cNvSpPr>
-            <a:spLocks noGrp="1"/>
-          </p:cNvSpPr>
-          <p:nvPr>
-            <p:ph idx="1"/>
-          </p:nvPr>
-        </p:nvSpPr>
-        <p:spPr/>
-        <p:txBody>
-          <a:bodyPr/>
-          <a:lstStyle/>
-          <a:p>
-            <a:endParaRPr lang="en-NZ" dirty="0" smtClean="0"/>
-          </a:p>
-          <a:p>
-            <a:endParaRPr lang="en-NZ" dirty="0"/>
-          </a:p>
-          <a:p>
-            <a:endParaRPr lang="en-NZ" dirty="0" smtClean="0"/>
-          </a:p>
-          <a:p>
-            <a:r>
-              <a:rPr lang="en-NZ" dirty="0" smtClean="0"/>
-              <a:t>Try to keep interaction between user and system minimized </a:t>
-            </a:r>
-            <a:endParaRPr lang="en-NZ" dirty="0"/>
-          </a:p>
-        </p:txBody>
-      </p:sp>
-    </p:spTree>
-    <p:extLst>
-      <p:ext uri="{BB962C8B-B14F-4D97-AF65-F5344CB8AC3E}">
-        <p14:creationId xmlns:p14="http://schemas.microsoft.com/office/powerpoint/2010/main" val="3356831265"/>
-      </p:ext>
-    </p:extLst>
-  </p:cSld>
-  <p:clrMapOvr>
-    <a:masterClrMapping/>
-  </p:clrMapOvr>
-</p:sld>
-</file>
-
-<file path=ppt/slides/slide5.xml><?xml version="1.0" encoding="utf-8"?>
-<p:sld xmlns:a="http://schemas.openxmlformats.org/drawingml/2006/main" xmlns:r="http://schemas.openxmlformats.org/officeDocument/2006/relationships" xmlns:p="http://schemas.openxmlformats.org/presentationml/2006/main">
-  <p:cSld>
-    <p:spTree>
-      <p:nvGrpSpPr>
-        <p:cNvPr id="1" name=""/>
-        <p:cNvGrpSpPr/>
-        <p:nvPr/>
-      </p:nvGrpSpPr>
-      <p:grpSpPr>
-        <a:xfrm>
-          <a:off x="0" y="0"/>
-          <a:ext cx="0" cy="0"/>
-          <a:chOff x="0" y="0"/>
-          <a:chExt cx="0" cy="0"/>
-        </a:xfrm>
-      </p:grpSpPr>
-      <p:sp>
-        <p:nvSpPr>
-          <p:cNvPr id="2" name="Title 1"/>
-          <p:cNvSpPr>
-            <a:spLocks noGrp="1"/>
-          </p:cNvSpPr>
-          <p:nvPr>
-            <p:ph type="title"/>
-          </p:nvPr>
-        </p:nvSpPr>
-        <p:spPr/>
-        <p:txBody>
-          <a:bodyPr/>
-          <a:lstStyle/>
-          <a:p>
-            <a:r>
-              <a:rPr lang="en-NZ" dirty="0" smtClean="0"/>
-              <a:t>System/software architecture</a:t>
-            </a:r>
-            <a:endParaRPr lang="en-NZ" dirty="0"/>
-          </a:p>
-        </p:txBody>
-      </p:sp>
-      <p:sp>
-        <p:nvSpPr>
-          <p:cNvPr id="3" name="Content Placeholder 2"/>
-          <p:cNvSpPr>
-            <a:spLocks noGrp="1"/>
-          </p:cNvSpPr>
-          <p:nvPr>
-            <p:ph idx="1"/>
-          </p:nvPr>
-        </p:nvSpPr>
-        <p:spPr>
-          <a:xfrm>
-            <a:off x="457200" y="1600200"/>
-            <a:ext cx="3538736" cy="4525963"/>
-          </a:xfrm>
-        </p:spPr>
-        <p:txBody>
-          <a:bodyPr/>
-          <a:lstStyle/>
-          <a:p>
-            <a:pPr marL="0" indent="0">
-              <a:buNone/>
-            </a:pPr>
-            <a:r>
-              <a:rPr lang="en-NZ" dirty="0" smtClean="0"/>
-              <a:t>Hardware </a:t>
-            </a:r>
-          </a:p>
-          <a:p>
-            <a:r>
-              <a:rPr lang="en-NZ" dirty="0" smtClean="0"/>
-              <a:t>Arduino</a:t>
-            </a:r>
-          </a:p>
-          <a:p>
-            <a:r>
-              <a:rPr lang="en-NZ" dirty="0" smtClean="0"/>
-              <a:t>Sonar sensor</a:t>
-            </a:r>
-          </a:p>
-          <a:p>
-            <a:r>
-              <a:rPr lang="en-NZ" dirty="0" smtClean="0"/>
-              <a:t>SD card reader</a:t>
-            </a:r>
-          </a:p>
-          <a:p>
-            <a:r>
-              <a:rPr lang="en-NZ" dirty="0" smtClean="0"/>
-              <a:t>Bluetooth </a:t>
-            </a:r>
-          </a:p>
-          <a:p>
-            <a:pPr marL="0" indent="0">
-              <a:buNone/>
-            </a:pPr>
-            <a:endParaRPr lang="en-NZ" dirty="0"/>
-          </a:p>
-          <a:p>
-            <a:endParaRPr lang="en-NZ" dirty="0" smtClean="0"/>
-          </a:p>
-        </p:txBody>
-      </p:sp>
-      <p:sp>
-        <p:nvSpPr>
-          <p:cNvPr id="4" name="TextBox 3"/>
-          <p:cNvSpPr txBox="1"/>
-          <p:nvPr/>
-        </p:nvSpPr>
-        <p:spPr>
-          <a:xfrm>
-            <a:off x="4394947" y="1556792"/>
-            <a:ext cx="3960440" cy="1569660"/>
-          </a:xfrm>
-          <a:prstGeom prst="rect">
-            <a:avLst/>
-          </a:prstGeom>
-          <a:noFill/>
-        </p:spPr>
-        <p:txBody>
-          <a:bodyPr wrap="square" rtlCol="0">
-            <a:spAutoFit/>
-          </a:bodyPr>
-          <a:lstStyle/>
-          <a:p>
-            <a:r>
-              <a:rPr lang="en-NZ" sz="3200" dirty="0" smtClean="0"/>
-              <a:t>Software</a:t>
-            </a:r>
-          </a:p>
-          <a:p>
-            <a:pPr marL="457200" indent="-457200">
-              <a:buFont typeface="Arial" panose="020B0604020202020204" pitchFamily="34" charset="0"/>
-              <a:buChar char="•"/>
-            </a:pPr>
-            <a:r>
-              <a:rPr lang="en-NZ" sz="3200" dirty="0" smtClean="0"/>
-              <a:t>Mobile interface</a:t>
-            </a:r>
-          </a:p>
-          <a:p>
-            <a:pPr marL="457200" indent="-457200">
-              <a:buFont typeface="Arial" panose="020B0604020202020204" pitchFamily="34" charset="0"/>
-              <a:buChar char="•"/>
-            </a:pPr>
-            <a:r>
-              <a:rPr lang="en-NZ" sz="3200" dirty="0" smtClean="0"/>
-              <a:t>Interface for DCC</a:t>
-            </a:r>
-          </a:p>
-        </p:txBody>
-      </p:sp>
-    </p:spTree>
-    <p:extLst>
-      <p:ext uri="{BB962C8B-B14F-4D97-AF65-F5344CB8AC3E}">
-        <p14:creationId xmlns:p14="http://schemas.microsoft.com/office/powerpoint/2010/main" val="1201798827"/>
-      </p:ext>
-    </p:extLst>
-  </p:cSld>
-  <p:clrMapOvr>
-    <a:masterClrMapping/>
-  </p:clrMapOvr>
-</p:sld>
-</file>
-
-<file path=ppt/slides/slide6.xml><?xml version="1.0" encoding="utf-8"?>
-<p:sld xmlns:a="http://schemas.openxmlformats.org/drawingml/2006/main" xmlns:r="http://schemas.openxmlformats.org/officeDocument/2006/relationships" xmlns:p="http://schemas.openxmlformats.org/presentationml/2006/main">
-  <p:cSld>
-    <p:spTree>
-      <p:nvGrpSpPr>
-        <p:cNvPr id="1" name=""/>
-        <p:cNvGrpSpPr/>
-        <p:nvPr/>
-      </p:nvGrpSpPr>
-      <p:grpSpPr>
-        <a:xfrm>
-          <a:off x="0" y="0"/>
-          <a:ext cx="0" cy="0"/>
-          <a:chOff x="0" y="0"/>
-          <a:chExt cx="0" cy="0"/>
-        </a:xfrm>
-      </p:grpSpPr>
-      <p:sp>
-        <p:nvSpPr>
-          <p:cNvPr id="2" name="Title 1"/>
-          <p:cNvSpPr>
-            <a:spLocks noGrp="1"/>
-          </p:cNvSpPr>
-          <p:nvPr>
-            <p:ph type="title"/>
-          </p:nvPr>
-        </p:nvSpPr>
-        <p:spPr/>
-        <p:txBody>
-          <a:bodyPr/>
-          <a:lstStyle/>
-          <a:p>
-            <a:r>
-              <a:rPr lang="en-NZ" dirty="0" smtClean="0"/>
-              <a:t>Hardware</a:t>
-            </a:r>
-            <a:endParaRPr lang="en-NZ" dirty="0"/>
-          </a:p>
-        </p:txBody>
-      </p:sp>
-      <p:sp>
-        <p:nvSpPr>
-          <p:cNvPr id="3" name="Content Placeholder 2"/>
-          <p:cNvSpPr>
-            <a:spLocks noGrp="1"/>
-          </p:cNvSpPr>
-          <p:nvPr>
-            <p:ph idx="1"/>
-          </p:nvPr>
-        </p:nvSpPr>
-        <p:spPr/>
-        <p:txBody>
-          <a:bodyPr/>
-          <a:lstStyle/>
-          <a:p>
-            <a:r>
-              <a:rPr lang="en-NZ" dirty="0" smtClean="0"/>
-              <a:t>Sonar sensor – HC-SR04</a:t>
-            </a:r>
-          </a:p>
-          <a:p>
-            <a:endParaRPr lang="en-NZ" dirty="0" smtClean="0"/>
-          </a:p>
-          <a:p>
-            <a:r>
-              <a:rPr lang="en-NZ" dirty="0" smtClean="0"/>
-              <a:t>SD card writer/reader- Micro-SD Breakout board+</a:t>
-            </a:r>
-          </a:p>
-          <a:p>
-            <a:endParaRPr lang="en-NZ" dirty="0" smtClean="0"/>
-          </a:p>
-          <a:p>
-            <a:r>
-              <a:rPr lang="en-NZ" dirty="0" smtClean="0"/>
-              <a:t>Bluetooth module – nRF0001 Bluetooth LE</a:t>
-            </a:r>
-          </a:p>
-          <a:p>
-            <a:pPr>
-              <a:buFontTx/>
-              <a:buChar char="-"/>
-            </a:pPr>
-            <a:endParaRPr lang="en-NZ" dirty="0"/>
-          </a:p>
-        </p:txBody>
-      </p:sp>
-    </p:spTree>
-    <p:extLst>
-      <p:ext uri="{BB962C8B-B14F-4D97-AF65-F5344CB8AC3E}">
-        <p14:creationId xmlns:p14="http://schemas.microsoft.com/office/powerpoint/2010/main" val="1216634353"/>
-      </p:ext>
-    </p:extLst>
-  </p:cSld>
-  <p:clrMapOvr>
-    <a:masterClrMapping/>
-  </p:clrMapOvr>
-</p:sld>
-</file>
-
-<file path=ppt/slides/slide7.xml><?xml version="1.0" encoding="utf-8"?>
-<p:sld xmlns:a="http://schemas.openxmlformats.org/drawingml/2006/main" xmlns:r="http://schemas.openxmlformats.org/officeDocument/2006/relationships" xmlns:p="http://schemas.openxmlformats.org/presentationml/2006/main">
-  <p:cSld>
-    <p:spTree>
-      <p:nvGrpSpPr>
-        <p:cNvPr id="1" name=""/>
-        <p:cNvGrpSpPr/>
-        <p:nvPr/>
-      </p:nvGrpSpPr>
-      <p:grpSpPr>
-        <a:xfrm>
-          <a:off x="0" y="0"/>
-          <a:ext cx="0" cy="0"/>
-          <a:chOff x="0" y="0"/>
-          <a:chExt cx="0" cy="0"/>
-        </a:xfrm>
-      </p:grpSpPr>
-      <p:sp>
-        <p:nvSpPr>
-          <p:cNvPr id="2" name="Title 1"/>
-          <p:cNvSpPr>
-            <a:spLocks noGrp="1"/>
-          </p:cNvSpPr>
-          <p:nvPr>
-            <p:ph type="title"/>
-          </p:nvPr>
-        </p:nvSpPr>
-        <p:spPr/>
-        <p:txBody>
           <a:bodyPr/>
           <a:lstStyle/>
           <a:p>
@@ -3760,197 +5147,7 @@
             <a:spLocks noGrp="1"/>
           </p:cNvSpPr>
           <p:nvPr>
-            <p:ph idx="1"/>
-          </p:nvPr>
-        </p:nvSpPr>
-        <p:spPr/>
-        <p:txBody>
-          <a:bodyPr>
-            <a:normAutofit/>
-          </a:bodyPr>
-          <a:lstStyle/>
-          <a:p>
-            <a:r>
-              <a:rPr lang="en-NZ" sz="2000" dirty="0" smtClean="0"/>
-              <a:t>We are currently using a HC-SR04 sonar sensor</a:t>
-            </a:r>
-          </a:p>
-          <a:p>
-            <a:endParaRPr lang="en-NZ" sz="2000" dirty="0"/>
-          </a:p>
-          <a:p>
-            <a:endParaRPr lang="en-NZ" sz="2000" dirty="0" smtClean="0"/>
-          </a:p>
-          <a:p>
-            <a:endParaRPr lang="en-NZ" sz="2000" dirty="0" smtClean="0"/>
-          </a:p>
-          <a:p>
-            <a:endParaRPr lang="en-NZ" sz="2000" dirty="0"/>
-          </a:p>
-          <a:p>
-            <a:r>
-              <a:rPr lang="en-NZ" sz="2000" dirty="0" smtClean="0"/>
-              <a:t>Proof of concept of wireless transmission using </a:t>
-            </a:r>
-            <a:r>
-              <a:rPr lang="en-NZ" sz="2000" dirty="0" err="1" smtClean="0"/>
-              <a:t>xbees</a:t>
-            </a:r>
-            <a:endParaRPr lang="en-NZ" sz="2000" dirty="0"/>
-          </a:p>
-        </p:txBody>
-      </p:sp>
-      <p:pic>
-        <p:nvPicPr>
-          <p:cNvPr id="4" name="Picture 3"/>
-          <p:cNvPicPr>
-            <a:picLocks noChangeAspect="1"/>
-          </p:cNvPicPr>
-          <p:nvPr/>
-        </p:nvPicPr>
-        <p:blipFill>
-          <a:blip r:embed="rId2">
-            <a:extLst>
-              <a:ext uri="{28A0092B-C50C-407E-A947-70E740481C1C}">
-                <a14:useLocalDpi xmlns:a14="http://schemas.microsoft.com/office/drawing/2010/main" val="0"/>
-              </a:ext>
-            </a:extLst>
-          </a:blip>
-          <a:stretch>
-            <a:fillRect/>
-          </a:stretch>
-        </p:blipFill>
-        <p:spPr>
-          <a:xfrm>
-            <a:off x="5796136" y="1700808"/>
-            <a:ext cx="2851652" cy="1602110"/>
-          </a:xfrm>
-          <a:prstGeom prst="rect">
-            <a:avLst/>
-          </a:prstGeom>
-        </p:spPr>
-      </p:pic>
-      <p:pic>
-        <p:nvPicPr>
-          <p:cNvPr id="5" name="Picture 4"/>
-          <p:cNvPicPr>
-            <a:picLocks noChangeAspect="1"/>
-          </p:cNvPicPr>
-          <p:nvPr/>
-        </p:nvPicPr>
-        <p:blipFill>
-          <a:blip r:embed="rId3">
-            <a:extLst>
-              <a:ext uri="{28A0092B-C50C-407E-A947-70E740481C1C}">
-                <a14:useLocalDpi xmlns:a14="http://schemas.microsoft.com/office/drawing/2010/main" val="0"/>
-              </a:ext>
-            </a:extLst>
-          </a:blip>
-          <a:stretch>
-            <a:fillRect/>
-          </a:stretch>
-        </p:blipFill>
-        <p:spPr>
-          <a:xfrm>
-            <a:off x="899592" y="3789040"/>
-            <a:ext cx="3620670" cy="2034158"/>
-          </a:xfrm>
-          <a:prstGeom prst="rect">
-            <a:avLst/>
-          </a:prstGeom>
-        </p:spPr>
-      </p:pic>
-      <p:pic>
-        <p:nvPicPr>
-          <p:cNvPr id="6" name="Picture 5"/>
-          <p:cNvPicPr>
-            <a:picLocks noChangeAspect="1"/>
-          </p:cNvPicPr>
-          <p:nvPr/>
-        </p:nvPicPr>
-        <p:blipFill>
-          <a:blip r:embed="rId4">
-            <a:extLst>
-              <a:ext uri="{28A0092B-C50C-407E-A947-70E740481C1C}">
-                <a14:useLocalDpi xmlns:a14="http://schemas.microsoft.com/office/drawing/2010/main" val="0"/>
-              </a:ext>
-            </a:extLst>
-          </a:blip>
-          <a:stretch>
-            <a:fillRect/>
-          </a:stretch>
-        </p:blipFill>
-        <p:spPr>
-          <a:xfrm>
-            <a:off x="4860032" y="3789040"/>
-            <a:ext cx="3672408" cy="2063226"/>
-          </a:xfrm>
-          <a:prstGeom prst="rect">
-            <a:avLst/>
-          </a:prstGeom>
-        </p:spPr>
-      </p:pic>
-    </p:spTree>
-    <p:extLst>
-      <p:ext uri="{BB962C8B-B14F-4D97-AF65-F5344CB8AC3E}">
-        <p14:creationId xmlns:p14="http://schemas.microsoft.com/office/powerpoint/2010/main" val="743813617"/>
-      </p:ext>
-    </p:extLst>
-  </p:cSld>
-  <p:clrMapOvr>
-    <a:masterClrMapping/>
-  </p:clrMapOvr>
-</p:sld>
-</file>
-
-<file path=ppt/slides/slide8.xml><?xml version="1.0" encoding="utf-8"?>
-<p:sld xmlns:a="http://schemas.openxmlformats.org/drawingml/2006/main" xmlns:r="http://schemas.openxmlformats.org/officeDocument/2006/relationships" xmlns:p="http://schemas.openxmlformats.org/presentationml/2006/main">
-  <p:cSld>
-    <p:spTree>
-      <p:nvGrpSpPr>
-        <p:cNvPr id="1" name=""/>
-        <p:cNvGrpSpPr/>
-        <p:nvPr/>
-      </p:nvGrpSpPr>
-      <p:grpSpPr>
-        <a:xfrm>
-          <a:off x="0" y="0"/>
-          <a:ext cx="0" cy="0"/>
-          <a:chOff x="0" y="0"/>
-          <a:chExt cx="0" cy="0"/>
-        </a:xfrm>
-      </p:grpSpPr>
-      <p:sp>
-        <p:nvSpPr>
-          <p:cNvPr id="2" name="Title 1"/>
-          <p:cNvSpPr>
-            <a:spLocks noGrp="1"/>
-          </p:cNvSpPr>
-          <p:nvPr>
-            <p:ph type="title"/>
-          </p:nvPr>
-        </p:nvSpPr>
-        <p:spPr/>
-        <p:txBody>
-          <a:bodyPr/>
-          <a:lstStyle/>
-          <a:p>
-            <a:r>
-              <a:rPr lang="en-NZ" dirty="0" smtClean="0"/>
-              <a:t>Stable Platform</a:t>
-            </a:r>
-            <a:endParaRPr lang="en-NZ" dirty="0"/>
-          </a:p>
-        </p:txBody>
-      </p:sp>
-      <p:sp>
-        <p:nvSpPr>
-          <p:cNvPr id="3" name="Content Placeholder 2"/>
-          <p:cNvSpPr>
-            <a:spLocks noGrp="1"/>
-          </p:cNvSpPr>
-          <p:nvPr>
-            <p:ph idx="1"/>
+            <p:ph sz="quarter" idx="1"/>
           </p:nvPr>
         </p:nvSpPr>
         <p:spPr/>
@@ -4135,6 +5332,896 @@
   <p:clrMapOvr>
     <a:masterClrMapping/>
   </p:clrMapOvr>
+  <p:timing>
+    <p:tnLst>
+      <p:par>
+        <p:cTn id="1" dur="indefinite" restart="never" nodeType="tmRoot"/>
+      </p:par>
+    </p:tnLst>
+  </p:timing>
+</p:sld>
+</file>
+
+<file path=ppt/slides/slide11.xml><?xml version="1.0" encoding="utf-8"?>
+<p:sld xmlns:a="http://schemas.openxmlformats.org/drawingml/2006/main" xmlns:r="http://schemas.openxmlformats.org/officeDocument/2006/relationships" xmlns:p="http://schemas.openxmlformats.org/presentationml/2006/main">
+  <p:cSld>
+    <p:spTree>
+      <p:nvGrpSpPr>
+        <p:cNvPr id="1" name=""/>
+        <p:cNvGrpSpPr/>
+        <p:nvPr/>
+      </p:nvGrpSpPr>
+      <p:grpSpPr>
+        <a:xfrm>
+          <a:off x="0" y="0"/>
+          <a:ext cx="0" cy="0"/>
+          <a:chOff x="0" y="0"/>
+          <a:chExt cx="0" cy="0"/>
+        </a:xfrm>
+      </p:grpSpPr>
+      <p:sp>
+        <p:nvSpPr>
+          <p:cNvPr id="2" name="Title 1"/>
+          <p:cNvSpPr>
+            <a:spLocks noGrp="1"/>
+          </p:cNvSpPr>
+          <p:nvPr>
+            <p:ph type="title"/>
+          </p:nvPr>
+        </p:nvSpPr>
+        <p:spPr/>
+        <p:txBody>
+          <a:bodyPr/>
+          <a:lstStyle/>
+          <a:p>
+            <a:r>
+              <a:rPr lang="en-NZ" dirty="0" smtClean="0"/>
+              <a:t>Development Pathway</a:t>
+            </a:r>
+            <a:r>
+              <a:rPr lang="en-NZ" dirty="0" smtClean="0"/>
+              <a:t> </a:t>
+            </a:r>
+            <a:endParaRPr lang="en-NZ" dirty="0"/>
+          </a:p>
+        </p:txBody>
+      </p:sp>
+      <p:sp>
+        <p:nvSpPr>
+          <p:cNvPr id="3" name="Content Placeholder 2"/>
+          <p:cNvSpPr>
+            <a:spLocks noGrp="1"/>
+          </p:cNvSpPr>
+          <p:nvPr>
+            <p:ph sz="quarter" idx="1"/>
+          </p:nvPr>
+        </p:nvSpPr>
+        <p:spPr/>
+        <p:txBody>
+          <a:bodyPr/>
+          <a:lstStyle/>
+          <a:p>
+            <a:r>
+              <a:rPr lang="en-NZ" dirty="0" smtClean="0"/>
+              <a:t>To get our current system mobile  and recording real world data</a:t>
+            </a:r>
+          </a:p>
+          <a:p>
+            <a:pPr marL="0" indent="0">
+              <a:buNone/>
+            </a:pPr>
+            <a:endParaRPr lang="en-NZ" dirty="0" smtClean="0"/>
+          </a:p>
+          <a:p>
+            <a:r>
+              <a:rPr lang="en-NZ" dirty="0" smtClean="0"/>
+              <a:t>Portable</a:t>
+            </a:r>
+          </a:p>
+          <a:p>
+            <a:endParaRPr lang="en-NZ" dirty="0"/>
+          </a:p>
+          <a:p>
+            <a:endParaRPr lang="en-NZ" dirty="0" smtClean="0"/>
+          </a:p>
+          <a:p>
+            <a:endParaRPr lang="en-NZ" dirty="0"/>
+          </a:p>
+        </p:txBody>
+      </p:sp>
+    </p:spTree>
+    <p:extLst>
+      <p:ext uri="{BB962C8B-B14F-4D97-AF65-F5344CB8AC3E}">
+        <p14:creationId xmlns:p14="http://schemas.microsoft.com/office/powerpoint/2010/main" val="560598213"/>
+      </p:ext>
+    </p:extLst>
+  </p:cSld>
+  <p:clrMapOvr>
+    <a:masterClrMapping/>
+  </p:clrMapOvr>
+  <p:timing>
+    <p:tnLst>
+      <p:par>
+        <p:cTn id="1" dur="indefinite" restart="never" nodeType="tmRoot"/>
+      </p:par>
+    </p:tnLst>
+  </p:timing>
+</p:sld>
+</file>
+
+<file path=ppt/slides/slide2.xml><?xml version="1.0" encoding="utf-8"?>
+<p:sld xmlns:a="http://schemas.openxmlformats.org/drawingml/2006/main" xmlns:r="http://schemas.openxmlformats.org/officeDocument/2006/relationships" xmlns:p="http://schemas.openxmlformats.org/presentationml/2006/main">
+  <p:cSld>
+    <p:spTree>
+      <p:nvGrpSpPr>
+        <p:cNvPr id="1" name=""/>
+        <p:cNvGrpSpPr/>
+        <p:nvPr/>
+      </p:nvGrpSpPr>
+      <p:grpSpPr>
+        <a:xfrm>
+          <a:off x="0" y="0"/>
+          <a:ext cx="0" cy="0"/>
+          <a:chOff x="0" y="0"/>
+          <a:chExt cx="0" cy="0"/>
+        </a:xfrm>
+      </p:grpSpPr>
+      <p:sp>
+        <p:nvSpPr>
+          <p:cNvPr id="2" name="Title 1"/>
+          <p:cNvSpPr>
+            <a:spLocks noGrp="1"/>
+          </p:cNvSpPr>
+          <p:nvPr>
+            <p:ph type="title"/>
+          </p:nvPr>
+        </p:nvSpPr>
+        <p:spPr/>
+        <p:txBody>
+          <a:bodyPr>
+            <a:normAutofit/>
+          </a:bodyPr>
+          <a:lstStyle/>
+          <a:p>
+            <a:r>
+              <a:rPr lang="en-NZ" dirty="0" smtClean="0"/>
+              <a:t>Value Proposition</a:t>
+            </a:r>
+            <a:endParaRPr lang="en-NZ" dirty="0"/>
+          </a:p>
+        </p:txBody>
+      </p:sp>
+      <p:sp>
+        <p:nvSpPr>
+          <p:cNvPr id="5" name="Rectangle 4"/>
+          <p:cNvSpPr/>
+          <p:nvPr/>
+        </p:nvSpPr>
+        <p:spPr>
+          <a:xfrm>
+            <a:off x="467544" y="1844824"/>
+            <a:ext cx="8208911" cy="2308324"/>
+          </a:xfrm>
+          <a:prstGeom prst="rect">
+            <a:avLst/>
+          </a:prstGeom>
+        </p:spPr>
+        <p:txBody>
+          <a:bodyPr wrap="square">
+            <a:spAutoFit/>
+          </a:bodyPr>
+          <a:lstStyle/>
+          <a:p>
+            <a:r>
+              <a:rPr lang="en-US" sz="2400" dirty="0" smtClean="0"/>
+              <a:t>This project is helping to address the issue of road cyclists safety with how vehicles are passing them. It has been in use since August 2015. During this time is has been recording vehicle passing speeds and distances showing the most problem areas where dangerous incidents have been occurring. It has shown that 35% of vehicles are passing cyclists dangerously. </a:t>
+            </a:r>
+            <a:endParaRPr lang="en-NZ" sz="2400" dirty="0"/>
+          </a:p>
+        </p:txBody>
+      </p:sp>
+    </p:spTree>
+    <p:extLst>
+      <p:ext uri="{BB962C8B-B14F-4D97-AF65-F5344CB8AC3E}">
+        <p14:creationId xmlns:p14="http://schemas.microsoft.com/office/powerpoint/2010/main" val="3545628419"/>
+      </p:ext>
+    </p:extLst>
+  </p:cSld>
+  <p:clrMapOvr>
+    <a:masterClrMapping/>
+  </p:clrMapOvr>
+  <p:timing>
+    <p:tnLst>
+      <p:par>
+        <p:cTn id="1" dur="indefinite" restart="never" nodeType="tmRoot"/>
+      </p:par>
+    </p:tnLst>
+  </p:timing>
+</p:sld>
+</file>
+
+<file path=ppt/slides/slide3.xml><?xml version="1.0" encoding="utf-8"?>
+<p:sld xmlns:a="http://schemas.openxmlformats.org/drawingml/2006/main" xmlns:r="http://schemas.openxmlformats.org/officeDocument/2006/relationships" xmlns:p="http://schemas.openxmlformats.org/presentationml/2006/main">
+  <p:cSld>
+    <p:spTree>
+      <p:nvGrpSpPr>
+        <p:cNvPr id="1" name=""/>
+        <p:cNvGrpSpPr/>
+        <p:nvPr/>
+      </p:nvGrpSpPr>
+      <p:grpSpPr>
+        <a:xfrm>
+          <a:off x="0" y="0"/>
+          <a:ext cx="0" cy="0"/>
+          <a:chOff x="0" y="0"/>
+          <a:chExt cx="0" cy="0"/>
+        </a:xfrm>
+      </p:grpSpPr>
+      <p:sp>
+        <p:nvSpPr>
+          <p:cNvPr id="2" name="Title 1"/>
+          <p:cNvSpPr>
+            <a:spLocks noGrp="1"/>
+          </p:cNvSpPr>
+          <p:nvPr>
+            <p:ph type="title"/>
+          </p:nvPr>
+        </p:nvSpPr>
+        <p:spPr/>
+        <p:txBody>
+          <a:bodyPr/>
+          <a:lstStyle/>
+          <a:p>
+            <a:r>
+              <a:rPr lang="en-NZ" dirty="0" smtClean="0"/>
+              <a:t>Functional requirements</a:t>
+            </a:r>
+            <a:endParaRPr lang="en-NZ" dirty="0"/>
+          </a:p>
+        </p:txBody>
+      </p:sp>
+      <p:sp>
+        <p:nvSpPr>
+          <p:cNvPr id="3" name="Content Placeholder 2"/>
+          <p:cNvSpPr>
+            <a:spLocks noGrp="1"/>
+          </p:cNvSpPr>
+          <p:nvPr>
+            <p:ph sz="quarter" idx="1"/>
+          </p:nvPr>
+        </p:nvSpPr>
+        <p:spPr/>
+        <p:txBody>
+          <a:bodyPr>
+            <a:normAutofit/>
+          </a:bodyPr>
+          <a:lstStyle/>
+          <a:p>
+            <a:r>
+              <a:rPr lang="en-US" dirty="0" smtClean="0"/>
+              <a:t>The </a:t>
+            </a:r>
+            <a:r>
+              <a:rPr lang="en-US" dirty="0"/>
+              <a:t>system must record how close cars are passing cyclists</a:t>
+            </a:r>
+          </a:p>
+          <a:p>
+            <a:r>
+              <a:rPr lang="en-US" dirty="0"/>
+              <a:t>The system must record where close passes have </a:t>
+            </a:r>
+            <a:r>
+              <a:rPr lang="en-US" dirty="0" smtClean="0"/>
+              <a:t>happened</a:t>
+            </a:r>
+            <a:endParaRPr lang="en-US" dirty="0"/>
+          </a:p>
+          <a:p>
+            <a:r>
+              <a:rPr lang="en-US" dirty="0"/>
+              <a:t>The system must record when the close pass happened </a:t>
+            </a:r>
+          </a:p>
+          <a:p>
+            <a:r>
+              <a:rPr lang="en-US" dirty="0"/>
+              <a:t>The system must record data in a readable format</a:t>
+            </a:r>
+          </a:p>
+          <a:p>
+            <a:r>
+              <a:rPr lang="en-US" dirty="0"/>
+              <a:t>The system must have a way of  getting the </a:t>
+            </a:r>
+            <a:r>
+              <a:rPr lang="en-US" dirty="0" smtClean="0"/>
+              <a:t>data </a:t>
+            </a:r>
+            <a:r>
+              <a:rPr lang="en-US" dirty="0"/>
+              <a:t>to a meaningful place</a:t>
+            </a:r>
+          </a:p>
+        </p:txBody>
+      </p:sp>
+    </p:spTree>
+    <p:extLst>
+      <p:ext uri="{BB962C8B-B14F-4D97-AF65-F5344CB8AC3E}">
+        <p14:creationId xmlns:p14="http://schemas.microsoft.com/office/powerpoint/2010/main" val="2316287125"/>
+      </p:ext>
+    </p:extLst>
+  </p:cSld>
+  <p:clrMapOvr>
+    <a:masterClrMapping/>
+  </p:clrMapOvr>
+  <p:timing>
+    <p:tnLst>
+      <p:par>
+        <p:cTn id="1" dur="indefinite" restart="never" nodeType="tmRoot"/>
+      </p:par>
+    </p:tnLst>
+  </p:timing>
+</p:sld>
+</file>
+
+<file path=ppt/slides/slide4.xml><?xml version="1.0" encoding="utf-8"?>
+<p:sld xmlns:a="http://schemas.openxmlformats.org/drawingml/2006/main" xmlns:r="http://schemas.openxmlformats.org/officeDocument/2006/relationships" xmlns:p="http://schemas.openxmlformats.org/presentationml/2006/main">
+  <p:cSld>
+    <p:spTree>
+      <p:nvGrpSpPr>
+        <p:cNvPr id="1" name=""/>
+        <p:cNvGrpSpPr/>
+        <p:nvPr/>
+      </p:nvGrpSpPr>
+      <p:grpSpPr>
+        <a:xfrm>
+          <a:off x="0" y="0"/>
+          <a:ext cx="0" cy="0"/>
+          <a:chOff x="0" y="0"/>
+          <a:chExt cx="0" cy="0"/>
+        </a:xfrm>
+      </p:grpSpPr>
+      <p:sp>
+        <p:nvSpPr>
+          <p:cNvPr id="2" name="Title 1"/>
+          <p:cNvSpPr>
+            <a:spLocks noGrp="1"/>
+          </p:cNvSpPr>
+          <p:nvPr>
+            <p:ph type="title"/>
+          </p:nvPr>
+        </p:nvSpPr>
+        <p:spPr/>
+        <p:txBody>
+          <a:bodyPr/>
+          <a:lstStyle/>
+          <a:p>
+            <a:r>
+              <a:rPr lang="en-NZ" dirty="0" smtClean="0"/>
+              <a:t>Interaction Design</a:t>
+            </a:r>
+            <a:endParaRPr lang="en-NZ" dirty="0"/>
+          </a:p>
+        </p:txBody>
+      </p:sp>
+      <p:sp>
+        <p:nvSpPr>
+          <p:cNvPr id="3" name="Content Placeholder 2"/>
+          <p:cNvSpPr>
+            <a:spLocks noGrp="1"/>
+          </p:cNvSpPr>
+          <p:nvPr>
+            <p:ph sz="quarter" idx="1"/>
+          </p:nvPr>
+        </p:nvSpPr>
+        <p:spPr/>
+        <p:txBody>
+          <a:bodyPr/>
+          <a:lstStyle/>
+          <a:p>
+            <a:endParaRPr lang="en-NZ" dirty="0" smtClean="0"/>
+          </a:p>
+          <a:p>
+            <a:endParaRPr lang="en-NZ" dirty="0"/>
+          </a:p>
+          <a:p>
+            <a:endParaRPr lang="en-NZ" dirty="0" smtClean="0"/>
+          </a:p>
+          <a:p>
+            <a:r>
+              <a:rPr lang="en-NZ" dirty="0" smtClean="0"/>
+              <a:t>Try to keep interaction between user and system minimized </a:t>
+            </a:r>
+            <a:endParaRPr lang="en-NZ" dirty="0"/>
+          </a:p>
+        </p:txBody>
+      </p:sp>
+    </p:spTree>
+    <p:extLst>
+      <p:ext uri="{BB962C8B-B14F-4D97-AF65-F5344CB8AC3E}">
+        <p14:creationId xmlns:p14="http://schemas.microsoft.com/office/powerpoint/2010/main" val="3356831265"/>
+      </p:ext>
+    </p:extLst>
+  </p:cSld>
+  <p:clrMapOvr>
+    <a:masterClrMapping/>
+  </p:clrMapOvr>
+  <p:timing>
+    <p:tnLst>
+      <p:par>
+        <p:cTn id="1" dur="indefinite" restart="never" nodeType="tmRoot"/>
+      </p:par>
+    </p:tnLst>
+  </p:timing>
+</p:sld>
+</file>
+
+<file path=ppt/slides/slide5.xml><?xml version="1.0" encoding="utf-8"?>
+<p:sld xmlns:a="http://schemas.openxmlformats.org/drawingml/2006/main" xmlns:r="http://schemas.openxmlformats.org/officeDocument/2006/relationships" xmlns:p="http://schemas.openxmlformats.org/presentationml/2006/main">
+  <p:cSld>
+    <p:spTree>
+      <p:nvGrpSpPr>
+        <p:cNvPr id="1" name=""/>
+        <p:cNvGrpSpPr/>
+        <p:nvPr/>
+      </p:nvGrpSpPr>
+      <p:grpSpPr>
+        <a:xfrm>
+          <a:off x="0" y="0"/>
+          <a:ext cx="0" cy="0"/>
+          <a:chOff x="0" y="0"/>
+          <a:chExt cx="0" cy="0"/>
+        </a:xfrm>
+      </p:grpSpPr>
+      <p:sp>
+        <p:nvSpPr>
+          <p:cNvPr id="2" name="Title 1"/>
+          <p:cNvSpPr>
+            <a:spLocks noGrp="1"/>
+          </p:cNvSpPr>
+          <p:nvPr>
+            <p:ph type="title"/>
+          </p:nvPr>
+        </p:nvSpPr>
+        <p:spPr/>
+        <p:txBody>
+          <a:bodyPr>
+            <a:normAutofit/>
+          </a:bodyPr>
+          <a:lstStyle/>
+          <a:p>
+            <a:r>
+              <a:rPr lang="en-NZ" dirty="0" smtClean="0"/>
+              <a:t>System/software architecture</a:t>
+            </a:r>
+            <a:endParaRPr lang="en-NZ" dirty="0"/>
+          </a:p>
+        </p:txBody>
+      </p:sp>
+      <p:sp>
+        <p:nvSpPr>
+          <p:cNvPr id="3" name="Content Placeholder 2"/>
+          <p:cNvSpPr>
+            <a:spLocks noGrp="1"/>
+          </p:cNvSpPr>
+          <p:nvPr>
+            <p:ph sz="quarter" idx="1"/>
+          </p:nvPr>
+        </p:nvSpPr>
+        <p:spPr>
+          <a:xfrm>
+            <a:off x="457200" y="1600200"/>
+            <a:ext cx="3538736" cy="4525963"/>
+          </a:xfrm>
+        </p:spPr>
+        <p:txBody>
+          <a:bodyPr/>
+          <a:lstStyle/>
+          <a:p>
+            <a:pPr marL="0" indent="0">
+              <a:buNone/>
+            </a:pPr>
+            <a:r>
+              <a:rPr lang="en-NZ" dirty="0" smtClean="0"/>
+              <a:t>Hardware </a:t>
+            </a:r>
+          </a:p>
+          <a:p>
+            <a:r>
+              <a:rPr lang="en-NZ" dirty="0" smtClean="0"/>
+              <a:t>Arduino</a:t>
+            </a:r>
+          </a:p>
+          <a:p>
+            <a:r>
+              <a:rPr lang="en-NZ" dirty="0" smtClean="0"/>
+              <a:t>Sonar sensor</a:t>
+            </a:r>
+          </a:p>
+          <a:p>
+            <a:r>
+              <a:rPr lang="en-NZ" dirty="0" smtClean="0"/>
+              <a:t>SD card </a:t>
+            </a:r>
+            <a:r>
+              <a:rPr lang="en-NZ" dirty="0" smtClean="0"/>
+              <a:t>reader/writer</a:t>
+            </a:r>
+          </a:p>
+          <a:p>
+            <a:r>
+              <a:rPr lang="en-NZ" dirty="0" smtClean="0"/>
+              <a:t>Bluetooth </a:t>
+            </a:r>
+          </a:p>
+          <a:p>
+            <a:pPr marL="0" indent="0">
+              <a:buNone/>
+            </a:pPr>
+            <a:endParaRPr lang="en-NZ" dirty="0"/>
+          </a:p>
+          <a:p>
+            <a:endParaRPr lang="en-NZ" dirty="0" smtClean="0"/>
+          </a:p>
+        </p:txBody>
+      </p:sp>
+      <p:sp>
+        <p:nvSpPr>
+          <p:cNvPr id="4" name="TextBox 3"/>
+          <p:cNvSpPr txBox="1"/>
+          <p:nvPr/>
+        </p:nvSpPr>
+        <p:spPr>
+          <a:xfrm>
+            <a:off x="4394947" y="1556792"/>
+            <a:ext cx="3960440" cy="1569660"/>
+          </a:xfrm>
+          <a:prstGeom prst="rect">
+            <a:avLst/>
+          </a:prstGeom>
+          <a:noFill/>
+        </p:spPr>
+        <p:txBody>
+          <a:bodyPr wrap="square" rtlCol="0">
+            <a:spAutoFit/>
+          </a:bodyPr>
+          <a:lstStyle/>
+          <a:p>
+            <a:r>
+              <a:rPr lang="en-NZ" sz="3200" dirty="0" smtClean="0"/>
+              <a:t>Software</a:t>
+            </a:r>
+          </a:p>
+          <a:p>
+            <a:pPr marL="457200" indent="-457200">
+              <a:buFont typeface="Arial" panose="020B0604020202020204" pitchFamily="34" charset="0"/>
+              <a:buChar char="•"/>
+            </a:pPr>
+            <a:r>
+              <a:rPr lang="en-NZ" sz="3200" dirty="0" smtClean="0"/>
+              <a:t>Mobile interface</a:t>
+            </a:r>
+          </a:p>
+          <a:p>
+            <a:pPr marL="457200" indent="-457200">
+              <a:buFont typeface="Arial" panose="020B0604020202020204" pitchFamily="34" charset="0"/>
+              <a:buChar char="•"/>
+            </a:pPr>
+            <a:r>
+              <a:rPr lang="en-NZ" sz="3200" dirty="0" smtClean="0"/>
+              <a:t>Interface for DCC</a:t>
+            </a:r>
+          </a:p>
+        </p:txBody>
+      </p:sp>
+    </p:spTree>
+    <p:extLst>
+      <p:ext uri="{BB962C8B-B14F-4D97-AF65-F5344CB8AC3E}">
+        <p14:creationId xmlns:p14="http://schemas.microsoft.com/office/powerpoint/2010/main" val="1201798827"/>
+      </p:ext>
+    </p:extLst>
+  </p:cSld>
+  <p:clrMapOvr>
+    <a:masterClrMapping/>
+  </p:clrMapOvr>
+  <p:timing>
+    <p:tnLst>
+      <p:par>
+        <p:cTn id="1" dur="indefinite" restart="never" nodeType="tmRoot"/>
+      </p:par>
+    </p:tnLst>
+  </p:timing>
+</p:sld>
+</file>
+
+<file path=ppt/slides/slide6.xml><?xml version="1.0" encoding="utf-8"?>
+<p:sld xmlns:a="http://schemas.openxmlformats.org/drawingml/2006/main" xmlns:r="http://schemas.openxmlformats.org/officeDocument/2006/relationships" xmlns:p="http://schemas.openxmlformats.org/presentationml/2006/main">
+  <p:cSld>
+    <p:spTree>
+      <p:nvGrpSpPr>
+        <p:cNvPr id="1" name=""/>
+        <p:cNvGrpSpPr/>
+        <p:nvPr/>
+      </p:nvGrpSpPr>
+      <p:grpSpPr>
+        <a:xfrm>
+          <a:off x="0" y="0"/>
+          <a:ext cx="0" cy="0"/>
+          <a:chOff x="0" y="0"/>
+          <a:chExt cx="0" cy="0"/>
+        </a:xfrm>
+      </p:grpSpPr>
+      <p:sp>
+        <p:nvSpPr>
+          <p:cNvPr id="2" name="Title 1"/>
+          <p:cNvSpPr>
+            <a:spLocks noGrp="1"/>
+          </p:cNvSpPr>
+          <p:nvPr>
+            <p:ph type="title"/>
+          </p:nvPr>
+        </p:nvSpPr>
+        <p:spPr/>
+        <p:txBody>
+          <a:bodyPr/>
+          <a:lstStyle/>
+          <a:p>
+            <a:r>
+              <a:rPr lang="en-NZ" dirty="0" smtClean="0"/>
+              <a:t>Target Deployment Environment</a:t>
+            </a:r>
+            <a:endParaRPr lang="en-NZ" dirty="0"/>
+          </a:p>
+        </p:txBody>
+      </p:sp>
+      <p:sp>
+        <p:nvSpPr>
+          <p:cNvPr id="3" name="Content Placeholder 2"/>
+          <p:cNvSpPr>
+            <a:spLocks noGrp="1"/>
+          </p:cNvSpPr>
+          <p:nvPr>
+            <p:ph sz="quarter" idx="1"/>
+          </p:nvPr>
+        </p:nvSpPr>
+        <p:spPr/>
+        <p:txBody>
+          <a:bodyPr/>
+          <a:lstStyle/>
+          <a:p>
+            <a:r>
+              <a:rPr lang="en-NZ" dirty="0" smtClean="0"/>
+              <a:t>Arduino - Device for gathering our data</a:t>
+            </a:r>
+          </a:p>
+          <a:p>
+            <a:endParaRPr lang="en-NZ" dirty="0" smtClean="0"/>
+          </a:p>
+          <a:p>
+            <a:r>
+              <a:rPr lang="en-NZ" dirty="0" smtClean="0"/>
+              <a:t>Android – to interact with Arduino</a:t>
+            </a:r>
+          </a:p>
+          <a:p>
+            <a:endParaRPr lang="en-NZ" dirty="0" smtClean="0"/>
+          </a:p>
+          <a:p>
+            <a:r>
+              <a:rPr lang="en-NZ" dirty="0" smtClean="0"/>
+              <a:t>Desktop for DCC user interface</a:t>
+            </a:r>
+            <a:endParaRPr lang="en-NZ" dirty="0"/>
+          </a:p>
+        </p:txBody>
+      </p:sp>
+    </p:spTree>
+    <p:extLst>
+      <p:ext uri="{BB962C8B-B14F-4D97-AF65-F5344CB8AC3E}">
+        <p14:creationId xmlns:p14="http://schemas.microsoft.com/office/powerpoint/2010/main" val="611944608"/>
+      </p:ext>
+    </p:extLst>
+  </p:cSld>
+  <p:clrMapOvr>
+    <a:masterClrMapping/>
+  </p:clrMapOvr>
+  <p:timing>
+    <p:tnLst>
+      <p:par>
+        <p:cTn id="1" dur="indefinite" restart="never" nodeType="tmRoot"/>
+      </p:par>
+    </p:tnLst>
+  </p:timing>
+</p:sld>
+</file>
+
+<file path=ppt/slides/slide7.xml><?xml version="1.0" encoding="utf-8"?>
+<p:sld xmlns:a="http://schemas.openxmlformats.org/drawingml/2006/main" xmlns:r="http://schemas.openxmlformats.org/officeDocument/2006/relationships" xmlns:p="http://schemas.openxmlformats.org/presentationml/2006/main">
+  <p:cSld>
+    <p:spTree>
+      <p:nvGrpSpPr>
+        <p:cNvPr id="1" name=""/>
+        <p:cNvGrpSpPr/>
+        <p:nvPr/>
+      </p:nvGrpSpPr>
+      <p:grpSpPr>
+        <a:xfrm>
+          <a:off x="0" y="0"/>
+          <a:ext cx="0" cy="0"/>
+          <a:chOff x="0" y="0"/>
+          <a:chExt cx="0" cy="0"/>
+        </a:xfrm>
+      </p:grpSpPr>
+      <p:sp>
+        <p:nvSpPr>
+          <p:cNvPr id="2" name="Title 1"/>
+          <p:cNvSpPr>
+            <a:spLocks noGrp="1"/>
+          </p:cNvSpPr>
+          <p:nvPr>
+            <p:ph type="title"/>
+          </p:nvPr>
+        </p:nvSpPr>
+        <p:spPr/>
+        <p:txBody>
+          <a:bodyPr/>
+          <a:lstStyle/>
+          <a:p>
+            <a:r>
+              <a:rPr lang="en-NZ" dirty="0" smtClean="0"/>
+              <a:t>Version Control &amp; Testing</a:t>
+            </a:r>
+            <a:endParaRPr lang="en-NZ" dirty="0"/>
+          </a:p>
+        </p:txBody>
+      </p:sp>
+      <p:sp>
+        <p:nvSpPr>
+          <p:cNvPr id="3" name="Content Placeholder 2"/>
+          <p:cNvSpPr>
+            <a:spLocks noGrp="1"/>
+          </p:cNvSpPr>
+          <p:nvPr>
+            <p:ph sz="quarter" idx="1"/>
+          </p:nvPr>
+        </p:nvSpPr>
+        <p:spPr/>
+        <p:txBody>
+          <a:bodyPr/>
+          <a:lstStyle/>
+          <a:p>
+            <a:r>
+              <a:rPr lang="en-NZ" dirty="0" smtClean="0"/>
+              <a:t>Public </a:t>
+            </a:r>
+            <a:r>
+              <a:rPr lang="en-NZ" dirty="0" err="1" smtClean="0"/>
+              <a:t>GitHub</a:t>
+            </a:r>
+            <a:r>
+              <a:rPr lang="en-NZ" dirty="0" smtClean="0"/>
+              <a:t> repository </a:t>
+            </a:r>
+          </a:p>
+          <a:p>
+            <a:endParaRPr lang="en-NZ" dirty="0" smtClean="0"/>
+          </a:p>
+          <a:p>
+            <a:r>
+              <a:rPr lang="en-NZ" dirty="0" smtClean="0"/>
+              <a:t>Testing accuracy of Sensors in different environments and using different materials</a:t>
+            </a:r>
+            <a:endParaRPr lang="en-NZ" dirty="0"/>
+          </a:p>
+        </p:txBody>
+      </p:sp>
+    </p:spTree>
+    <p:extLst>
+      <p:ext uri="{BB962C8B-B14F-4D97-AF65-F5344CB8AC3E}">
+        <p14:creationId xmlns:p14="http://schemas.microsoft.com/office/powerpoint/2010/main" val="2371878854"/>
+      </p:ext>
+    </p:extLst>
+  </p:cSld>
+  <p:clrMapOvr>
+    <a:masterClrMapping/>
+  </p:clrMapOvr>
+  <p:timing>
+    <p:tnLst>
+      <p:par>
+        <p:cTn id="1" dur="indefinite" restart="never" nodeType="tmRoot"/>
+      </p:par>
+    </p:tnLst>
+  </p:timing>
+</p:sld>
+</file>
+
+<file path=ppt/slides/slide8.xml><?xml version="1.0" encoding="utf-8"?>
+<p:sld xmlns:a="http://schemas.openxmlformats.org/drawingml/2006/main" xmlns:r="http://schemas.openxmlformats.org/officeDocument/2006/relationships" xmlns:p="http://schemas.openxmlformats.org/presentationml/2006/main">
+  <p:cSld>
+    <p:spTree>
+      <p:nvGrpSpPr>
+        <p:cNvPr id="1" name=""/>
+        <p:cNvGrpSpPr/>
+        <p:nvPr/>
+      </p:nvGrpSpPr>
+      <p:grpSpPr>
+        <a:xfrm>
+          <a:off x="0" y="0"/>
+          <a:ext cx="0" cy="0"/>
+          <a:chOff x="0" y="0"/>
+          <a:chExt cx="0" cy="0"/>
+        </a:xfrm>
+      </p:grpSpPr>
+      <p:sp>
+        <p:nvSpPr>
+          <p:cNvPr id="2" name="Title 1"/>
+          <p:cNvSpPr>
+            <a:spLocks noGrp="1"/>
+          </p:cNvSpPr>
+          <p:nvPr>
+            <p:ph type="title"/>
+          </p:nvPr>
+        </p:nvSpPr>
+        <p:spPr/>
+        <p:txBody>
+          <a:bodyPr/>
+          <a:lstStyle/>
+          <a:p>
+            <a:r>
+              <a:rPr lang="en-NZ" dirty="0" smtClean="0"/>
+              <a:t>System Architecture </a:t>
+            </a:r>
+            <a:endParaRPr lang="en-NZ" dirty="0"/>
+          </a:p>
+        </p:txBody>
+      </p:sp>
+      <p:pic>
+        <p:nvPicPr>
+          <p:cNvPr id="4" name="Content Placeholder 3"/>
+          <p:cNvPicPr>
+            <a:picLocks noGrp="1" noChangeAspect="1"/>
+          </p:cNvPicPr>
+          <p:nvPr>
+            <p:ph sz="quarter" idx="1"/>
+          </p:nvPr>
+        </p:nvPicPr>
+        <p:blipFill>
+          <a:blip r:embed="rId3">
+            <a:extLst>
+              <a:ext uri="{28A0092B-C50C-407E-A947-70E740481C1C}">
+                <a14:useLocalDpi xmlns:a14="http://schemas.microsoft.com/office/drawing/2010/main" val="0"/>
+              </a:ext>
+            </a:extLst>
+          </a:blip>
+          <a:stretch>
+            <a:fillRect/>
+          </a:stretch>
+        </p:blipFill>
+        <p:spPr>
+          <a:xfrm>
+            <a:off x="1285927" y="1447800"/>
+            <a:ext cx="7029345" cy="4572000"/>
+          </a:xfrm>
+        </p:spPr>
+      </p:pic>
+    </p:spTree>
+    <p:extLst>
+      <p:ext uri="{BB962C8B-B14F-4D97-AF65-F5344CB8AC3E}">
+        <p14:creationId xmlns:p14="http://schemas.microsoft.com/office/powerpoint/2010/main" val="800682384"/>
+      </p:ext>
+    </p:extLst>
+  </p:cSld>
+  <p:clrMapOvr>
+    <a:masterClrMapping/>
+  </p:clrMapOvr>
+  <p:timing>
+    <p:tnLst>
+      <p:par>
+        <p:cTn id="1" dur="indefinite" restart="never" nodeType="tmRoot"/>
+      </p:par>
+    </p:tnLst>
+  </p:timing>
 </p:sld>
 </file>
 
@@ -4172,7 +6259,7 @@
           <a:p>
             <a:r>
               <a:rPr lang="en-NZ" dirty="0" smtClean="0"/>
-              <a:t>MVP </a:t>
+              <a:t>Stable Platform</a:t>
             </a:r>
             <a:endParaRPr lang="en-NZ" dirty="0"/>
           </a:p>
@@ -4185,56 +6272,429 @@
             <a:spLocks noGrp="1"/>
           </p:cNvSpPr>
           <p:nvPr>
-            <p:ph idx="1"/>
-          </p:nvPr>
-        </p:nvSpPr>
-        <p:spPr/>
-        <p:txBody>
-          <a:bodyPr/>
-          <a:lstStyle/>
-          <a:p>
-            <a:r>
-              <a:rPr lang="en-NZ" dirty="0" smtClean="0"/>
-              <a:t>To get our current system mobile  and recording real world data</a:t>
-            </a:r>
-          </a:p>
-          <a:p>
-            <a:pPr marL="0" indent="0">
-              <a:buNone/>
-            </a:pPr>
-            <a:endParaRPr lang="en-NZ" dirty="0" smtClean="0"/>
-          </a:p>
-          <a:p>
-            <a:r>
-              <a:rPr lang="en-NZ" dirty="0" smtClean="0"/>
-              <a:t>Portable</a:t>
-            </a:r>
-          </a:p>
-          <a:p>
-            <a:endParaRPr lang="en-NZ" dirty="0"/>
-          </a:p>
-          <a:p>
-            <a:endParaRPr lang="en-NZ" dirty="0" smtClean="0"/>
-          </a:p>
-          <a:p>
-            <a:endParaRPr lang="en-NZ" dirty="0"/>
-          </a:p>
-        </p:txBody>
-      </p:sp>
+            <p:ph sz="quarter" idx="1"/>
+          </p:nvPr>
+        </p:nvSpPr>
+        <p:spPr/>
+        <p:txBody>
+          <a:bodyPr>
+            <a:normAutofit/>
+          </a:bodyPr>
+          <a:lstStyle/>
+          <a:p>
+            <a:r>
+              <a:rPr lang="en-NZ" sz="2000" dirty="0" smtClean="0"/>
+              <a:t>We are currently using a HC-SR04 sonar sensor</a:t>
+            </a:r>
+          </a:p>
+          <a:p>
+            <a:endParaRPr lang="en-NZ" sz="2000" dirty="0"/>
+          </a:p>
+          <a:p>
+            <a:endParaRPr lang="en-NZ" sz="2000" dirty="0" smtClean="0"/>
+          </a:p>
+          <a:p>
+            <a:endParaRPr lang="en-NZ" sz="2000" dirty="0" smtClean="0"/>
+          </a:p>
+          <a:p>
+            <a:endParaRPr lang="en-NZ" sz="2000" dirty="0"/>
+          </a:p>
+          <a:p>
+            <a:r>
+              <a:rPr lang="en-NZ" sz="2000" dirty="0" smtClean="0"/>
+              <a:t>Proof of concept of wireless transmission using </a:t>
+            </a:r>
+            <a:r>
+              <a:rPr lang="en-NZ" sz="2000" dirty="0" err="1" smtClean="0"/>
+              <a:t>xbees</a:t>
+            </a:r>
+            <a:endParaRPr lang="en-NZ" sz="2000" dirty="0"/>
+          </a:p>
+        </p:txBody>
+      </p:sp>
+      <p:pic>
+        <p:nvPicPr>
+          <p:cNvPr id="4" name="Picture 3"/>
+          <p:cNvPicPr>
+            <a:picLocks noChangeAspect="1"/>
+          </p:cNvPicPr>
+          <p:nvPr/>
+        </p:nvPicPr>
+        <p:blipFill>
+          <a:blip r:embed="rId2">
+            <a:extLst>
+              <a:ext uri="{28A0092B-C50C-407E-A947-70E740481C1C}">
+                <a14:useLocalDpi xmlns:a14="http://schemas.microsoft.com/office/drawing/2010/main" val="0"/>
+              </a:ext>
+            </a:extLst>
+          </a:blip>
+          <a:stretch>
+            <a:fillRect/>
+          </a:stretch>
+        </p:blipFill>
+        <p:spPr>
+          <a:xfrm>
+            <a:off x="5796136" y="1700808"/>
+            <a:ext cx="2851652" cy="1602110"/>
+          </a:xfrm>
+          <a:prstGeom prst="rect">
+            <a:avLst/>
+          </a:prstGeom>
+        </p:spPr>
+      </p:pic>
+      <p:pic>
+        <p:nvPicPr>
+          <p:cNvPr id="5" name="Picture 4"/>
+          <p:cNvPicPr>
+            <a:picLocks noChangeAspect="1"/>
+          </p:cNvPicPr>
+          <p:nvPr/>
+        </p:nvPicPr>
+        <p:blipFill>
+          <a:blip r:embed="rId3">
+            <a:extLst>
+              <a:ext uri="{28A0092B-C50C-407E-A947-70E740481C1C}">
+                <a14:useLocalDpi xmlns:a14="http://schemas.microsoft.com/office/drawing/2010/main" val="0"/>
+              </a:ext>
+            </a:extLst>
+          </a:blip>
+          <a:stretch>
+            <a:fillRect/>
+          </a:stretch>
+        </p:blipFill>
+        <p:spPr>
+          <a:xfrm>
+            <a:off x="899592" y="3789040"/>
+            <a:ext cx="3620670" cy="2034158"/>
+          </a:xfrm>
+          <a:prstGeom prst="rect">
+            <a:avLst/>
+          </a:prstGeom>
+        </p:spPr>
+      </p:pic>
+      <p:pic>
+        <p:nvPicPr>
+          <p:cNvPr id="6" name="Picture 5"/>
+          <p:cNvPicPr>
+            <a:picLocks noChangeAspect="1"/>
+          </p:cNvPicPr>
+          <p:nvPr/>
+        </p:nvPicPr>
+        <p:blipFill>
+          <a:blip r:embed="rId4">
+            <a:extLst>
+              <a:ext uri="{28A0092B-C50C-407E-A947-70E740481C1C}">
+                <a14:useLocalDpi xmlns:a14="http://schemas.microsoft.com/office/drawing/2010/main" val="0"/>
+              </a:ext>
+            </a:extLst>
+          </a:blip>
+          <a:stretch>
+            <a:fillRect/>
+          </a:stretch>
+        </p:blipFill>
+        <p:spPr>
+          <a:xfrm>
+            <a:off x="4860032" y="3789040"/>
+            <a:ext cx="3672408" cy="2063226"/>
+          </a:xfrm>
+          <a:prstGeom prst="rect">
+            <a:avLst/>
+          </a:prstGeom>
+        </p:spPr>
+      </p:pic>
     </p:spTree>
     <p:extLst>
       <p:ext uri="{BB962C8B-B14F-4D97-AF65-F5344CB8AC3E}">
-        <p14:creationId xmlns:p14="http://schemas.microsoft.com/office/powerpoint/2010/main" val="560598213"/>
+        <p14:creationId xmlns:p14="http://schemas.microsoft.com/office/powerpoint/2010/main" val="743813617"/>
       </p:ext>
     </p:extLst>
   </p:cSld>
   <p:clrMapOvr>
     <a:masterClrMapping/>
   </p:clrMapOvr>
+  <p:timing>
+    <p:tnLst>
+      <p:par>
+        <p:cTn id="1" dur="indefinite" restart="never" nodeType="tmRoot"/>
+      </p:par>
+    </p:tnLst>
+  </p:timing>
 </p:sld>
 </file>
 
 <file path=ppt/theme/theme1.xml><?xml version="1.0" encoding="utf-8"?>
+<a:theme xmlns:a="http://schemas.openxmlformats.org/drawingml/2006/main" name="Equity">
+  <a:themeElements>
+    <a:clrScheme name="Equity">
+      <a:dk1>
+        <a:sysClr val="windowText" lastClr="000000"/>
+      </a:dk1>
+      <a:lt1>
+        <a:sysClr val="window" lastClr="FFFFFF"/>
+      </a:lt1>
+      <a:dk2>
+        <a:srgbClr val="696464"/>
+      </a:dk2>
+      <a:lt2>
+        <a:srgbClr val="E9E5DC"/>
+      </a:lt2>
+      <a:accent1>
+        <a:srgbClr val="D34817"/>
+      </a:accent1>
+      <a:accent2>
+        <a:srgbClr val="9B2D1F"/>
+      </a:accent2>
+      <a:accent3>
+        <a:srgbClr val="A28E6A"/>
+      </a:accent3>
+      <a:accent4>
+        <a:srgbClr val="956251"/>
+      </a:accent4>
+      <a:accent5>
+        <a:srgbClr val="918485"/>
+      </a:accent5>
+      <a:accent6>
+        <a:srgbClr val="855D5D"/>
+      </a:accent6>
+      <a:hlink>
+        <a:srgbClr val="CC9900"/>
+      </a:hlink>
+      <a:folHlink>
+        <a:srgbClr val="96A9A9"/>
+      </a:folHlink>
+    </a:clrScheme>
+    <a:fontScheme name="Equity">
+      <a:majorFont>
+        <a:latin typeface="Franklin Gothic Book"/>
+        <a:ea typeface=""/>
+        <a:cs typeface=""/>
+        <a:font script="Grek" typeface="Calibri"/>
+        <a:font script="Cyrl" typeface="Calibri"/>
+        <a:font script="Jpan" typeface="HGｺﾞｼｯｸM"/>
+        <a:font script="Hang" typeface="바탕"/>
+        <a:font script="Hans" typeface="幼圆"/>
+        <a:font script="Hant" typeface="微軟正黑體"/>
+        <a:font script="Arab" typeface="Tahoma"/>
+        <a:font script="Hebr" typeface="Aharoni"/>
+        <a:font script="Thai" typeface="LilyUPC"/>
+        <a:font script="Ethi" typeface="Nyala"/>
+        <a:font script="Beng" typeface="Vrinda"/>
+        <a:font script="Gujr" typeface="Shruti"/>
+        <a:font script="Khmr" typeface="DaunPenh"/>
+        <a:font script="Knda" typeface="Tunga"/>
+        <a:font script="Guru" typeface="Raavi"/>
+        <a:font script="Cans" typeface="Euphemia"/>
+        <a:font script="Cher" typeface="Plantagenet Cherokee"/>
+        <a:font script="Yiii" typeface="Microsoft Yi Baiti"/>
+        <a:font script="Tibt" typeface="Microsoft Himalaya"/>
+        <a:font script="Thaa" typeface="MV Boli"/>
+        <a:font script="Deva" typeface="Mangal"/>
+        <a:font script="Telu" typeface="Gautami"/>
+        <a:font script="Taml" typeface="Latha"/>
+        <a:font script="Syrc" typeface="Estrangelo Edessa"/>
+        <a:font script="Orya" typeface="Kalinga"/>
+        <a:font script="Mlym" typeface="Kartika"/>
+        <a:font script="Laoo" typeface="DokChampa"/>
+        <a:font script="Sinh" typeface="Iskoola Pota"/>
+        <a:font script="Mong" typeface="Mongolian Baiti"/>
+        <a:font script="Viet" typeface="Tahoma"/>
+        <a:font script="Uigh" typeface="Microsoft Uighur"/>
+        <a:font script="Geor" typeface="Sylfaen"/>
+      </a:majorFont>
+      <a:minorFont>
+        <a:latin typeface="Perpetua"/>
+        <a:ea typeface=""/>
+        <a:cs typeface=""/>
+        <a:font script="Grek" typeface="Cambria"/>
+        <a:font script="Cyrl" typeface="Cambria"/>
+        <a:font script="Jpan" typeface="HG創英ﾌﾟﾚｾﾞﾝｽEB"/>
+        <a:font script="Hang" typeface="맑은 고딕"/>
+        <a:font script="Hans" typeface="宋体"/>
+        <a:font script="Hant" typeface="新細明體"/>
+        <a:font script="Arab" typeface="Times New Roman"/>
+        <a:font script="Hebr" typeface="Aharoni"/>
+        <a:font script="Thai" typeface="EucrosiaUPC"/>
+        <a:font script="Ethi" typeface="Nyala"/>
+        <a:font script="Beng" typeface="Vrinda"/>
+        <a:font script="Gujr" typeface="Shruti"/>
+        <a:font script="Khmr" typeface="MoolBoran"/>
+        <a:font script="Knda" typeface="Tunga"/>
+        <a:font script="Guru" typeface="Raavi"/>
+        <a:font script="Cans" typeface="Euphemia"/>
+        <a:font script="Cher" typeface="Plantagenet Cherokee"/>
+        <a:font script="Yiii" typeface="Microsoft Yi Baiti"/>
+        <a:font script="Tibt" typeface="Microsoft Himalaya"/>
+        <a:font script="Thaa" typeface="MV Boli"/>
+        <a:font script="Deva" typeface="Mangal"/>
+        <a:font script="Telu" typeface="Gautami"/>
+        <a:font script="Taml" typeface="Latha"/>
+        <a:font script="Syrc" typeface="Estrangelo Edessa"/>
+        <a:font script="Orya" typeface="Kalinga"/>
+        <a:font script="Mlym" typeface="Kartika"/>
+        <a:font script="Laoo" typeface="DokChampa"/>
+        <a:font script="Sinh" typeface="Iskoola Pota"/>
+        <a:font script="Mong" typeface="Mongolian Baiti"/>
+        <a:font script="Viet" typeface="Times New Roman"/>
+        <a:font script="Uigh" typeface="Microsoft Uighur"/>
+        <a:font script="Geor" typeface="Sylfaen"/>
+      </a:minorFont>
+    </a:fontScheme>
+    <a:fmtScheme name="Equity">
+      <a:fillStyleLst>
+        <a:solidFill>
+          <a:schemeClr val="phClr"/>
+        </a:solidFill>
+        <a:blipFill>
+          <a:blip xmlns:r="http://schemas.openxmlformats.org/officeDocument/2006/relationships" r:embed="rId1">
+            <a:duotone>
+              <a:schemeClr val="phClr">
+                <a:tint val="30000"/>
+                <a:satMod val="300000"/>
+              </a:schemeClr>
+              <a:schemeClr val="phClr">
+                <a:tint val="40000"/>
+                <a:satMod val="200000"/>
+              </a:schemeClr>
+            </a:duotone>
+          </a:blip>
+          <a:tile tx="0" ty="0" sx="70000" sy="70000" flip="none" algn="ctr"/>
+        </a:blipFill>
+        <a:blipFill>
+          <a:blip xmlns:r="http://schemas.openxmlformats.org/officeDocument/2006/relationships" r:embed="rId1">
+            <a:duotone>
+              <a:schemeClr val="phClr">
+                <a:shade val="22000"/>
+                <a:satMod val="160000"/>
+              </a:schemeClr>
+              <a:schemeClr val="phClr">
+                <a:shade val="45000"/>
+                <a:satMod val="100000"/>
+              </a:schemeClr>
+            </a:duotone>
+          </a:blip>
+          <a:tile tx="0" ty="0" sx="65000" sy="65000" flip="none" algn="ctr"/>
+        </a:blipFill>
+      </a:fillStyleLst>
+      <a:lnStyleLst>
+        <a:ln w="9525" cap="flat" cmpd="sng" algn="ctr">
+          <a:solidFill>
+            <a:schemeClr val="phClr">
+              <a:shade val="60000"/>
+              <a:satMod val="110000"/>
+            </a:schemeClr>
+          </a:solidFill>
+          <a:prstDash val="solid"/>
+        </a:ln>
+        <a:ln w="12700" cap="flat" cmpd="sng" algn="ctr">
+          <a:solidFill>
+            <a:schemeClr val="phClr"/>
+          </a:solidFill>
+          <a:prstDash val="solid"/>
+        </a:ln>
+        <a:ln w="38100" cap="flat" cmpd="sng" algn="ctr">
+          <a:solidFill>
+            <a:schemeClr val="phClr"/>
+          </a:solidFill>
+          <a:prstDash val="solid"/>
+        </a:ln>
+      </a:lnStyleLst>
+      <a:effectStyleLst>
+        <a:effectStyle>
+          <a:effectLst>
+            <a:outerShdw blurRad="38100" dist="25400" dir="5400000" algn="t" rotWithShape="0">
+              <a:srgbClr val="000000">
+                <a:alpha val="50000"/>
+              </a:srgbClr>
+            </a:outerShdw>
+          </a:effectLst>
+        </a:effectStyle>
+        <a:effectStyle>
+          <a:effectLst>
+            <a:outerShdw blurRad="38100" dist="25400" dir="5400000" algn="t" rotWithShape="0">
+              <a:srgbClr val="000000">
+                <a:alpha val="50000"/>
+              </a:srgbClr>
+            </a:outerShdw>
+          </a:effectLst>
+        </a:effectStyle>
+        <a:effectStyle>
+          <a:effectLst>
+            <a:outerShdw blurRad="50800" dist="50800" dir="5400000" algn="t" rotWithShape="0">
+              <a:srgbClr val="000000">
+                <a:alpha val="60000"/>
+              </a:srgbClr>
+            </a:outerShdw>
+          </a:effectLst>
+          <a:scene3d>
+            <a:camera prst="isometricBottomUp" fov="0">
+              <a:rot lat="0" lon="0" rev="0"/>
+            </a:camera>
+            <a:lightRig rig="soft" dir="b">
+              <a:rot lat="0" lon="0" rev="9000000"/>
+            </a:lightRig>
+          </a:scene3d>
+          <a:sp3d contourW="35000" prstMaterial="matte">
+            <a:bevelT w="45000" h="38100" prst="convex"/>
+            <a:contourClr>
+              <a:schemeClr val="phClr">
+                <a:tint val="10000"/>
+                <a:satMod val="130000"/>
+              </a:schemeClr>
+            </a:contourClr>
+          </a:sp3d>
+        </a:effectStyle>
+      </a:effectStyleLst>
+      <a:bgFillStyleLst>
+        <a:solidFill>
+          <a:schemeClr val="phClr"/>
+        </a:solidFill>
+        <a:gradFill rotWithShape="1">
+          <a:gsLst>
+            <a:gs pos="0">
+              <a:schemeClr val="phClr">
+                <a:shade val="40000"/>
+                <a:satMod val="165000"/>
+              </a:schemeClr>
+            </a:gs>
+            <a:gs pos="50000">
+              <a:schemeClr val="phClr">
+                <a:shade val="80000"/>
+                <a:satMod val="155000"/>
+              </a:schemeClr>
+            </a:gs>
+            <a:gs pos="100000">
+              <a:schemeClr val="phClr">
+                <a:tint val="95000"/>
+                <a:satMod val="200000"/>
+              </a:schemeClr>
+            </a:gs>
+          </a:gsLst>
+          <a:lin ang="16200000" scaled="1"/>
+        </a:gradFill>
+        <a:blipFill>
+          <a:blip xmlns:r="http://schemas.openxmlformats.org/officeDocument/2006/relationships" r:embed="rId1">
+            <a:duotone>
+              <a:schemeClr val="phClr">
+                <a:tint val="95000"/>
+                <a:satMod val="200000"/>
+              </a:schemeClr>
+              <a:schemeClr val="phClr">
+                <a:shade val="80000"/>
+                <a:satMod val="100000"/>
+              </a:schemeClr>
+            </a:duotone>
+          </a:blip>
+          <a:tile tx="0" ty="0" sx="55000" sy="55000" flip="none" algn="tl"/>
+        </a:blipFill>
+      </a:bgFillStyleLst>
+    </a:fmtScheme>
+  </a:themeElements>
+  <a:objectDefaults/>
+  <a:extraClrSchemeLst/>
+</a:theme>
+</file>
+
+<file path=ppt/theme/theme2.xml><?xml version="1.0" encoding="utf-8"?>
 <a:theme xmlns:a="http://schemas.openxmlformats.org/drawingml/2006/main" name="Office Theme">
   <a:themeElements>
     <a:clrScheme name="Office">

--- a/CZ Technical Defence.pptx
+++ b/CZ Technical Defence.pptx
@@ -117,6 +117,22 @@
       </a:defRPr>
     </a:lvl9pPr>
   </p:defaultTextStyle>
+  <p:extLst>
+    <p:ext uri="{EFAFB233-063F-42B5-8137-9DF3F51BA10A}">
+      <p15:sldGuideLst xmlns:p15="http://schemas.microsoft.com/office/powerpoint/2012/main">
+        <p15:guide id="1" orient="horz" pos="2160">
+          <p15:clr>
+            <a:srgbClr val="A4A3A4"/>
+          </p15:clr>
+        </p15:guide>
+        <p15:guide id="2" pos="2880">
+          <p15:clr>
+            <a:srgbClr val="A4A3A4"/>
+          </p15:clr>
+        </p15:guide>
+      </p15:sldGuideLst>
+    </p:ext>
+  </p:extLst>
 </p:presentation>
 </file>
 
@@ -202,7 +218,7 @@
           <a:p>
             <a:fld id="{953522FE-01C7-4B88-8BDE-D1C3E4B31875}" type="datetimeFigureOut">
               <a:rPr lang="en-NZ" smtClean="0"/>
-              <a:t>9/05/2015</a:t>
+              <a:t>10/05/2015</a:t>
             </a:fld>
             <a:endParaRPr lang="en-NZ"/>
           </a:p>
@@ -580,6 +596,207 @@
 </p:notes>
 </file>
 
+<file path=ppt/notesSlides/notesSlide10.xml><?xml version="1.0" encoding="utf-8"?>
+<p:notes xmlns:a="http://schemas.openxmlformats.org/drawingml/2006/main" xmlns:r="http://schemas.openxmlformats.org/officeDocument/2006/relationships" xmlns:p="http://schemas.openxmlformats.org/presentationml/2006/main">
+  <p:cSld>
+    <p:spTree>
+      <p:nvGrpSpPr>
+        <p:cNvPr id="1" name=""/>
+        <p:cNvGrpSpPr/>
+        <p:nvPr/>
+      </p:nvGrpSpPr>
+      <p:grpSpPr>
+        <a:xfrm>
+          <a:off x="0" y="0"/>
+          <a:ext cx="0" cy="0"/>
+          <a:chOff x="0" y="0"/>
+          <a:chExt cx="0" cy="0"/>
+        </a:xfrm>
+      </p:grpSpPr>
+      <p:sp>
+        <p:nvSpPr>
+          <p:cNvPr id="2" name="Slide Image Placeholder 1"/>
+          <p:cNvSpPr>
+            <a:spLocks noGrp="1" noRot="1" noChangeAspect="1"/>
+          </p:cNvSpPr>
+          <p:nvPr>
+            <p:ph type="sldImg"/>
+          </p:nvPr>
+        </p:nvSpPr>
+        <p:spPr/>
+      </p:sp>
+      <p:sp>
+        <p:nvSpPr>
+          <p:cNvPr id="3" name="Notes Placeholder 2"/>
+          <p:cNvSpPr>
+            <a:spLocks noGrp="1"/>
+          </p:cNvSpPr>
+          <p:nvPr>
+            <p:ph type="body" idx="1"/>
+          </p:nvPr>
+        </p:nvSpPr>
+        <p:spPr/>
+        <p:txBody>
+          <a:bodyPr/>
+          <a:lstStyle/>
+          <a:p>
+            <a:r>
+              <a:rPr lang="en-NZ" dirty="0" smtClean="0"/>
+              <a:t>We</a:t>
+            </a:r>
+            <a:r>
+              <a:rPr lang="en-NZ" baseline="0" dirty="0" smtClean="0"/>
+              <a:t> were able to get the Arduino to store logged information into the SD card that we had </a:t>
+            </a:r>
+            <a:r>
+              <a:rPr lang="en-NZ" baseline="0" dirty="0" err="1" smtClean="0"/>
+              <a:t>attatched</a:t>
+            </a:r>
+            <a:r>
+              <a:rPr lang="en-NZ" baseline="0" dirty="0" smtClean="0"/>
+              <a:t> to show that we are capable of storing data. Although we’ve decided now that we will store data onto the android device instead of the Arduino since it makes more sense rather than pointlessly transmitting data back and forth between the two when the data needs to end up on the android device anyway.</a:t>
+            </a:r>
+          </a:p>
+          <a:p>
+            <a:endParaRPr lang="en-NZ" baseline="0" dirty="0" smtClean="0"/>
+          </a:p>
+          <a:p>
+            <a:r>
+              <a:rPr lang="en-NZ" baseline="0" dirty="0" smtClean="0"/>
+              <a:t>Also for our stable platform we connected a Bluetooth device onto the Arduino to test a different method of sending data wirelessly and a method that can easily be used to connect to an android device. We were able to load up an application on a phone and connect the phone to the Arduino. We were then able to send data between the two so this showed that it was a possible path to travel down.</a:t>
+            </a:r>
+            <a:endParaRPr lang="en-NZ" dirty="0"/>
+          </a:p>
+        </p:txBody>
+      </p:sp>
+      <p:sp>
+        <p:nvSpPr>
+          <p:cNvPr id="4" name="Slide Number Placeholder 3"/>
+          <p:cNvSpPr>
+            <a:spLocks noGrp="1"/>
+          </p:cNvSpPr>
+          <p:nvPr>
+            <p:ph type="sldNum" sz="quarter" idx="10"/>
+          </p:nvPr>
+        </p:nvSpPr>
+        <p:spPr/>
+        <p:txBody>
+          <a:bodyPr/>
+          <a:lstStyle/>
+          <a:p>
+            <a:fld id="{77A119A6-3C65-41E4-A72F-D05C1A5105B9}" type="slidenum">
+              <a:rPr lang="en-NZ" smtClean="0"/>
+              <a:t>10</a:t>
+            </a:fld>
+            <a:endParaRPr lang="en-NZ"/>
+          </a:p>
+        </p:txBody>
+      </p:sp>
+    </p:spTree>
+    <p:extLst>
+      <p:ext uri="{BB962C8B-B14F-4D97-AF65-F5344CB8AC3E}">
+        <p14:creationId xmlns:p14="http://schemas.microsoft.com/office/powerpoint/2010/main" val="3249600443"/>
+      </p:ext>
+    </p:extLst>
+  </p:cSld>
+  <p:clrMapOvr>
+    <a:masterClrMapping/>
+  </p:clrMapOvr>
+</p:notes>
+</file>
+
+<file path=ppt/notesSlides/notesSlide11.xml><?xml version="1.0" encoding="utf-8"?>
+<p:notes xmlns:a="http://schemas.openxmlformats.org/drawingml/2006/main" xmlns:r="http://schemas.openxmlformats.org/officeDocument/2006/relationships" xmlns:p="http://schemas.openxmlformats.org/presentationml/2006/main">
+  <p:cSld>
+    <p:spTree>
+      <p:nvGrpSpPr>
+        <p:cNvPr id="1" name=""/>
+        <p:cNvGrpSpPr/>
+        <p:nvPr/>
+      </p:nvGrpSpPr>
+      <p:grpSpPr>
+        <a:xfrm>
+          <a:off x="0" y="0"/>
+          <a:ext cx="0" cy="0"/>
+          <a:chOff x="0" y="0"/>
+          <a:chExt cx="0" cy="0"/>
+        </a:xfrm>
+      </p:grpSpPr>
+      <p:sp>
+        <p:nvSpPr>
+          <p:cNvPr id="2" name="Slide Image Placeholder 1"/>
+          <p:cNvSpPr>
+            <a:spLocks noGrp="1" noRot="1" noChangeAspect="1"/>
+          </p:cNvSpPr>
+          <p:nvPr>
+            <p:ph type="sldImg"/>
+          </p:nvPr>
+        </p:nvSpPr>
+        <p:spPr/>
+      </p:sp>
+      <p:sp>
+        <p:nvSpPr>
+          <p:cNvPr id="3" name="Notes Placeholder 2"/>
+          <p:cNvSpPr>
+            <a:spLocks noGrp="1"/>
+          </p:cNvSpPr>
+          <p:nvPr>
+            <p:ph type="body" idx="1"/>
+          </p:nvPr>
+        </p:nvSpPr>
+        <p:spPr/>
+        <p:txBody>
+          <a:bodyPr/>
+          <a:lstStyle/>
+          <a:p>
+            <a:r>
+              <a:rPr lang="en-NZ" dirty="0" smtClean="0"/>
+              <a:t>For our minimum viable product we will have</a:t>
+            </a:r>
+            <a:r>
+              <a:rPr lang="en-NZ" baseline="0" dirty="0" smtClean="0"/>
+              <a:t> the Arduino set up to send a signal to the android device with the proximity of an object whenever the object gets too close. We will have the android device log the distance with the time and location. With this we should be able to start collecting proper data and to get our product in use.</a:t>
+            </a:r>
+            <a:endParaRPr lang="en-NZ" dirty="0"/>
+          </a:p>
+        </p:txBody>
+      </p:sp>
+      <p:sp>
+        <p:nvSpPr>
+          <p:cNvPr id="4" name="Slide Number Placeholder 3"/>
+          <p:cNvSpPr>
+            <a:spLocks noGrp="1"/>
+          </p:cNvSpPr>
+          <p:nvPr>
+            <p:ph type="sldNum" sz="quarter" idx="10"/>
+          </p:nvPr>
+        </p:nvSpPr>
+        <p:spPr/>
+        <p:txBody>
+          <a:bodyPr/>
+          <a:lstStyle/>
+          <a:p>
+            <a:fld id="{77A119A6-3C65-41E4-A72F-D05C1A5105B9}" type="slidenum">
+              <a:rPr lang="en-NZ" smtClean="0"/>
+              <a:t>11</a:t>
+            </a:fld>
+            <a:endParaRPr lang="en-NZ"/>
+          </a:p>
+        </p:txBody>
+      </p:sp>
+    </p:spTree>
+    <p:extLst>
+      <p:ext uri="{BB962C8B-B14F-4D97-AF65-F5344CB8AC3E}">
+        <p14:creationId xmlns:p14="http://schemas.microsoft.com/office/powerpoint/2010/main" val="1925345013"/>
+      </p:ext>
+    </p:extLst>
+  </p:cSld>
+  <p:clrMapOvr>
+    <a:masterClrMapping/>
+  </p:clrMapOvr>
+</p:notes>
+</file>
+
 <file path=ppt/notesSlides/notesSlide2.xml><?xml version="1.0" encoding="utf-8"?>
 <p:notes xmlns:a="http://schemas.openxmlformats.org/drawingml/2006/main" xmlns:r="http://schemas.openxmlformats.org/officeDocument/2006/relationships" xmlns:p="http://schemas.openxmlformats.org/presentationml/2006/main">
   <p:cSld>
@@ -1065,39 +1282,6 @@
           <a:p>
             <a:r>
               <a:rPr lang="en-NZ" baseline="0" dirty="0" smtClean="0"/>
-              <a:t>We are using and </a:t>
-            </a:r>
-            <a:r>
-              <a:rPr lang="en-NZ" baseline="0" dirty="0" err="1" smtClean="0"/>
-              <a:t>sd</a:t>
-            </a:r>
-            <a:r>
-              <a:rPr lang="en-NZ" baseline="0" dirty="0" smtClean="0"/>
-              <a:t> card reader/writer with our project because we want to be able to store data that the Arduino receives. The Data gets stored to the </a:t>
-            </a:r>
-            <a:r>
-              <a:rPr lang="en-NZ" baseline="0" dirty="0" err="1" smtClean="0"/>
-              <a:t>arduino</a:t>
-            </a:r>
-            <a:r>
-              <a:rPr lang="en-NZ" baseline="0" dirty="0" smtClean="0"/>
-              <a:t> is Time, location and proximity of the vehicle. Having the data stored to the </a:t>
-            </a:r>
-            <a:r>
-              <a:rPr lang="en-NZ" baseline="0" dirty="0" err="1" smtClean="0"/>
-              <a:t>sd</a:t>
-            </a:r>
-            <a:r>
-              <a:rPr lang="en-NZ" baseline="0" dirty="0" smtClean="0"/>
-              <a:t> card helps with retrieval of the data, if sending our data through the phone network fails.</a:t>
-            </a:r>
-          </a:p>
-          <a:p>
-            <a:endParaRPr lang="en-NZ" baseline="0" dirty="0" smtClean="0"/>
-          </a:p>
-          <a:p>
-            <a:r>
-              <a:rPr lang="en-NZ" baseline="0" dirty="0" smtClean="0"/>
               <a:t>We are using a Bluetooth module to communicate with a android phone, in order to gain access to the phones resources. The resources that we want from the phone are </a:t>
             </a:r>
             <a:r>
@@ -1446,21 +1630,34 @@
           <a:p>
             <a:r>
               <a:rPr lang="en-NZ" dirty="0" smtClean="0"/>
-              <a:t>When the</a:t>
+              <a:t>Change diagram</a:t>
+            </a:r>
+          </a:p>
+          <a:p>
+            <a:endParaRPr lang="en-NZ" dirty="0" smtClean="0"/>
+          </a:p>
+          <a:p>
+            <a:r>
+              <a:rPr lang="en-NZ" dirty="0" smtClean="0"/>
+              <a:t>When</a:t>
             </a:r>
             <a:r>
               <a:rPr lang="en-NZ" baseline="0" dirty="0" smtClean="0"/>
-              <a:t> Arduino detects an object within a close range, it requests location and time data from the android device via </a:t>
+              <a:t> the sensors on the Arduino pick up an object within a close proximity to the cyclist it will send the distance over to the android device. The android device will take the distance a log it along with date, time and location onto it’s local storage. Either when the user specifies or automatically when connected via </a:t>
             </a:r>
             <a:r>
               <a:rPr lang="en-NZ" baseline="0" dirty="0" err="1" smtClean="0"/>
-              <a:t>bluetooth</a:t>
+              <a:t>wifi</a:t>
             </a:r>
             <a:r>
               <a:rPr lang="en-NZ" baseline="0" dirty="0" smtClean="0"/>
-              <a:t>, and once it receives the time/location data and saves it on the SD card.</a:t>
-            </a:r>
-            <a:endParaRPr lang="en-NZ" dirty="0"/>
+              <a:t> the android device will send the data it’s collected to the server. The DCC front end will then request the data from the server to load up on a map to </a:t>
+            </a:r>
+            <a:r>
+              <a:rPr lang="en-NZ" baseline="0" smtClean="0"/>
+              <a:t>be viewed.</a:t>
+            </a:r>
+            <a:endParaRPr lang="en-NZ" dirty="0" smtClean="0"/>
           </a:p>
         </p:txBody>
       </p:sp>
@@ -1491,6 +1688,144 @@
     <p:extLst>
       <p:ext uri="{BB962C8B-B14F-4D97-AF65-F5344CB8AC3E}">
         <p14:creationId xmlns:p14="http://schemas.microsoft.com/office/powerpoint/2010/main" val="1518509350"/>
+      </p:ext>
+    </p:extLst>
+  </p:cSld>
+  <p:clrMapOvr>
+    <a:masterClrMapping/>
+  </p:clrMapOvr>
+</p:notes>
+</file>
+
+<file path=ppt/notesSlides/notesSlide9.xml><?xml version="1.0" encoding="utf-8"?>
+<p:notes xmlns:a="http://schemas.openxmlformats.org/drawingml/2006/main" xmlns:r="http://schemas.openxmlformats.org/officeDocument/2006/relationships" xmlns:p="http://schemas.openxmlformats.org/presentationml/2006/main">
+  <p:cSld>
+    <p:spTree>
+      <p:nvGrpSpPr>
+        <p:cNvPr id="1" name=""/>
+        <p:cNvGrpSpPr/>
+        <p:nvPr/>
+      </p:nvGrpSpPr>
+      <p:grpSpPr>
+        <a:xfrm>
+          <a:off x="0" y="0"/>
+          <a:ext cx="0" cy="0"/>
+          <a:chOff x="0" y="0"/>
+          <a:chExt cx="0" cy="0"/>
+        </a:xfrm>
+      </p:grpSpPr>
+      <p:sp>
+        <p:nvSpPr>
+          <p:cNvPr id="2" name="Slide Image Placeholder 1"/>
+          <p:cNvSpPr>
+            <a:spLocks noGrp="1" noRot="1" noChangeAspect="1"/>
+          </p:cNvSpPr>
+          <p:nvPr>
+            <p:ph type="sldImg"/>
+          </p:nvPr>
+        </p:nvSpPr>
+        <p:spPr/>
+      </p:sp>
+      <p:sp>
+        <p:nvSpPr>
+          <p:cNvPr id="3" name="Notes Placeholder 2"/>
+          <p:cNvSpPr>
+            <a:spLocks noGrp="1"/>
+          </p:cNvSpPr>
+          <p:nvPr>
+            <p:ph type="body" idx="1"/>
+          </p:nvPr>
+        </p:nvSpPr>
+        <p:spPr/>
+        <p:txBody>
+          <a:bodyPr/>
+          <a:lstStyle/>
+          <a:p>
+            <a:r>
+              <a:rPr lang="en-NZ" dirty="0" smtClean="0"/>
+              <a:t>For our stable platform we have gotten</a:t>
+            </a:r>
+            <a:r>
+              <a:rPr lang="en-NZ" baseline="0" dirty="0" smtClean="0"/>
+              <a:t> the HC-SR04 sensor working with the </a:t>
+            </a:r>
+            <a:r>
+              <a:rPr lang="en-NZ" baseline="0" dirty="0" err="1" smtClean="0"/>
+              <a:t>NewPing</a:t>
+            </a:r>
+            <a:r>
+              <a:rPr lang="en-NZ" baseline="0" dirty="0" smtClean="0"/>
+              <a:t> </a:t>
+            </a:r>
+            <a:r>
+              <a:rPr lang="en-NZ" baseline="0" dirty="0" err="1" smtClean="0"/>
+              <a:t>libaray</a:t>
+            </a:r>
+            <a:r>
+              <a:rPr lang="en-NZ" baseline="0" dirty="0" smtClean="0"/>
+              <a:t>. Using this we are able to get distances of objects that move </a:t>
+            </a:r>
+            <a:r>
+              <a:rPr lang="en-NZ" baseline="0" dirty="0" err="1" smtClean="0"/>
+              <a:t>infront</a:t>
+            </a:r>
+            <a:r>
+              <a:rPr lang="en-NZ" baseline="0" dirty="0" smtClean="0"/>
+              <a:t> of the sensor.</a:t>
+            </a:r>
+          </a:p>
+          <a:p>
+            <a:r>
+              <a:rPr lang="en-NZ" baseline="0" dirty="0" smtClean="0"/>
+              <a:t>We connected an </a:t>
+            </a:r>
+            <a:r>
+              <a:rPr lang="en-NZ" baseline="0" dirty="0" err="1" smtClean="0"/>
+              <a:t>Xbee</a:t>
+            </a:r>
+            <a:r>
+              <a:rPr lang="en-NZ" baseline="0" dirty="0" smtClean="0"/>
+              <a:t> to the Arduino which allowed us to wirelessly send data to another nearby </a:t>
+            </a:r>
+            <a:r>
+              <a:rPr lang="en-NZ" baseline="0" dirty="0" err="1" smtClean="0"/>
+              <a:t>Xbee</a:t>
+            </a:r>
+            <a:r>
+              <a:rPr lang="en-NZ" baseline="0" dirty="0" smtClean="0"/>
+              <a:t> which is just a proof of concept of being able to wirelessly send data.</a:t>
+            </a:r>
+            <a:endParaRPr lang="en-NZ" dirty="0"/>
+          </a:p>
+        </p:txBody>
+      </p:sp>
+      <p:sp>
+        <p:nvSpPr>
+          <p:cNvPr id="4" name="Slide Number Placeholder 3"/>
+          <p:cNvSpPr>
+            <a:spLocks noGrp="1"/>
+          </p:cNvSpPr>
+          <p:nvPr>
+            <p:ph type="sldNum" sz="quarter" idx="10"/>
+          </p:nvPr>
+        </p:nvSpPr>
+        <p:spPr/>
+        <p:txBody>
+          <a:bodyPr/>
+          <a:lstStyle/>
+          <a:p>
+            <a:fld id="{77A119A6-3C65-41E4-A72F-D05C1A5105B9}" type="slidenum">
+              <a:rPr lang="en-NZ" smtClean="0"/>
+              <a:t>9</a:t>
+            </a:fld>
+            <a:endParaRPr lang="en-NZ"/>
+          </a:p>
+        </p:txBody>
+      </p:sp>
+    </p:spTree>
+    <p:extLst>
+      <p:ext uri="{BB962C8B-B14F-4D97-AF65-F5344CB8AC3E}">
+        <p14:creationId xmlns:p14="http://schemas.microsoft.com/office/powerpoint/2010/main" val="3044272144"/>
       </p:ext>
     </p:extLst>
   </p:cSld>
@@ -1694,7 +2029,7 @@
           <a:p>
             <a:fld id="{3AAAF2AB-DDF1-48E8-8A5E-DE86AC31DF5E}" type="datetimeFigureOut">
               <a:rPr lang="en-NZ" smtClean="0"/>
-              <a:t>9/05/2015</a:t>
+              <a:t>10/05/2015</a:t>
             </a:fld>
             <a:endParaRPr lang="en-NZ"/>
           </a:p>
@@ -2047,7 +2382,7 @@
           <a:p>
             <a:fld id="{3AAAF2AB-DDF1-48E8-8A5E-DE86AC31DF5E}" type="datetimeFigureOut">
               <a:rPr lang="en-NZ" smtClean="0"/>
-              <a:t>9/05/2015</a:t>
+              <a:t>10/05/2015</a:t>
             </a:fld>
             <a:endParaRPr lang="en-NZ"/>
           </a:p>
@@ -2222,7 +2557,7 @@
           <a:p>
             <a:fld id="{3AAAF2AB-DDF1-48E8-8A5E-DE86AC31DF5E}" type="datetimeFigureOut">
               <a:rPr lang="en-NZ" smtClean="0"/>
-              <a:t>9/05/2015</a:t>
+              <a:t>10/05/2015</a:t>
             </a:fld>
             <a:endParaRPr lang="en-NZ"/>
           </a:p>
@@ -2335,7 +2670,7 @@
           <a:p>
             <a:fld id="{3AAAF2AB-DDF1-48E8-8A5E-DE86AC31DF5E}" type="datetimeFigureOut">
               <a:rPr lang="en-NZ" smtClean="0"/>
-              <a:t>9/05/2015</a:t>
+              <a:t>10/05/2015</a:t>
             </a:fld>
             <a:endParaRPr lang="en-NZ"/>
           </a:p>
@@ -2693,7 +3028,7 @@
           <a:p>
             <a:fld id="{3AAAF2AB-DDF1-48E8-8A5E-DE86AC31DF5E}" type="datetimeFigureOut">
               <a:rPr lang="en-NZ" smtClean="0"/>
-              <a:t>9/05/2015</a:t>
+              <a:t>10/05/2015</a:t>
             </a:fld>
             <a:endParaRPr lang="en-NZ"/>
           </a:p>
@@ -2958,7 +3293,7 @@
           <a:p>
             <a:fld id="{3AAAF2AB-DDF1-48E8-8A5E-DE86AC31DF5E}" type="datetimeFigureOut">
               <a:rPr lang="en-NZ" smtClean="0"/>
-              <a:t>9/05/2015</a:t>
+              <a:t>10/05/2015</a:t>
             </a:fld>
             <a:endParaRPr lang="en-NZ"/>
           </a:p>
@@ -3320,7 +3655,7 @@
           <a:p>
             <a:fld id="{3AAAF2AB-DDF1-48E8-8A5E-DE86AC31DF5E}" type="datetimeFigureOut">
               <a:rPr lang="en-NZ" smtClean="0"/>
-              <a:t>9/05/2015</a:t>
+              <a:t>10/05/2015</a:t>
             </a:fld>
             <a:endParaRPr lang="en-NZ"/>
           </a:p>
@@ -3547,7 +3882,7 @@
           <a:p>
             <a:fld id="{3AAAF2AB-DDF1-48E8-8A5E-DE86AC31DF5E}" type="datetimeFigureOut">
               <a:rPr lang="en-NZ" smtClean="0"/>
-              <a:t>9/05/2015</a:t>
+              <a:t>10/05/2015</a:t>
             </a:fld>
             <a:endParaRPr lang="en-NZ"/>
           </a:p>
@@ -3637,7 +3972,7 @@
           <a:p>
             <a:fld id="{3AAAF2AB-DDF1-48E8-8A5E-DE86AC31DF5E}" type="datetimeFigureOut">
               <a:rPr lang="en-NZ" smtClean="0"/>
-              <a:t>9/05/2015</a:t>
+              <a:t>10/05/2015</a:t>
             </a:fld>
             <a:endParaRPr lang="en-NZ"/>
           </a:p>
@@ -3904,7 +4239,7 @@
           <a:p>
             <a:fld id="{3AAAF2AB-DDF1-48E8-8A5E-DE86AC31DF5E}" type="datetimeFigureOut">
               <a:rPr lang="en-NZ" smtClean="0"/>
-              <a:t>9/05/2015</a:t>
+              <a:t>10/05/2015</a:t>
             </a:fld>
             <a:endParaRPr lang="en-NZ"/>
           </a:p>
@@ -4132,7 +4467,7 @@
           <a:p>
             <a:fld id="{3AAAF2AB-DDF1-48E8-8A5E-DE86AC31DF5E}" type="datetimeFigureOut">
               <a:rPr lang="en-NZ" smtClean="0"/>
-              <a:t>9/05/2015</a:t>
+              <a:t>10/05/2015</a:t>
             </a:fld>
             <a:endParaRPr lang="en-NZ"/>
           </a:p>
@@ -4631,7 +4966,7 @@
           <a:p>
             <a:fld id="{3AAAF2AB-DDF1-48E8-8A5E-DE86AC31DF5E}" type="datetimeFigureOut">
               <a:rPr lang="en-NZ" smtClean="0"/>
-              <a:t>9/05/2015</a:t>
+              <a:t>10/05/2015</a:t>
             </a:fld>
             <a:endParaRPr lang="en-NZ"/>
           </a:p>
@@ -5211,7 +5546,7 @@
           <p:nvPr/>
         </p:nvPicPr>
         <p:blipFill>
-          <a:blip r:embed="rId2">
+          <a:blip r:embed="rId3">
             <a:extLst>
               <a:ext uri="{28A0092B-C50C-407E-A947-70E740481C1C}">
                 <a14:useLocalDpi xmlns:a14="http://schemas.microsoft.com/office/drawing/2010/main" val="0"/>
@@ -5241,7 +5576,7 @@
           <p:nvPr/>
         </p:nvPicPr>
         <p:blipFill>
-          <a:blip r:embed="rId3">
+          <a:blip r:embed="rId4">
             <a:extLst>
               <a:ext uri="{28A0092B-C50C-407E-A947-70E740481C1C}">
                 <a14:useLocalDpi xmlns:a14="http://schemas.microsoft.com/office/drawing/2010/main" val="0"/>
@@ -5271,7 +5606,7 @@
           <p:nvPr/>
         </p:nvPicPr>
         <p:blipFill>
-          <a:blip r:embed="rId4">
+          <a:blip r:embed="rId5">
             <a:extLst>
               <a:ext uri="{28A0092B-C50C-407E-A947-70E740481C1C}">
                 <a14:useLocalDpi xmlns:a14="http://schemas.microsoft.com/office/drawing/2010/main" val="0"/>
@@ -5301,7 +5636,7 @@
           <p:nvPr/>
         </p:nvPicPr>
         <p:blipFill>
-          <a:blip r:embed="rId5">
+          <a:blip r:embed="rId6">
             <a:extLst>
               <a:ext uri="{28A0092B-C50C-407E-A947-70E740481C1C}">
                 <a14:useLocalDpi xmlns:a14="http://schemas.microsoft.com/office/drawing/2010/main" val="0"/>
@@ -5376,11 +5711,11 @@
           <a:p>
             <a:r>
               <a:rPr lang="en-NZ" dirty="0" smtClean="0"/>
-              <a:t>Development Pathway</a:t>
+              <a:t>Development </a:t>
             </a:r>
             <a:r>
               <a:rPr lang="en-NZ" dirty="0" smtClean="0"/>
-              <a:t> </a:t>
+              <a:t>Pathway/MVP</a:t>
             </a:r>
             <a:endParaRPr lang="en-NZ" dirty="0"/>
           </a:p>
@@ -5720,18 +6055,32 @@
           <a:bodyPr/>
           <a:lstStyle/>
           <a:p>
+            <a:r>
+              <a:rPr lang="en-NZ" dirty="0" smtClean="0"/>
+              <a:t>Try </a:t>
+            </a:r>
+            <a:r>
+              <a:rPr lang="en-NZ" dirty="0" smtClean="0"/>
+              <a:t>to keep interaction between user and system minimized </a:t>
+            </a:r>
             <a:endParaRPr lang="en-NZ" dirty="0" smtClean="0"/>
           </a:p>
           <a:p>
-            <a:endParaRPr lang="en-NZ" dirty="0"/>
-          </a:p>
-          <a:p>
-            <a:endParaRPr lang="en-NZ" dirty="0" smtClean="0"/>
-          </a:p>
-          <a:p>
             <a:r>
               <a:rPr lang="en-NZ" dirty="0" smtClean="0"/>
-              <a:t>Try to keep interaction between user and system minimized </a:t>
+              <a:t>User pairs android device to Arduino initially</a:t>
+            </a:r>
+          </a:p>
+          <a:p>
+            <a:r>
+              <a:rPr lang="en-NZ" dirty="0" smtClean="0"/>
+              <a:t>Users will be able to see the data they are collecting</a:t>
+            </a:r>
+          </a:p>
+          <a:p>
+            <a:r>
+              <a:rPr lang="en-NZ" dirty="0" smtClean="0"/>
+              <a:t>DCC user will be able to see the collected data on a map</a:t>
             </a:r>
             <a:endParaRPr lang="en-NZ" dirty="0"/>
           </a:p>
@@ -5836,17 +6185,11 @@
           <a:p>
             <a:r>
               <a:rPr lang="en-NZ" dirty="0" smtClean="0"/>
-              <a:t>Sonar sensor</a:t>
-            </a:r>
-          </a:p>
-          <a:p>
+              <a:t>Sonar </a:t>
+            </a:r>
             <a:r>
               <a:rPr lang="en-NZ" dirty="0" smtClean="0"/>
-              <a:t>SD card </a:t>
-            </a:r>
-            <a:r>
-              <a:rPr lang="en-NZ" dirty="0" smtClean="0"/>
-              <a:t>reader/writer</a:t>
+              <a:t>sensor</a:t>
             </a:r>
           </a:p>
           <a:p>
@@ -5854,6 +6197,7 @@
               <a:rPr lang="en-NZ" dirty="0" smtClean="0"/>
               <a:t>Bluetooth </a:t>
             </a:r>
+            <a:endParaRPr lang="en-NZ" dirty="0" smtClean="0"/>
           </a:p>
           <a:p>
             <a:pPr marL="0" indent="0">
@@ -6321,7 +6665,7 @@
           <p:nvPr/>
         </p:nvPicPr>
         <p:blipFill>
-          <a:blip r:embed="rId2">
+          <a:blip r:embed="rId3">
             <a:extLst>
               <a:ext uri="{28A0092B-C50C-407E-A947-70E740481C1C}">
                 <a14:useLocalDpi xmlns:a14="http://schemas.microsoft.com/office/drawing/2010/main" val="0"/>
@@ -6351,7 +6695,7 @@
           <p:nvPr/>
         </p:nvPicPr>
         <p:blipFill>
-          <a:blip r:embed="rId3">
+          <a:blip r:embed="rId4">
             <a:extLst>
               <a:ext uri="{28A0092B-C50C-407E-A947-70E740481C1C}">
                 <a14:useLocalDpi xmlns:a14="http://schemas.microsoft.com/office/drawing/2010/main" val="0"/>
@@ -6381,7 +6725,7 @@
           <p:nvPr/>
         </p:nvPicPr>
         <p:blipFill>
-          <a:blip r:embed="rId4">
+          <a:blip r:embed="rId5">
             <a:extLst>
               <a:ext uri="{28A0092B-C50C-407E-A947-70E740481C1C}">
                 <a14:useLocalDpi xmlns:a14="http://schemas.microsoft.com/office/drawing/2010/main" val="0"/>
